--- a/presentation/presentation.pptx
+++ b/presentation/presentation.pptx
@@ -10,6 +10,9 @@
     <p:sldId id="258" r:id="rId4"/>
     <p:sldId id="260" r:id="rId5"/>
     <p:sldId id="259" r:id="rId6"/>
+    <p:sldId id="261" r:id="rId7"/>
+    <p:sldId id="262" r:id="rId8"/>
+    <p:sldId id="263" r:id="rId9"/>
   </p:sldIdLst>
   <p:sldSz cx="12192000" cy="6858000"/>
   <p:notesSz cx="6858000" cy="9144000"/>
@@ -307,7 +310,7 @@
           <a:p>
             <a:fld id="{EE7E1182-497A-4582-8953-C22A11329843}" type="datetimeFigureOut">
               <a:rPr lang="de-AT" smtClean="0"/>
-              <a:t>23.03.2021</a:t>
+              <a:t>24.03.2021</a:t>
             </a:fld>
             <a:endParaRPr lang="de-AT"/>
           </a:p>
@@ -743,7 +746,7 @@
           <a:p>
             <a:fld id="{EE7E1182-497A-4582-8953-C22A11329843}" type="datetimeFigureOut">
               <a:rPr lang="de-AT" smtClean="0"/>
-              <a:t>23.03.2021</a:t>
+              <a:t>24.03.2021</a:t>
             </a:fld>
             <a:endParaRPr lang="de-AT"/>
           </a:p>
@@ -993,7 +996,7 @@
           <a:p>
             <a:fld id="{EE7E1182-497A-4582-8953-C22A11329843}" type="datetimeFigureOut">
               <a:rPr lang="de-AT" smtClean="0"/>
-              <a:t>23.03.2021</a:t>
+              <a:t>24.03.2021</a:t>
             </a:fld>
             <a:endParaRPr lang="de-AT"/>
           </a:p>
@@ -1301,7 +1304,7 @@
           <a:p>
             <a:fld id="{EE7E1182-497A-4582-8953-C22A11329843}" type="datetimeFigureOut">
               <a:rPr lang="de-AT" smtClean="0"/>
-              <a:t>23.03.2021</a:t>
+              <a:t>24.03.2021</a:t>
             </a:fld>
             <a:endParaRPr lang="de-AT"/>
           </a:p>
@@ -1619,7 +1622,7 @@
           <a:p>
             <a:fld id="{EE7E1182-497A-4582-8953-C22A11329843}" type="datetimeFigureOut">
               <a:rPr lang="de-AT" smtClean="0"/>
-              <a:t>23.03.2021</a:t>
+              <a:t>24.03.2021</a:t>
             </a:fld>
             <a:endParaRPr lang="de-AT"/>
           </a:p>
@@ -1921,7 +1924,7 @@
           <a:p>
             <a:fld id="{EE7E1182-497A-4582-8953-C22A11329843}" type="datetimeFigureOut">
               <a:rPr lang="de-AT" smtClean="0"/>
-              <a:t>23.03.2021</a:t>
+              <a:t>24.03.2021</a:t>
             </a:fld>
             <a:endParaRPr lang="de-AT"/>
           </a:p>
@@ -2288,7 +2291,7 @@
           <a:p>
             <a:fld id="{EE7E1182-497A-4582-8953-C22A11329843}" type="datetimeFigureOut">
               <a:rPr lang="de-AT" smtClean="0"/>
-              <a:t>23.03.2021</a:t>
+              <a:t>24.03.2021</a:t>
             </a:fld>
             <a:endParaRPr lang="de-AT"/>
           </a:p>
@@ -2462,7 +2465,7 @@
           <a:p>
             <a:fld id="{EE7E1182-497A-4582-8953-C22A11329843}" type="datetimeFigureOut">
               <a:rPr lang="de-AT" smtClean="0"/>
-              <a:t>23.03.2021</a:t>
+              <a:t>24.03.2021</a:t>
             </a:fld>
             <a:endParaRPr lang="de-AT"/>
           </a:p>
@@ -2642,7 +2645,7 @@
           <a:p>
             <a:fld id="{EE7E1182-497A-4582-8953-C22A11329843}" type="datetimeFigureOut">
               <a:rPr lang="de-AT" smtClean="0"/>
-              <a:t>23.03.2021</a:t>
+              <a:t>24.03.2021</a:t>
             </a:fld>
             <a:endParaRPr lang="de-AT"/>
           </a:p>
@@ -2812,7 +2815,7 @@
           <a:p>
             <a:fld id="{EE7E1182-497A-4582-8953-C22A11329843}" type="datetimeFigureOut">
               <a:rPr lang="de-AT" smtClean="0"/>
-              <a:t>23.03.2021</a:t>
+              <a:t>24.03.2021</a:t>
             </a:fld>
             <a:endParaRPr lang="de-AT"/>
           </a:p>
@@ -3062,7 +3065,7 @@
           <a:p>
             <a:fld id="{EE7E1182-497A-4582-8953-C22A11329843}" type="datetimeFigureOut">
               <a:rPr lang="de-AT" smtClean="0"/>
-              <a:t>23.03.2021</a:t>
+              <a:t>24.03.2021</a:t>
             </a:fld>
             <a:endParaRPr lang="de-AT"/>
           </a:p>
@@ -3298,7 +3301,7 @@
           <a:p>
             <a:fld id="{EE7E1182-497A-4582-8953-C22A11329843}" type="datetimeFigureOut">
               <a:rPr lang="de-AT" smtClean="0"/>
-              <a:t>23.03.2021</a:t>
+              <a:t>24.03.2021</a:t>
             </a:fld>
             <a:endParaRPr lang="de-AT"/>
           </a:p>
@@ -3680,7 +3683,7 @@
           <a:p>
             <a:fld id="{EE7E1182-497A-4582-8953-C22A11329843}" type="datetimeFigureOut">
               <a:rPr lang="de-AT" smtClean="0"/>
-              <a:t>23.03.2021</a:t>
+              <a:t>24.03.2021</a:t>
             </a:fld>
             <a:endParaRPr lang="de-AT"/>
           </a:p>
@@ -3798,7 +3801,7 @@
           <a:p>
             <a:fld id="{EE7E1182-497A-4582-8953-C22A11329843}" type="datetimeFigureOut">
               <a:rPr lang="de-AT" smtClean="0"/>
-              <a:t>23.03.2021</a:t>
+              <a:t>24.03.2021</a:t>
             </a:fld>
             <a:endParaRPr lang="de-AT"/>
           </a:p>
@@ -3893,7 +3896,7 @@
           <a:p>
             <a:fld id="{EE7E1182-497A-4582-8953-C22A11329843}" type="datetimeFigureOut">
               <a:rPr lang="de-AT" smtClean="0"/>
-              <a:t>23.03.2021</a:t>
+              <a:t>24.03.2021</a:t>
             </a:fld>
             <a:endParaRPr lang="de-AT"/>
           </a:p>
@@ -4148,7 +4151,7 @@
           <a:p>
             <a:fld id="{EE7E1182-497A-4582-8953-C22A11329843}" type="datetimeFigureOut">
               <a:rPr lang="de-AT" smtClean="0"/>
-              <a:t>23.03.2021</a:t>
+              <a:t>24.03.2021</a:t>
             </a:fld>
             <a:endParaRPr lang="de-AT"/>
           </a:p>
@@ -4431,7 +4434,7 @@
           <a:p>
             <a:fld id="{EE7E1182-497A-4582-8953-C22A11329843}" type="datetimeFigureOut">
               <a:rPr lang="de-AT" smtClean="0"/>
-              <a:t>23.03.2021</a:t>
+              <a:t>24.03.2021</a:t>
             </a:fld>
             <a:endParaRPr lang="de-AT"/>
           </a:p>
@@ -4837,7 +4840,7 @@
           <a:p>
             <a:fld id="{EE7E1182-497A-4582-8953-C22A11329843}" type="datetimeFigureOut">
               <a:rPr lang="de-AT" smtClean="0"/>
-              <a:t>23.03.2021</a:t>
+              <a:t>24.03.2021</a:t>
             </a:fld>
             <a:endParaRPr lang="de-AT"/>
           </a:p>
@@ -16585,6 +16588,435 @@
 </p:sld>
 </file>
 
+<file path=ppt/slides/slide6.xml><?xml version="1.0" encoding="utf-8"?>
+<p:sld xmlns:a="http://schemas.openxmlformats.org/drawingml/2006/main" xmlns:r="http://schemas.openxmlformats.org/officeDocument/2006/relationships" xmlns:p="http://schemas.openxmlformats.org/presentationml/2006/main">
+  <p:cSld>
+    <p:spTree>
+      <p:nvGrpSpPr>
+        <p:cNvPr id="1" name=""/>
+        <p:cNvGrpSpPr/>
+        <p:nvPr/>
+      </p:nvGrpSpPr>
+      <p:grpSpPr>
+        <a:xfrm>
+          <a:off x="0" y="0"/>
+          <a:ext cx="0" cy="0"/>
+          <a:chOff x="0" y="0"/>
+          <a:chExt cx="0" cy="0"/>
+        </a:xfrm>
+      </p:grpSpPr>
+      <p:sp>
+        <p:nvSpPr>
+          <p:cNvPr id="2" name="Titel 1">
+            <a:extLst>
+              <a:ext uri="{FF2B5EF4-FFF2-40B4-BE49-F238E27FC236}">
+                <a16:creationId xmlns:a16="http://schemas.microsoft.com/office/drawing/2014/main" id="{B759202A-3BDE-4B45-B6FF-13610CE7CC67}"/>
+              </a:ext>
+            </a:extLst>
+          </p:cNvPr>
+          <p:cNvSpPr>
+            <a:spLocks noGrp="1"/>
+          </p:cNvSpPr>
+          <p:nvPr>
+            <p:ph type="title"/>
+          </p:nvPr>
+        </p:nvSpPr>
+        <p:spPr/>
+        <p:txBody>
+          <a:bodyPr/>
+          <a:lstStyle/>
+          <a:p>
+            <a:r>
+              <a:rPr lang="de-AT" dirty="0" err="1"/>
+              <a:t>What</a:t>
+            </a:r>
+            <a:r>
+              <a:rPr lang="de-AT" dirty="0"/>
+              <a:t> </a:t>
+            </a:r>
+            <a:r>
+              <a:rPr lang="de-AT" dirty="0" err="1"/>
+              <a:t>is</a:t>
+            </a:r>
+            <a:r>
+              <a:rPr lang="de-AT" dirty="0"/>
+              <a:t> </a:t>
+            </a:r>
+            <a:r>
+              <a:rPr lang="de-AT" dirty="0" err="1"/>
+              <a:t>Heuristic</a:t>
+            </a:r>
+            <a:r>
+              <a:rPr lang="de-AT" dirty="0"/>
+              <a:t>-Evaluation</a:t>
+            </a:r>
+          </a:p>
+        </p:txBody>
+      </p:sp>
+      <p:sp>
+        <p:nvSpPr>
+          <p:cNvPr id="3" name="Inhaltsplatzhalter 2">
+            <a:extLst>
+              <a:ext uri="{FF2B5EF4-FFF2-40B4-BE49-F238E27FC236}">
+                <a16:creationId xmlns:a16="http://schemas.microsoft.com/office/drawing/2014/main" id="{1AF5D36F-FFA4-4490-8EDD-479100EA3102}"/>
+              </a:ext>
+            </a:extLst>
+          </p:cNvPr>
+          <p:cNvSpPr>
+            <a:spLocks noGrp="1"/>
+          </p:cNvSpPr>
+          <p:nvPr>
+            <p:ph idx="1"/>
+          </p:nvPr>
+        </p:nvSpPr>
+        <p:spPr/>
+        <p:txBody>
+          <a:bodyPr/>
+          <a:lstStyle/>
+          <a:p>
+            <a:r>
+              <a:rPr lang="de-AT" dirty="0" err="1"/>
+              <a:t>Evaluate</a:t>
+            </a:r>
+            <a:r>
+              <a:rPr lang="de-AT" dirty="0"/>
+              <a:t> interface design</a:t>
+            </a:r>
+          </a:p>
+          <a:p>
+            <a:r>
+              <a:rPr lang="de-AT" dirty="0"/>
+              <a:t>More </a:t>
+            </a:r>
+            <a:r>
+              <a:rPr lang="de-AT" dirty="0" err="1"/>
+              <a:t>evaluators</a:t>
+            </a:r>
+            <a:r>
+              <a:rPr lang="de-AT" dirty="0"/>
+              <a:t> find </a:t>
+            </a:r>
+            <a:r>
+              <a:rPr lang="de-AT" dirty="0" err="1"/>
+              <a:t>more</a:t>
+            </a:r>
+            <a:r>
+              <a:rPr lang="de-AT" dirty="0"/>
+              <a:t> </a:t>
+            </a:r>
+            <a:r>
+              <a:rPr lang="de-AT" dirty="0" err="1"/>
+              <a:t>problems</a:t>
+            </a:r>
+            <a:endParaRPr lang="de-AT" dirty="0"/>
+          </a:p>
+          <a:p>
+            <a:r>
+              <a:rPr lang="de-AT" dirty="0"/>
+              <a:t>4 </a:t>
+            </a:r>
+            <a:r>
+              <a:rPr lang="de-AT" dirty="0" err="1"/>
+              <a:t>Evaluators</a:t>
+            </a:r>
+            <a:r>
+              <a:rPr lang="de-AT" dirty="0"/>
+              <a:t> will find </a:t>
+            </a:r>
+            <a:r>
+              <a:rPr lang="de-AT" dirty="0" err="1"/>
+              <a:t>most</a:t>
+            </a:r>
+            <a:r>
+              <a:rPr lang="de-AT" dirty="0"/>
+              <a:t> </a:t>
+            </a:r>
+            <a:r>
+              <a:rPr lang="de-AT" dirty="0" err="1"/>
+              <a:t>problems</a:t>
+            </a:r>
+            <a:endParaRPr lang="de-AT" dirty="0"/>
+          </a:p>
+        </p:txBody>
+      </p:sp>
+    </p:spTree>
+    <p:extLst>
+      <p:ext uri="{BB962C8B-B14F-4D97-AF65-F5344CB8AC3E}">
+        <p14:creationId xmlns:p14="http://schemas.microsoft.com/office/powerpoint/2010/main" val="25703018"/>
+      </p:ext>
+    </p:extLst>
+  </p:cSld>
+  <p:clrMapOvr>
+    <a:masterClrMapping/>
+  </p:clrMapOvr>
+</p:sld>
+</file>
+
+<file path=ppt/slides/slide7.xml><?xml version="1.0" encoding="utf-8"?>
+<p:sld xmlns:a="http://schemas.openxmlformats.org/drawingml/2006/main" xmlns:r="http://schemas.openxmlformats.org/officeDocument/2006/relationships" xmlns:p="http://schemas.openxmlformats.org/presentationml/2006/main">
+  <p:cSld>
+    <p:spTree>
+      <p:nvGrpSpPr>
+        <p:cNvPr id="1" name=""/>
+        <p:cNvGrpSpPr/>
+        <p:nvPr/>
+      </p:nvGrpSpPr>
+      <p:grpSpPr>
+        <a:xfrm>
+          <a:off x="0" y="0"/>
+          <a:ext cx="0" cy="0"/>
+          <a:chOff x="0" y="0"/>
+          <a:chExt cx="0" cy="0"/>
+        </a:xfrm>
+      </p:grpSpPr>
+      <p:sp>
+        <p:nvSpPr>
+          <p:cNvPr id="2" name="Titel 1">
+            <a:extLst>
+              <a:ext uri="{FF2B5EF4-FFF2-40B4-BE49-F238E27FC236}">
+                <a16:creationId xmlns:a16="http://schemas.microsoft.com/office/drawing/2014/main" id="{A1DF7569-246E-4D1F-A2BF-797515519FC5}"/>
+              </a:ext>
+            </a:extLst>
+          </p:cNvPr>
+          <p:cNvSpPr>
+            <a:spLocks noGrp="1"/>
+          </p:cNvSpPr>
+          <p:nvPr>
+            <p:ph type="title"/>
+          </p:nvPr>
+        </p:nvSpPr>
+        <p:spPr/>
+        <p:txBody>
+          <a:bodyPr/>
+          <a:lstStyle/>
+          <a:p>
+            <a:r>
+              <a:rPr lang="de-AT" dirty="0" err="1"/>
+              <a:t>How</a:t>
+            </a:r>
+            <a:r>
+              <a:rPr lang="de-AT" dirty="0"/>
+              <a:t> will </a:t>
+            </a:r>
+            <a:r>
+              <a:rPr lang="de-AT" dirty="0" err="1"/>
+              <a:t>you</a:t>
+            </a:r>
+            <a:r>
+              <a:rPr lang="de-AT" dirty="0"/>
+              <a:t> </a:t>
+            </a:r>
+            <a:r>
+              <a:rPr lang="de-AT" dirty="0" err="1"/>
+              <a:t>get</a:t>
+            </a:r>
+            <a:r>
+              <a:rPr lang="de-AT" dirty="0"/>
+              <a:t> </a:t>
+            </a:r>
+            <a:r>
+              <a:rPr lang="de-AT" dirty="0" err="1"/>
+              <a:t>the</a:t>
+            </a:r>
+            <a:r>
+              <a:rPr lang="de-AT" dirty="0"/>
+              <a:t> </a:t>
+            </a:r>
+            <a:r>
+              <a:rPr lang="de-AT" dirty="0" err="1"/>
+              <a:t>results</a:t>
+            </a:r>
+            <a:endParaRPr lang="de-AT" dirty="0"/>
+          </a:p>
+        </p:txBody>
+      </p:sp>
+      <p:sp>
+        <p:nvSpPr>
+          <p:cNvPr id="3" name="Inhaltsplatzhalter 2">
+            <a:extLst>
+              <a:ext uri="{FF2B5EF4-FFF2-40B4-BE49-F238E27FC236}">
+                <a16:creationId xmlns:a16="http://schemas.microsoft.com/office/drawing/2014/main" id="{1F6B0EC2-2EA3-4A48-82E8-74EDC3D70CAD}"/>
+              </a:ext>
+            </a:extLst>
+          </p:cNvPr>
+          <p:cNvSpPr>
+            <a:spLocks noGrp="1"/>
+          </p:cNvSpPr>
+          <p:nvPr>
+            <p:ph idx="1"/>
+          </p:nvPr>
+        </p:nvSpPr>
+        <p:spPr/>
+        <p:txBody>
+          <a:bodyPr/>
+          <a:lstStyle/>
+          <a:p>
+            <a:r>
+              <a:rPr lang="de-AT" dirty="0"/>
+              <a:t>Every </a:t>
+            </a:r>
+            <a:r>
+              <a:rPr lang="de-AT" dirty="0" err="1"/>
+              <a:t>evalution</a:t>
+            </a:r>
+            <a:r>
+              <a:rPr lang="de-AT" dirty="0"/>
+              <a:t> </a:t>
+            </a:r>
+            <a:r>
+              <a:rPr lang="de-AT" dirty="0" err="1"/>
+              <a:t>recorded</a:t>
+            </a:r>
+            <a:endParaRPr lang="de-AT" dirty="0"/>
+          </a:p>
+          <a:p>
+            <a:r>
+              <a:rPr lang="de-AT" dirty="0"/>
+              <a:t>Video </a:t>
+            </a:r>
+            <a:r>
+              <a:rPr lang="de-AT" dirty="0" err="1"/>
+              <a:t>clips</a:t>
+            </a:r>
+            <a:r>
+              <a:rPr lang="de-AT" dirty="0"/>
+              <a:t> </a:t>
+            </a:r>
+            <a:r>
+              <a:rPr lang="de-AT" dirty="0" err="1"/>
+              <a:t>of</a:t>
+            </a:r>
+            <a:r>
+              <a:rPr lang="de-AT" dirty="0"/>
+              <a:t> </a:t>
+            </a:r>
+            <a:r>
+              <a:rPr lang="de-AT" dirty="0" err="1"/>
+              <a:t>findings</a:t>
+            </a:r>
+            <a:r>
+              <a:rPr lang="de-AT" dirty="0"/>
+              <a:t> </a:t>
+            </a:r>
+            <a:r>
+              <a:rPr lang="de-AT" dirty="0" err="1"/>
+              <a:t>provided</a:t>
+            </a:r>
+            <a:endParaRPr lang="de-AT" dirty="0"/>
+          </a:p>
+          <a:p>
+            <a:r>
+              <a:rPr lang="de-AT" dirty="0"/>
+              <a:t>Text will </a:t>
+            </a:r>
+            <a:r>
+              <a:rPr lang="de-AT" dirty="0" err="1"/>
+              <a:t>describe</a:t>
+            </a:r>
+            <a:r>
+              <a:rPr lang="de-AT" dirty="0"/>
+              <a:t> </a:t>
+            </a:r>
+            <a:r>
+              <a:rPr lang="de-AT" dirty="0" err="1"/>
+              <a:t>the</a:t>
+            </a:r>
+            <a:r>
+              <a:rPr lang="de-AT" dirty="0"/>
+              <a:t> </a:t>
+            </a:r>
+            <a:r>
+              <a:rPr lang="de-AT" dirty="0" err="1"/>
+              <a:t>findings</a:t>
+            </a:r>
+            <a:r>
+              <a:rPr lang="de-AT" dirty="0"/>
+              <a:t> in </a:t>
+            </a:r>
+            <a:r>
+              <a:rPr lang="de-AT" dirty="0" err="1"/>
+              <a:t>detail</a:t>
+            </a:r>
+            <a:endParaRPr lang="de-AT" dirty="0"/>
+          </a:p>
+        </p:txBody>
+      </p:sp>
+    </p:spTree>
+    <p:extLst>
+      <p:ext uri="{BB962C8B-B14F-4D97-AF65-F5344CB8AC3E}">
+        <p14:creationId xmlns:p14="http://schemas.microsoft.com/office/powerpoint/2010/main" val="2326188402"/>
+      </p:ext>
+    </p:extLst>
+  </p:cSld>
+  <p:clrMapOvr>
+    <a:masterClrMapping/>
+  </p:clrMapOvr>
+</p:sld>
+</file>
+
+<file path=ppt/slides/slide8.xml><?xml version="1.0" encoding="utf-8"?>
+<p:sld xmlns:a="http://schemas.openxmlformats.org/drawingml/2006/main" xmlns:r="http://schemas.openxmlformats.org/officeDocument/2006/relationships" xmlns:p="http://schemas.openxmlformats.org/presentationml/2006/main">
+  <p:cSld>
+    <p:spTree>
+      <p:nvGrpSpPr>
+        <p:cNvPr id="1" name=""/>
+        <p:cNvGrpSpPr/>
+        <p:nvPr/>
+      </p:nvGrpSpPr>
+      <p:grpSpPr>
+        <a:xfrm>
+          <a:off x="0" y="0"/>
+          <a:ext cx="0" cy="0"/>
+          <a:chOff x="0" y="0"/>
+          <a:chExt cx="0" cy="0"/>
+        </a:xfrm>
+      </p:grpSpPr>
+      <p:sp>
+        <p:nvSpPr>
+          <p:cNvPr id="2" name="Titel 1">
+            <a:extLst>
+              <a:ext uri="{FF2B5EF4-FFF2-40B4-BE49-F238E27FC236}">
+                <a16:creationId xmlns:a16="http://schemas.microsoft.com/office/drawing/2014/main" id="{4D9A2D85-F019-49B1-B91E-C8EB8B96B1A1}"/>
+              </a:ext>
+            </a:extLst>
+          </p:cNvPr>
+          <p:cNvSpPr>
+            <a:spLocks noGrp="1"/>
+          </p:cNvSpPr>
+          <p:nvPr>
+            <p:ph type="title"/>
+          </p:nvPr>
+        </p:nvSpPr>
+        <p:spPr>
+          <a:xfrm>
+            <a:off x="1828800" y="2675466"/>
+            <a:ext cx="8534400" cy="1507067"/>
+          </a:xfrm>
+        </p:spPr>
+        <p:txBody>
+          <a:bodyPr/>
+          <a:lstStyle/>
+          <a:p>
+            <a:r>
+              <a:rPr lang="de-AT" dirty="0"/>
+              <a:t>Vielen Danke für Ihre Aufmerksamkeit</a:t>
+            </a:r>
+          </a:p>
+        </p:txBody>
+      </p:sp>
+    </p:spTree>
+    <p:extLst>
+      <p:ext uri="{BB962C8B-B14F-4D97-AF65-F5344CB8AC3E}">
+        <p14:creationId xmlns:p14="http://schemas.microsoft.com/office/powerpoint/2010/main" val="3676398800"/>
+      </p:ext>
+    </p:extLst>
+  </p:cSld>
+  <p:clrMapOvr>
+    <a:masterClrMapping/>
+  </p:clrMapOvr>
+</p:sld>
+</file>
+
 <file path=ppt/theme/theme1.xml><?xml version="1.0" encoding="utf-8"?>
 <a:theme xmlns:a="http://schemas.openxmlformats.org/drawingml/2006/main" name="Segment">
   <a:themeElements>

--- a/presentation/presentation.pptx
+++ b/presentation/presentation.pptx
@@ -6285,14 +6285,14 @@
             <p:ph idx="1"/>
             <p:extLst>
               <p:ext uri="{D42A27DB-BD31-4B8C-83A1-F6EECF244321}">
-                <p14:modId xmlns:p14="http://schemas.microsoft.com/office/powerpoint/2010/main" val="2034438471"/>
+                <p14:modId xmlns:p14="http://schemas.microsoft.com/office/powerpoint/2010/main" val="3688855642"/>
               </p:ext>
             </p:extLst>
           </p:nvPr>
         </p:nvGraphicFramePr>
         <p:xfrm>
           <a:off x="1599359" y="1006997"/>
-          <a:ext cx="8337647" cy="2869160"/>
+          <a:ext cx="8337647" cy="2985118"/>
         </p:xfrm>
         <a:graphic>
           <a:graphicData uri="http://schemas.openxmlformats.org/drawingml/2006/table">
@@ -6572,16 +6572,16 @@
                         </a:spcAft>
                       </a:pPr>
                       <a:r>
-                        <a:rPr lang="de-AT" sz="900" b="1" i="0" u="none" strike="noStrike">
+                        <a:rPr lang="de-AT" sz="900" b="1" i="0" u="none" strike="noStrike" dirty="0">
                           <a:solidFill>
                             <a:srgbClr val="000000"/>
                           </a:solidFill>
                           <a:effectLst/>
                           <a:latin typeface="Arial" panose="020B0604020202020204" pitchFamily="34" charset="0"/>
                         </a:rPr>
-                        <a:t>Thomas Gelb (TG)</a:t>
+                        <a:t>Manuel Moser (MM)</a:t>
                       </a:r>
-                      <a:endParaRPr lang="de-AT" sz="900" b="0" i="0" u="none" strike="noStrike">
+                      <a:endParaRPr lang="de-AT" sz="900" b="0" i="0" u="none" strike="noStrike" dirty="0">
                         <a:solidFill>
                           <a:srgbClr val="000000"/>
                         </a:solidFill>
@@ -6927,8 +6927,12 @@
                           <a:effectLst/>
                           <a:latin typeface="Arial" panose="020B0604020202020204" pitchFamily="34" charset="0"/>
                         </a:rPr>
-                        <a:t>31</a:t>
+                        <a:t>22</a:t>
                       </a:r>
+                      <a:endParaRPr lang="de-AT" sz="900" b="0" i="0" u="none" strike="noStrike" dirty="0">
+                        <a:effectLst/>
+                        <a:latin typeface="Arial" panose="020B0604020202020204" pitchFamily="34" charset="0"/>
+                      </a:endParaRPr>
                     </a:p>
                   </a:txBody>
                   <a:tcPr marL="46577" marR="46577" marT="23289" marB="23289">
@@ -7573,12 +7577,13 @@
                         </a:spcAft>
                       </a:pPr>
                       <a:r>
-                        <a:rPr lang="de-AT" sz="900" b="0" i="0" u="none" strike="noStrike">
-                          <a:effectLst/>
-                          <a:latin typeface="Arial" panose="020B0604020202020204" pitchFamily="34" charset="0"/>
-                        </a:rPr>
-                        <a:t>Samsung Galaxy S3</a:t>
+                        <a:rPr lang="de-AT" sz="900" dirty="0"/>
+                        <a:t>Motorola Moto g8 power</a:t>
                       </a:r>
+                      <a:endParaRPr lang="de-AT" sz="900" b="0" i="0" u="none" strike="noStrike" dirty="0">
+                        <a:effectLst/>
+                        <a:latin typeface="Arial" panose="020B0604020202020204" pitchFamily="34" charset="0"/>
+                      </a:endParaRPr>
                     </a:p>
                   </a:txBody>
                   <a:tcPr marL="46577" marR="46577" marT="23289" marB="23289">
@@ -7634,7 +7639,7 @@
                         </a:spcAft>
                       </a:pPr>
                       <a:r>
-                        <a:rPr lang="de-AT" sz="900" b="0" i="0" u="none" strike="noStrike">
+                        <a:rPr lang="de-AT" sz="900" b="0" i="0" u="none" strike="noStrike" dirty="0">
                           <a:effectLst/>
                           <a:latin typeface="Arial" panose="020B0604020202020204" pitchFamily="34" charset="0"/>
                         </a:rPr>
@@ -7898,11 +7903,11 @@
                         </a:spcAft>
                       </a:pPr>
                       <a:r>
-                        <a:rPr lang="de-AT" sz="900" b="0" i="0" u="none" strike="noStrike">
+                        <a:rPr lang="de-AT" sz="900" b="0" i="0" u="none" strike="noStrike" dirty="0">
                           <a:effectLst/>
                           <a:latin typeface="Arial" panose="020B0604020202020204" pitchFamily="34" charset="0"/>
                         </a:rPr>
-                        <a:t>Android 4.1.2</a:t>
+                        <a:t>Android  10</a:t>
                       </a:r>
                     </a:p>
                   </a:txBody>
@@ -7959,11 +7964,18 @@
                         </a:spcAft>
                       </a:pPr>
                       <a:r>
-                        <a:rPr lang="de-AT" sz="900" b="0" i="0" u="none" strike="noStrike">
+                        <a:rPr lang="de-AT" sz="900" b="0" i="0" u="none" strike="noStrike" dirty="0" err="1">
                           <a:effectLst/>
                           <a:latin typeface="Arial" panose="020B0604020202020204" pitchFamily="34" charset="0"/>
                         </a:rPr>
-                        <a:t>iOS 14.4.1</a:t>
+                        <a:t>iPadOS</a:t>
+                      </a:r>
+                      <a:r>
+                        <a:rPr lang="de-AT" sz="900" b="0" i="0" u="none" strike="noStrike" dirty="0">
+                          <a:effectLst/>
+                          <a:latin typeface="Arial" panose="020B0604020202020204" pitchFamily="34" charset="0"/>
+                        </a:rPr>
+                        <a:t> 14.4.1</a:t>
                       </a:r>
                     </a:p>
                   </a:txBody>
@@ -8223,11 +8235,11 @@
                         </a:spcAft>
                       </a:pPr>
                       <a:r>
-                        <a:rPr lang="de-AT" sz="900" b="0" i="0" u="none" strike="noStrike">
+                        <a:rPr lang="de-AT" sz="900" b="0" i="0" u="none" strike="noStrike" dirty="0">
                           <a:effectLst/>
                           <a:latin typeface="Arial" panose="020B0604020202020204" pitchFamily="34" charset="0"/>
                         </a:rPr>
-                        <a:t>4.8″</a:t>
+                        <a:t>6.4″</a:t>
                       </a:r>
                     </a:p>
                   </a:txBody>
@@ -8284,7 +8296,7 @@
                         </a:spcAft>
                       </a:pPr>
                       <a:r>
-                        <a:rPr lang="de-AT" sz="900" b="0" i="0" u="none" strike="noStrike">
+                        <a:rPr lang="de-AT" sz="900" b="0" i="0" u="none" strike="noStrike" dirty="0">
                           <a:effectLst/>
                           <a:latin typeface="Arial" panose="020B0604020202020204" pitchFamily="34" charset="0"/>
                         </a:rPr>
@@ -8548,11 +8560,11 @@
                         </a:spcAft>
                       </a:pPr>
                       <a:r>
-                        <a:rPr lang="de-AT" sz="900" b="0" i="0" u="none" strike="noStrike">
+                        <a:rPr lang="de-AT" sz="900" b="0" i="0" u="none" strike="noStrike" dirty="0">
                           <a:effectLst/>
                           <a:latin typeface="Arial" panose="020B0604020202020204" pitchFamily="34" charset="0"/>
                         </a:rPr>
-                        <a:t>720×1280</a:t>
+                        <a:t>1080×2300</a:t>
                       </a:r>
                     </a:p>
                   </a:txBody>
@@ -8873,12 +8885,13 @@
                         </a:spcAft>
                       </a:pPr>
                       <a:r>
-                        <a:rPr lang="de-AT" sz="900" b="0" i="0" u="none" strike="noStrike">
-                          <a:effectLst/>
-                          <a:latin typeface="Arial" panose="020B0604020202020204" pitchFamily="34" charset="0"/>
-                        </a:rPr>
-                        <a:t>Firefox 68.0</a:t>
+                        <a:rPr lang="de-AT" sz="900" dirty="0"/>
+                        <a:t>Brave 1.21.77</a:t>
                       </a:r>
+                      <a:endParaRPr lang="de-AT" sz="900" b="0" i="0" u="none" strike="noStrike" dirty="0">
+                        <a:effectLst/>
+                        <a:latin typeface="Arial" panose="020B0604020202020204" pitchFamily="34" charset="0"/>
+                      </a:endParaRPr>
                     </a:p>
                   </a:txBody>
                   <a:tcPr marL="46577" marR="46577" marT="23289" marB="23289">
@@ -9198,12 +9211,16 @@
                         </a:spcAft>
                       </a:pPr>
                       <a:r>
-                        <a:rPr lang="de-AT" sz="900" b="0" i="0" u="none" strike="noStrike">
+                        <a:rPr lang="de-AT" sz="900" b="0" i="0" u="none" strike="noStrike" dirty="0" err="1">
                           <a:effectLst/>
                           <a:latin typeface="Arial" panose="020B0604020202020204" pitchFamily="34" charset="0"/>
                         </a:rPr>
-                        <a:t>uBlock x.x</a:t>
+                        <a:t>none</a:t>
                       </a:r>
+                      <a:endParaRPr lang="de-AT" sz="900" b="0" i="0" u="none" strike="noStrike" dirty="0">
+                        <a:effectLst/>
+                        <a:latin typeface="Arial" panose="020B0604020202020204" pitchFamily="34" charset="0"/>
+                      </a:endParaRPr>
                     </a:p>
                   </a:txBody>
                   <a:tcPr marL="46577" marR="46577" marT="23289" marB="23289">
@@ -9523,11 +9540,11 @@
                         </a:spcAft>
                       </a:pPr>
                       <a:r>
-                        <a:rPr lang="de-AT" sz="900" b="0" i="0" u="none" strike="noStrike">
+                        <a:rPr lang="de-AT" sz="900" b="0" i="0" u="none" strike="noStrike" dirty="0">
                           <a:effectLst/>
                           <a:latin typeface="Arial" panose="020B0604020202020204" pitchFamily="34" charset="0"/>
                         </a:rPr>
-                        <a:t>HoT, LTE (hotspot)</a:t>
+                        <a:t>WiFi</a:t>
                       </a:r>
                     </a:p>
                   </a:txBody>
@@ -9848,12 +9865,23 @@
                         </a:spcAft>
                       </a:pPr>
                       <a:r>
-                        <a:rPr lang="de-AT" sz="900" b="0" i="0" u="none" strike="noStrike">
+                        <a:rPr lang="de-AT" sz="900" b="0" i="0" u="none" strike="noStrike" dirty="0">
                           <a:effectLst/>
                           <a:latin typeface="Arial" panose="020B0604020202020204" pitchFamily="34" charset="0"/>
                         </a:rPr>
-                        <a:t>20 mbps</a:t>
+                        <a:t>25 </a:t>
                       </a:r>
+                      <a:r>
+                        <a:rPr lang="de-AT" sz="900" b="0" i="0" u="none" strike="noStrike" dirty="0" err="1">
+                          <a:effectLst/>
+                          <a:latin typeface="Arial" panose="020B0604020202020204" pitchFamily="34" charset="0"/>
+                        </a:rPr>
+                        <a:t>mbps</a:t>
+                      </a:r>
+                      <a:endParaRPr lang="de-AT" sz="900" b="0" i="0" u="none" strike="noStrike" dirty="0">
+                        <a:effectLst/>
+                        <a:latin typeface="Arial" panose="020B0604020202020204" pitchFamily="34" charset="0"/>
+                      </a:endParaRPr>
                     </a:p>
                   </a:txBody>
                   <a:tcPr marL="46577" marR="46577" marT="23289" marB="23289">
@@ -10173,11 +10201,11 @@
                         </a:spcAft>
                       </a:pPr>
                       <a:r>
-                        <a:rPr lang="de-AT" sz="900" b="0" i="0" u="none" strike="noStrike">
+                        <a:rPr lang="de-AT" sz="900" b="0" i="0" u="none" strike="noStrike" dirty="0">
                           <a:effectLst/>
                           <a:latin typeface="Arial" panose="020B0604020202020204" pitchFamily="34" charset="0"/>
                         </a:rPr>
-                        <a:t>720×1280</a:t>
+                        <a:t>414×702</a:t>
                       </a:r>
                     </a:p>
                   </a:txBody>
@@ -10823,11 +10851,11 @@
                         </a:spcAft>
                       </a:pPr>
                       <a:r>
-                        <a:rPr lang="de-AT" sz="900" b="0" i="0" u="none" strike="noStrike">
+                        <a:rPr lang="de-AT" sz="900" b="0" i="0" u="none" strike="noStrike" dirty="0">
                           <a:effectLst/>
                           <a:latin typeface="Arial" panose="020B0604020202020204" pitchFamily="34" charset="0"/>
                         </a:rPr>
-                        <a:t>2021-04-15</a:t>
+                        <a:t>2021-04-12</a:t>
                       </a:r>
                     </a:p>
                   </a:txBody>
@@ -11262,14 +11290,14 @@
             <p:ph idx="1"/>
             <p:extLst>
               <p:ext uri="{D42A27DB-BD31-4B8C-83A1-F6EECF244321}">
-                <p14:modId xmlns:p14="http://schemas.microsoft.com/office/powerpoint/2010/main" val="1731035037"/>
+                <p14:modId xmlns:p14="http://schemas.microsoft.com/office/powerpoint/2010/main" val="3444900817"/>
               </p:ext>
             </p:extLst>
           </p:nvPr>
         </p:nvGraphicFramePr>
         <p:xfrm>
           <a:off x="1599359" y="1006997"/>
-          <a:ext cx="9002335" cy="3380080"/>
+          <a:ext cx="9002335" cy="3521544"/>
         </p:xfrm>
         <a:graphic>
           <a:graphicData uri="http://schemas.openxmlformats.org/drawingml/2006/table">
@@ -11312,7 +11340,7 @@
                   </a:extLst>
                 </a:gridCol>
               </a:tblGrid>
-              <a:tr h="204940">
+              <a:tr h="209244">
                 <a:tc>
                   <a:txBody>
                     <a:bodyPr/>
@@ -11556,7 +11584,7 @@
                           <a:effectLst/>
                           <a:latin typeface="Arial" panose="020B0604020202020204" pitchFamily="34" charset="0"/>
                         </a:rPr>
-                        <a:t>Thomas Gelb (TG)</a:t>
+                        <a:t>Manuel Moser (MM)</a:t>
                       </a:r>
                       <a:endParaRPr lang="de-AT" sz="900" b="0" i="0" u="none" strike="noStrike" dirty="0">
                         <a:solidFill>
@@ -11844,7 +11872,7 @@
                         </a:spcAft>
                       </a:pPr>
                       <a:r>
-                        <a:rPr lang="de-AT" sz="900" b="0" i="0" u="none" strike="noStrike" kern="1200">
+                        <a:rPr lang="de-AT" sz="900" b="0" i="0" u="none" strike="noStrike" kern="1200" dirty="0">
                           <a:solidFill>
                             <a:schemeClr val="tx1"/>
                           </a:solidFill>
@@ -11910,7 +11938,7 @@
                         </a:spcAft>
                       </a:pPr>
                       <a:r>
-                        <a:rPr lang="de-AT" sz="900" b="0" i="0" u="none" strike="noStrike" kern="1200">
+                        <a:rPr lang="de-AT" sz="900" b="0" i="0" u="none" strike="noStrike" kern="1200" dirty="0">
                           <a:solidFill>
                             <a:schemeClr val="tx1"/>
                           </a:solidFill>
@@ -11919,7 +11947,7 @@
                           <a:ea typeface="+mn-ea"/>
                           <a:cs typeface="+mn-cs"/>
                         </a:rPr>
-                        <a:t>31</a:t>
+                        <a:t>22</a:t>
                       </a:r>
                     </a:p>
                   </a:txBody>
@@ -11976,7 +12004,7 @@
                         </a:spcAft>
                       </a:pPr>
                       <a:r>
-                        <a:rPr lang="de-AT" sz="900" b="0" i="0" u="none" strike="noStrike" kern="1200">
+                        <a:rPr lang="de-AT" sz="900" b="0" i="0" u="none" strike="noStrike" kern="1200" dirty="0">
                           <a:solidFill>
                             <a:schemeClr val="tx1"/>
                           </a:solidFill>
@@ -12609,7 +12637,7 @@
                           <a:ea typeface="+mn-ea"/>
                           <a:cs typeface="+mn-cs"/>
                         </a:rPr>
-                        <a:t>Lenovo ThinkPad E14</a:t>
+                        <a:t>PC</a:t>
                       </a:r>
                     </a:p>
                   </a:txBody>
@@ -12957,7 +12985,7 @@
                         </a:spcAft>
                       </a:pPr>
                       <a:r>
-                        <a:rPr lang="en-US" sz="900" b="0" i="0" u="none" strike="noStrike" kern="1200" dirty="0">
+                        <a:rPr lang="de-AT" sz="900" b="0" i="0" u="none" strike="noStrike" kern="1200" dirty="0">
                           <a:solidFill>
                             <a:schemeClr val="tx1"/>
                           </a:solidFill>
@@ -12966,8 +12994,17 @@
                           <a:ea typeface="+mn-ea"/>
                           <a:cs typeface="+mn-cs"/>
                         </a:rPr>
-                        <a:t>Windows 10 Pro DE v 2004</a:t>
+                        <a:t>Debian 5.10.0-4-amd64</a:t>
                       </a:r>
+                      <a:endParaRPr lang="en-US" sz="900" b="0" i="0" u="none" strike="noStrike" kern="1200" dirty="0">
+                        <a:solidFill>
+                          <a:schemeClr val="tx1"/>
+                        </a:solidFill>
+                        <a:effectLst/>
+                        <a:latin typeface="Arial" panose="020B0604020202020204" pitchFamily="34" charset="0"/>
+                        <a:ea typeface="+mn-ea"/>
+                        <a:cs typeface="+mn-cs"/>
+                      </a:endParaRPr>
                     </a:p>
                   </a:txBody>
                   <a:tcPr anchor="ctr">
@@ -13311,7 +13348,7 @@
                           <a:ea typeface="+mn-ea"/>
                           <a:cs typeface="+mn-cs"/>
                         </a:rPr>
-                        <a:t>14″</a:t>
+                        <a:t>27″</a:t>
                       </a:r>
                     </a:p>
                   </a:txBody>
@@ -13647,7 +13684,7 @@
                         </a:spcAft>
                       </a:pPr>
                       <a:r>
-                        <a:rPr lang="de-AT" sz="900" b="0" i="0" u="none" strike="noStrike" kern="1200">
+                        <a:rPr lang="de-AT" sz="900" b="0" i="0" u="none" strike="noStrike" kern="1200" dirty="0">
                           <a:solidFill>
                             <a:schemeClr val="tx1"/>
                           </a:solidFill>
@@ -13656,7 +13693,7 @@
                           <a:ea typeface="+mn-ea"/>
                           <a:cs typeface="+mn-cs"/>
                         </a:rPr>
-                        <a:t>1920×1080</a:t>
+                        <a:t>2560x1440</a:t>
                       </a:r>
                     </a:p>
                   </a:txBody>
@@ -14001,7 +14038,7 @@
                           <a:ea typeface="+mn-ea"/>
                           <a:cs typeface="+mn-cs"/>
                         </a:rPr>
-                        <a:t>Edge 85.0.564.41 (64-bit)</a:t>
+                        <a:t>Brave 1.22.66</a:t>
                       </a:r>
                     </a:p>
                   </a:txBody>
@@ -14364,29 +14401,8 @@
                           <a:ea typeface="+mn-ea"/>
                           <a:cs typeface="+mn-cs"/>
                         </a:rPr>
-                        <a:t>Adblock Plus </a:t>
+                        <a:t>Brave Shield</a:t>
                       </a:r>
-                      <a:r>
-                        <a:rPr lang="de-AT" sz="900" b="0" i="0" u="none" strike="noStrike" kern="1200" dirty="0" err="1">
-                          <a:solidFill>
-                            <a:schemeClr val="tx1"/>
-                          </a:solidFill>
-                          <a:effectLst/>
-                          <a:latin typeface="Arial" panose="020B0604020202020204" pitchFamily="34" charset="0"/>
-                          <a:ea typeface="+mn-ea"/>
-                          <a:cs typeface="+mn-cs"/>
-                        </a:rPr>
-                        <a:t>x.y</a:t>
-                      </a:r>
-                      <a:endParaRPr lang="de-AT" sz="900" b="0" i="0" u="none" strike="noStrike" kern="1200" dirty="0">
-                        <a:solidFill>
-                          <a:schemeClr val="tx1"/>
-                        </a:solidFill>
-                        <a:effectLst/>
-                        <a:latin typeface="Arial" panose="020B0604020202020204" pitchFamily="34" charset="0"/>
-                        <a:ea typeface="+mn-ea"/>
-                        <a:cs typeface="+mn-cs"/>
-                      </a:endParaRPr>
                     </a:p>
                   </a:txBody>
                   <a:tcPr anchor="ctr">
@@ -14742,18 +14758,6 @@
                         </a:spcAft>
                       </a:pPr>
                       <a:r>
-                        <a:rPr lang="de-AT" sz="900" b="0" i="0" u="none" strike="noStrike" kern="1200" dirty="0" err="1">
-                          <a:solidFill>
-                            <a:schemeClr val="tx1"/>
-                          </a:solidFill>
-                          <a:effectLst/>
-                          <a:latin typeface="Arial" panose="020B0604020202020204" pitchFamily="34" charset="0"/>
-                          <a:ea typeface="+mn-ea"/>
-                          <a:cs typeface="+mn-cs"/>
-                        </a:rPr>
-                        <a:t>HoT</a:t>
-                      </a:r>
-                      <a:r>
                         <a:rPr lang="de-AT" sz="900" b="0" i="0" u="none" strike="noStrike" kern="1200" dirty="0">
                           <a:solidFill>
                             <a:schemeClr val="tx1"/>
@@ -14763,31 +14767,7 @@
                           <a:ea typeface="+mn-ea"/>
                           <a:cs typeface="+mn-cs"/>
                         </a:rPr>
-                        <a:t>, LTE (</a:t>
-                      </a:r>
-                      <a:r>
-                        <a:rPr lang="de-AT" sz="900" b="0" i="0" u="none" strike="noStrike" kern="1200" dirty="0" err="1">
-                          <a:solidFill>
-                            <a:schemeClr val="tx1"/>
-                          </a:solidFill>
-                          <a:effectLst/>
-                          <a:latin typeface="Arial" panose="020B0604020202020204" pitchFamily="34" charset="0"/>
-                          <a:ea typeface="+mn-ea"/>
-                          <a:cs typeface="+mn-cs"/>
-                        </a:rPr>
-                        <a:t>hotspot</a:t>
-                      </a:r>
-                      <a:r>
-                        <a:rPr lang="de-AT" sz="900" b="0" i="0" u="none" strike="noStrike" kern="1200" dirty="0">
-                          <a:solidFill>
-                            <a:schemeClr val="tx1"/>
-                          </a:solidFill>
-                          <a:effectLst/>
-                          <a:latin typeface="Arial" panose="020B0604020202020204" pitchFamily="34" charset="0"/>
-                          <a:ea typeface="+mn-ea"/>
-                          <a:cs typeface="+mn-cs"/>
-                        </a:rPr>
-                        <a:t>)</a:t>
+                        <a:t>Magenta</a:t>
                       </a:r>
                     </a:p>
                   </a:txBody>
@@ -15174,7 +15154,7 @@
                           <a:ea typeface="+mn-ea"/>
                           <a:cs typeface="+mn-cs"/>
                         </a:rPr>
-                        <a:t>20 </a:t>
+                        <a:t>250 </a:t>
                       </a:r>
                       <a:r>
                         <a:rPr lang="de-AT" sz="900" b="0" i="0" u="none" strike="noStrike" kern="1200" dirty="0" err="1">
@@ -15561,7 +15541,7 @@
                           <a:ea typeface="+mn-ea"/>
                           <a:cs typeface="+mn-cs"/>
                         </a:rPr>
-                        <a:t>720×1280</a:t>
+                        <a:t>2560×1320</a:t>
                       </a:r>
                     </a:p>
                   </a:txBody>
@@ -15939,7 +15919,31 @@
                           <a:ea typeface="+mn-ea"/>
                           <a:cs typeface="+mn-cs"/>
                         </a:rPr>
-                        <a:t>OBS Studio 25.0.8</a:t>
+                        <a:t>OBS Studio - 26.1.2+dfsg1-1+b2 (</a:t>
+                      </a:r>
+                      <a:r>
+                        <a:rPr lang="de-AT" sz="900" b="0" i="0" u="none" strike="noStrike" kern="1200" dirty="0" err="1">
+                          <a:solidFill>
+                            <a:schemeClr val="tx1"/>
+                          </a:solidFill>
+                          <a:effectLst/>
+                          <a:latin typeface="Arial" panose="020B0604020202020204" pitchFamily="34" charset="0"/>
+                          <a:ea typeface="+mn-ea"/>
+                          <a:cs typeface="+mn-cs"/>
+                        </a:rPr>
+                        <a:t>linux</a:t>
+                      </a:r>
+                      <a:r>
+                        <a:rPr lang="de-AT" sz="900" b="0" i="0" u="none" strike="noStrike" kern="1200" dirty="0">
+                          <a:solidFill>
+                            <a:schemeClr val="tx1"/>
+                          </a:solidFill>
+                          <a:effectLst/>
+                          <a:latin typeface="Arial" panose="020B0604020202020204" pitchFamily="34" charset="0"/>
+                          <a:ea typeface="+mn-ea"/>
+                          <a:cs typeface="+mn-cs"/>
+                        </a:rPr>
+                        <a:t>)</a:t>
                       </a:r>
                     </a:p>
                   </a:txBody>
@@ -16284,7 +16288,7 @@
                           <a:ea typeface="+mn-ea"/>
                           <a:cs typeface="+mn-cs"/>
                         </a:rPr>
-                        <a:t>2021-04-16</a:t>
+                        <a:t>2021-04-12</a:t>
                       </a:r>
                     </a:p>
                   </a:txBody>

--- a/presentation/presentation.pptx
+++ b/presentation/presentation.pptx
@@ -16500,7 +16500,7 @@
             </a:r>
             <a:r>
               <a:rPr lang="de-AT" dirty="0" err="1"/>
-              <a:t>toursits</a:t>
+              <a:t>tourists</a:t>
             </a:r>
             <a:endParaRPr lang="de-AT" dirty="0"/>
           </a:p>

--- a/presentation/presentation.pptx
+++ b/presentation/presentation.pptx
@@ -6285,7 +6285,7 @@
             <p:ph idx="1"/>
             <p:extLst>
               <p:ext uri="{D42A27DB-BD31-4B8C-83A1-F6EECF244321}">
-                <p14:modId xmlns:p14="http://schemas.microsoft.com/office/powerpoint/2010/main" val="3688855642"/>
+                <p14:modId xmlns:p14="http://schemas.microsoft.com/office/powerpoint/2010/main" val="1616681297"/>
               </p:ext>
             </p:extLst>
           </p:nvPr>
@@ -8438,11 +8438,18 @@
                         </a:spcAft>
                       </a:pPr>
                       <a:r>
-                        <a:rPr lang="de-AT" sz="900" b="0" i="0" u="none" strike="noStrike">
+                        <a:rPr lang="de-DE" sz="900" b="0" i="0" u="none" strike="noStrike" dirty="0">
                           <a:effectLst/>
                           <a:latin typeface="Arial" panose="020B0604020202020204" pitchFamily="34" charset="0"/>
                         </a:rPr>
-                        <a:t>2349x1080</a:t>
+                        <a:t>1</a:t>
+                      </a:r>
+                      <a:r>
+                        <a:rPr lang="de-AT" sz="900" b="0" i="0" u="none" strike="noStrike" dirty="0">
+                          <a:effectLst/>
+                          <a:latin typeface="Arial" panose="020B0604020202020204" pitchFamily="34" charset="0"/>
+                        </a:rPr>
+                        <a:t>080x2349</a:t>
                       </a:r>
                     </a:p>
                   </a:txBody>
@@ -8499,11 +8506,11 @@
                         </a:spcAft>
                       </a:pPr>
                       <a:r>
-                        <a:rPr lang="de-AT" sz="900" b="0" i="0" u="none" strike="noStrike">
+                        <a:rPr lang="de-AT" sz="900" b="0" i="0" u="none" strike="noStrike" dirty="0">
                           <a:effectLst/>
                           <a:latin typeface="Arial" panose="020B0604020202020204" pitchFamily="34" charset="0"/>
                         </a:rPr>
-                        <a:t>3120×1440</a:t>
+                        <a:t>1440x3120</a:t>
                       </a:r>
                     </a:p>
                   </a:txBody>
@@ -8564,7 +8571,7 @@
                           <a:effectLst/>
                           <a:latin typeface="Arial" panose="020B0604020202020204" pitchFamily="34" charset="0"/>
                         </a:rPr>
-                        <a:t>1080×2300</a:t>
+                        <a:t>1080x2300</a:t>
                       </a:r>
                     </a:p>
                   </a:txBody>
@@ -8621,11 +8628,11 @@
                         </a:spcAft>
                       </a:pPr>
                       <a:r>
-                        <a:rPr lang="de-AT" sz="900" b="0" i="0" u="none" strike="noStrike">
+                        <a:rPr lang="de-AT" sz="900" b="0" i="0" u="none" strike="noStrike" dirty="0">
                           <a:effectLst/>
                           <a:latin typeface="Arial" panose="020B0604020202020204" pitchFamily="34" charset="0"/>
                         </a:rPr>
-                        <a:t>2160x1620</a:t>
+                        <a:t>1620x2160</a:t>
                       </a:r>
                     </a:p>
                   </a:txBody>

--- a/presentation/presentation.pptx
+++ b/presentation/presentation.pptx
@@ -11297,7 +11297,7 @@
             <p:ph idx="1"/>
             <p:extLst>
               <p:ext uri="{D42A27DB-BD31-4B8C-83A1-F6EECF244321}">
-                <p14:modId xmlns:p14="http://schemas.microsoft.com/office/powerpoint/2010/main" val="3444900817"/>
+                <p14:modId xmlns:p14="http://schemas.microsoft.com/office/powerpoint/2010/main" val="3369342158"/>
               </p:ext>
             </p:extLst>
           </p:nvPr>
@@ -13700,7 +13700,7 @@
                           <a:ea typeface="+mn-ea"/>
                           <a:cs typeface="+mn-cs"/>
                         </a:rPr>
-                        <a:t>2560x1440</a:t>
+                        <a:t>1920x1080</a:t>
                       </a:r>
                     </a:p>
                   </a:txBody>

--- a/presentation/presentation.pptx
+++ b/presentation/presentation.pptx
@@ -352,7 +352,7 @@
           <a:p>
             <a:fld id="{A2080032-F193-46E6-9750-68B93E0B4527}" type="slidenum">
               <a:rPr lang="de-AT" smtClean="0"/>
-              <a:t>‹Nr.›</a:t>
+              <a:t>‹#›</a:t>
             </a:fld>
             <a:endParaRPr lang="de-AT"/>
           </a:p>
@@ -788,7 +788,7 @@
           <a:p>
             <a:fld id="{A2080032-F193-46E6-9750-68B93E0B4527}" type="slidenum">
               <a:rPr lang="de-AT" smtClean="0"/>
-              <a:t>‹Nr.›</a:t>
+              <a:t>‹#›</a:t>
             </a:fld>
             <a:endParaRPr lang="de-AT"/>
           </a:p>
@@ -1038,7 +1038,7 @@
           <a:p>
             <a:fld id="{A2080032-F193-46E6-9750-68B93E0B4527}" type="slidenum">
               <a:rPr lang="de-AT" smtClean="0"/>
-              <a:t>‹Nr.›</a:t>
+              <a:t>‹#›</a:t>
             </a:fld>
             <a:endParaRPr lang="de-AT"/>
           </a:p>
@@ -1346,7 +1346,7 @@
           <a:p>
             <a:fld id="{A2080032-F193-46E6-9750-68B93E0B4527}" type="slidenum">
               <a:rPr lang="de-AT" smtClean="0"/>
-              <a:t>‹Nr.›</a:t>
+              <a:t>‹#›</a:t>
             </a:fld>
             <a:endParaRPr lang="de-AT"/>
           </a:p>
@@ -1664,7 +1664,7 @@
           <a:p>
             <a:fld id="{A2080032-F193-46E6-9750-68B93E0B4527}" type="slidenum">
               <a:rPr lang="de-AT" smtClean="0"/>
-              <a:t>‹Nr.›</a:t>
+              <a:t>‹#›</a:t>
             </a:fld>
             <a:endParaRPr lang="de-AT"/>
           </a:p>
@@ -1966,7 +1966,7 @@
           <a:p>
             <a:fld id="{A2080032-F193-46E6-9750-68B93E0B4527}" type="slidenum">
               <a:rPr lang="de-AT" smtClean="0"/>
-              <a:t>‹Nr.›</a:t>
+              <a:t>‹#›</a:t>
             </a:fld>
             <a:endParaRPr lang="de-AT"/>
           </a:p>
@@ -2333,7 +2333,7 @@
           <a:p>
             <a:fld id="{A2080032-F193-46E6-9750-68B93E0B4527}" type="slidenum">
               <a:rPr lang="de-AT" smtClean="0"/>
-              <a:t>‹Nr.›</a:t>
+              <a:t>‹#›</a:t>
             </a:fld>
             <a:endParaRPr lang="de-AT"/>
           </a:p>
@@ -2507,7 +2507,7 @@
           <a:p>
             <a:fld id="{A2080032-F193-46E6-9750-68B93E0B4527}" type="slidenum">
               <a:rPr lang="de-AT" smtClean="0"/>
-              <a:t>‹Nr.›</a:t>
+              <a:t>‹#›</a:t>
             </a:fld>
             <a:endParaRPr lang="de-AT"/>
           </a:p>
@@ -2687,7 +2687,7 @@
           <a:p>
             <a:fld id="{A2080032-F193-46E6-9750-68B93E0B4527}" type="slidenum">
               <a:rPr lang="de-AT" smtClean="0"/>
-              <a:t>‹Nr.›</a:t>
+              <a:t>‹#›</a:t>
             </a:fld>
             <a:endParaRPr lang="de-AT"/>
           </a:p>
@@ -2857,7 +2857,7 @@
           <a:p>
             <a:fld id="{A2080032-F193-46E6-9750-68B93E0B4527}" type="slidenum">
               <a:rPr lang="de-AT" smtClean="0"/>
-              <a:t>‹Nr.›</a:t>
+              <a:t>‹#›</a:t>
             </a:fld>
             <a:endParaRPr lang="de-AT"/>
           </a:p>
@@ -3107,7 +3107,7 @@
           <a:p>
             <a:fld id="{A2080032-F193-46E6-9750-68B93E0B4527}" type="slidenum">
               <a:rPr lang="de-AT" smtClean="0"/>
-              <a:t>‹Nr.›</a:t>
+              <a:t>‹#›</a:t>
             </a:fld>
             <a:endParaRPr lang="de-AT"/>
           </a:p>
@@ -3343,7 +3343,7 @@
           <a:p>
             <a:fld id="{A2080032-F193-46E6-9750-68B93E0B4527}" type="slidenum">
               <a:rPr lang="de-AT" smtClean="0"/>
-              <a:t>‹Nr.›</a:t>
+              <a:t>‹#›</a:t>
             </a:fld>
             <a:endParaRPr lang="de-AT"/>
           </a:p>
@@ -3725,7 +3725,7 @@
           <a:p>
             <a:fld id="{A2080032-F193-46E6-9750-68B93E0B4527}" type="slidenum">
               <a:rPr lang="de-AT" smtClean="0"/>
-              <a:t>‹Nr.›</a:t>
+              <a:t>‹#›</a:t>
             </a:fld>
             <a:endParaRPr lang="de-AT"/>
           </a:p>
@@ -3843,7 +3843,7 @@
           <a:p>
             <a:fld id="{A2080032-F193-46E6-9750-68B93E0B4527}" type="slidenum">
               <a:rPr lang="de-AT" smtClean="0"/>
-              <a:t>‹Nr.›</a:t>
+              <a:t>‹#›</a:t>
             </a:fld>
             <a:endParaRPr lang="de-AT"/>
           </a:p>
@@ -3938,7 +3938,7 @@
           <a:p>
             <a:fld id="{A2080032-F193-46E6-9750-68B93E0B4527}" type="slidenum">
               <a:rPr lang="de-AT" smtClean="0"/>
-              <a:t>‹Nr.›</a:t>
+              <a:t>‹#›</a:t>
             </a:fld>
             <a:endParaRPr lang="de-AT"/>
           </a:p>
@@ -4193,7 +4193,7 @@
           <a:p>
             <a:fld id="{A2080032-F193-46E6-9750-68B93E0B4527}" type="slidenum">
               <a:rPr lang="de-AT" smtClean="0"/>
-              <a:t>‹Nr.›</a:t>
+              <a:t>‹#›</a:t>
             </a:fld>
             <a:endParaRPr lang="de-AT"/>
           </a:p>
@@ -4476,7 +4476,7 @@
           <a:p>
             <a:fld id="{A2080032-F193-46E6-9750-68B93E0B4527}" type="slidenum">
               <a:rPr lang="de-AT" smtClean="0"/>
-              <a:t>‹Nr.›</a:t>
+              <a:t>‹#›</a:t>
             </a:fld>
             <a:endParaRPr lang="de-AT"/>
           </a:p>
@@ -4922,7 +4922,7 @@
           <a:p>
             <a:fld id="{A2080032-F193-46E6-9750-68B93E0B4527}" type="slidenum">
               <a:rPr lang="de-AT" smtClean="0"/>
-              <a:t>‹Nr.›</a:t>
+              <a:t>‹#›</a:t>
             </a:fld>
             <a:endParaRPr lang="de-AT"/>
           </a:p>
@@ -5443,7 +5443,17 @@
                 <a:effectLst/>
                 <a:latin typeface="Verdana" panose="020B0604030504040204" pitchFamily="34" charset="0"/>
               </a:rPr>
-              <a:t>Manuel Sammer, Lukas Kloiber, Marius Laffer, …</a:t>
+              <a:t>Manuel Sammer, Lukas Kloiber, Marius Laffer, </a:t>
+            </a:r>
+            <a:r>
+              <a:rPr lang="en-AT" b="1" i="0" dirty="0">
+                <a:solidFill>
+                  <a:srgbClr val="000000"/>
+                </a:solidFill>
+                <a:effectLst/>
+                <a:latin typeface="Verdana" panose="020B0604030504040204" pitchFamily="34" charset="0"/>
+              </a:rPr>
+              <a:t>Manuel Moser</a:t>
             </a:r>
             <a:endParaRPr lang="de-AT" dirty="0"/>
           </a:p>
@@ -6285,7 +6295,7 @@
             <p:ph idx="1"/>
             <p:extLst>
               <p:ext uri="{D42A27DB-BD31-4B8C-83A1-F6EECF244321}">
-                <p14:modId xmlns:p14="http://schemas.microsoft.com/office/powerpoint/2010/main" val="1616681297"/>
+                <p14:modId xmlns:p14="http://schemas.microsoft.com/office/powerpoint/2010/main" val="214260766"/>
               </p:ext>
             </p:extLst>
           </p:nvPr>
@@ -9750,7 +9760,7 @@
                         </a:spcAft>
                       </a:pPr>
                       <a:r>
-                        <a:rPr lang="de-AT" sz="900" b="0" i="0" u="none" strike="noStrike">
+                        <a:rPr lang="de-AT" sz="900" b="0" i="0" u="none" strike="noStrike" dirty="0">
                           <a:effectLst/>
                           <a:latin typeface="Arial" panose="020B0604020202020204" pitchFamily="34" charset="0"/>
                         </a:rPr>
@@ -10086,12 +10096,26 @@
                         </a:spcAft>
                       </a:pPr>
                       <a:r>
-                        <a:rPr lang="de-AT" sz="900" b="0" i="0" u="none" strike="noStrike">
+                        <a:rPr lang="en-US" sz="900" b="0" i="0" u="none" strike="noStrike" kern="1200" dirty="0">
+                          <a:solidFill>
+                            <a:schemeClr val="tx1"/>
+                          </a:solidFill>
                           <a:effectLst/>
                           <a:latin typeface="Arial" panose="020B0604020202020204" pitchFamily="34" charset="0"/>
+                          <a:ea typeface="+mn-ea"/>
+                          <a:cs typeface="+mn-cs"/>
                         </a:rPr>
-                        <a:t>2349x1080</a:t>
+                        <a:t>1080x2349</a:t>
                       </a:r>
+                      <a:endParaRPr lang="de-AT" sz="900" b="0" i="0" u="none" strike="noStrike" kern="1200" dirty="0">
+                        <a:solidFill>
+                          <a:schemeClr val="tx1"/>
+                        </a:solidFill>
+                        <a:effectLst/>
+                        <a:latin typeface="Arial" panose="020B0604020202020204" pitchFamily="34" charset="0"/>
+                        <a:ea typeface="+mn-ea"/>
+                        <a:cs typeface="+mn-cs"/>
+                      </a:endParaRPr>
                     </a:p>
                   </a:txBody>
                   <a:tcPr marL="46577" marR="46577" marT="23289" marB="23289">
@@ -10147,11 +10171,25 @@
                         </a:spcAft>
                       </a:pPr>
                       <a:r>
-                        <a:rPr lang="de-AT" sz="900" b="0" i="0" u="none" strike="noStrike">
+                        <a:rPr lang="de-AT" sz="900" b="0" i="0" u="none" strike="noStrike" dirty="0">
                           <a:effectLst/>
                           <a:latin typeface="Arial" panose="020B0604020202020204" pitchFamily="34" charset="0"/>
                         </a:rPr>
-                        <a:t>3120×1440</a:t>
+                        <a:t>1440</a:t>
+                      </a:r>
+                      <a:r>
+                        <a:rPr lang="en-AT" sz="900" b="0" i="0" u="none" strike="noStrike" dirty="0">
+                          <a:effectLst/>
+                          <a:latin typeface="Arial" panose="020B0604020202020204" pitchFamily="34" charset="0"/>
+                        </a:rPr>
+                        <a:t>x</a:t>
+                      </a:r>
+                      <a:r>
+                        <a:rPr lang="de-AT" sz="900" b="0" i="0" u="none" strike="noStrike" dirty="0">
+                          <a:effectLst/>
+                          <a:latin typeface="Arial" panose="020B0604020202020204" pitchFamily="34" charset="0"/>
+                        </a:rPr>
+                        <a:t>3120</a:t>
                       </a:r>
                     </a:p>
                   </a:txBody>
@@ -10208,12 +10246,16 @@
                         </a:spcAft>
                       </a:pPr>
                       <a:r>
-                        <a:rPr lang="de-AT" sz="900" b="0" i="0" u="none" strike="noStrike" dirty="0">
+                        <a:rPr lang="en-AT" sz="900" b="0" i="0" u="none" strike="noStrike" dirty="0">
                           <a:effectLst/>
                           <a:latin typeface="Arial" panose="020B0604020202020204" pitchFamily="34" charset="0"/>
                         </a:rPr>
-                        <a:t>414×702</a:t>
+                        <a:t>1080x2300</a:t>
                       </a:r>
+                      <a:endParaRPr lang="de-AT" sz="900" b="0" i="0" u="none" strike="noStrike" dirty="0">
+                        <a:effectLst/>
+                        <a:latin typeface="Arial" panose="020B0604020202020204" pitchFamily="34" charset="0"/>
+                      </a:endParaRPr>
                     </a:p>
                   </a:txBody>
                   <a:tcPr marL="46577" marR="46577" marT="23289" marB="23289">
@@ -10269,11 +10311,25 @@
                         </a:spcAft>
                       </a:pPr>
                       <a:r>
-                        <a:rPr lang="de-AT" sz="900" b="0" i="0" u="none" strike="noStrike">
+                        <a:rPr lang="de-AT" sz="900" b="0" i="0" u="none" strike="noStrike" dirty="0">
                           <a:effectLst/>
                           <a:latin typeface="Arial" panose="020B0604020202020204" pitchFamily="34" charset="0"/>
                         </a:rPr>
-                        <a:t>2160x1620</a:t>
+                        <a:t>1620</a:t>
+                      </a:r>
+                      <a:r>
+                        <a:rPr lang="en-AT" sz="900" b="0" i="0" u="none" strike="noStrike" dirty="0">
+                          <a:effectLst/>
+                          <a:latin typeface="Arial" panose="020B0604020202020204" pitchFamily="34" charset="0"/>
+                        </a:rPr>
+                        <a:t>x</a:t>
+                      </a:r>
+                      <a:r>
+                        <a:rPr lang="de-AT" sz="900" b="0" i="0" u="none" strike="noStrike" dirty="0">
+                          <a:effectLst/>
+                          <a:latin typeface="Arial" panose="020B0604020202020204" pitchFamily="34" charset="0"/>
+                        </a:rPr>
+                        <a:t>2160</a:t>
                       </a:r>
                     </a:p>
                   </a:txBody>
@@ -10411,12 +10467,16 @@
                         </a:spcAft>
                       </a:pPr>
                       <a:r>
-                        <a:rPr lang="de-AT" sz="900" b="0" i="0" u="none" strike="noStrike">
+                        <a:rPr lang="en-AT" sz="900" b="0" i="0" u="none" strike="noStrike" dirty="0">
                           <a:effectLst/>
                           <a:latin typeface="Arial" panose="020B0604020202020204" pitchFamily="34" charset="0"/>
                         </a:rPr>
-                        <a:t>tbd</a:t>
+                        <a:t>AZ Screen recorder</a:t>
                       </a:r>
+                      <a:endParaRPr lang="de-AT" sz="900" b="0" i="0" u="none" strike="noStrike" dirty="0">
+                        <a:effectLst/>
+                        <a:latin typeface="Arial" panose="020B0604020202020204" pitchFamily="34" charset="0"/>
+                      </a:endParaRPr>
                     </a:p>
                   </a:txBody>
                   <a:tcPr marL="46577" marR="46577" marT="23289" marB="23289">
@@ -10472,12 +10532,16 @@
                         </a:spcAft>
                       </a:pPr>
                       <a:r>
-                        <a:rPr lang="de-AT" sz="900" b="0" i="0" u="none" strike="noStrike">
+                        <a:rPr lang="en-AT" sz="900" b="0" i="0" u="none" strike="noStrike" dirty="0">
                           <a:effectLst/>
                           <a:latin typeface="Arial" panose="020B0604020202020204" pitchFamily="34" charset="0"/>
                         </a:rPr>
-                        <a:t>Android Screen Capture</a:t>
+                        <a:t>AZ Screen recorder</a:t>
                       </a:r>
+                      <a:endParaRPr lang="de-AT" sz="900" b="0" i="0" u="none" strike="noStrike" dirty="0">
+                        <a:effectLst/>
+                        <a:latin typeface="Arial" panose="020B0604020202020204" pitchFamily="34" charset="0"/>
+                      </a:endParaRPr>
                     </a:p>
                   </a:txBody>
                   <a:tcPr marL="46577" marR="46577" marT="23289" marB="23289">
@@ -11297,7 +11361,7 @@
             <p:ph idx="1"/>
             <p:extLst>
               <p:ext uri="{D42A27DB-BD31-4B8C-83A1-F6EECF244321}">
-                <p14:modId xmlns:p14="http://schemas.microsoft.com/office/powerpoint/2010/main" val="3369342158"/>
+                <p14:modId xmlns:p14="http://schemas.microsoft.com/office/powerpoint/2010/main" val="1409979482"/>
               </p:ext>
             </p:extLst>
           </p:nvPr>
@@ -13223,7 +13287,31 @@
                           <a:ea typeface="+mn-ea"/>
                           <a:cs typeface="+mn-cs"/>
                         </a:rPr>
-                        <a:t>21"</a:t>
+                        <a:t>2</a:t>
+                      </a:r>
+                      <a:r>
+                        <a:rPr lang="en-AT" sz="900" b="0" i="0" u="none" strike="noStrike" kern="1200" dirty="0">
+                          <a:solidFill>
+                            <a:schemeClr val="tx1"/>
+                          </a:solidFill>
+                          <a:effectLst/>
+                          <a:latin typeface="Arial" panose="020B0604020202020204" pitchFamily="34" charset="0"/>
+                          <a:ea typeface="+mn-ea"/>
+                          <a:cs typeface="+mn-cs"/>
+                        </a:rPr>
+                        <a:t>7</a:t>
+                      </a:r>
+                      <a:r>
+                        <a:rPr lang="de-AT" sz="900" b="0" i="0" u="none" strike="noStrike" kern="1200" dirty="0">
+                          <a:solidFill>
+                            <a:schemeClr val="tx1"/>
+                          </a:solidFill>
+                          <a:effectLst/>
+                          <a:latin typeface="Arial" panose="020B0604020202020204" pitchFamily="34" charset="0"/>
+                          <a:ea typeface="+mn-ea"/>
+                          <a:cs typeface="+mn-cs"/>
+                        </a:rPr>
+                        <a:t>"</a:t>
                       </a:r>
                     </a:p>
                   </a:txBody>
@@ -13700,7 +13788,7 @@
                           <a:ea typeface="+mn-ea"/>
                           <a:cs typeface="+mn-cs"/>
                         </a:rPr>
-                        <a:t>1920x1080</a:t>
+                        <a:t>2560x1440</a:t>
                       </a:r>
                     </a:p>
                   </a:txBody>
@@ -14249,7 +14337,7 @@
                         </a:spcAft>
                       </a:pPr>
                       <a:r>
-                        <a:rPr lang="de-AT" sz="900" b="0" i="0" u="none" strike="noStrike" kern="1200" dirty="0" err="1">
+                        <a:rPr lang="en-AT" sz="900" b="0" i="0" u="none" strike="noStrike" kern="1200" dirty="0" err="1">
                           <a:solidFill>
                             <a:schemeClr val="tx1"/>
                           </a:solidFill>
@@ -14258,7 +14346,7 @@
                           <a:ea typeface="+mn-ea"/>
                           <a:cs typeface="+mn-cs"/>
                         </a:rPr>
-                        <a:t>tbd</a:t>
+                        <a:t>AdblockPlus</a:t>
                       </a:r>
                       <a:endParaRPr lang="de-AT" sz="900" b="0" i="0" u="none" strike="noStrike" kern="1200" dirty="0">
                         <a:solidFill>
@@ -15539,7 +15627,7 @@
                         </a:spcAft>
                       </a:pPr>
                       <a:r>
-                        <a:rPr lang="de-AT" sz="900" b="0" i="0" u="none" strike="noStrike" kern="1200" dirty="0">
+                        <a:rPr lang="en-AT" sz="900" b="0" i="0" u="none" strike="noStrike" kern="1200" dirty="0">
                           <a:solidFill>
                             <a:schemeClr val="tx1"/>
                           </a:solidFill>
@@ -15548,8 +15636,17 @@
                           <a:ea typeface="+mn-ea"/>
                           <a:cs typeface="+mn-cs"/>
                         </a:rPr>
-                        <a:t>2560×1320</a:t>
+                        <a:t>1920x1080</a:t>
                       </a:r>
+                      <a:endParaRPr lang="de-AT" sz="900" b="0" i="0" u="none" strike="noStrike" kern="1200" dirty="0">
+                        <a:solidFill>
+                          <a:schemeClr val="tx1"/>
+                        </a:solidFill>
+                        <a:effectLst/>
+                        <a:latin typeface="Arial" panose="020B0604020202020204" pitchFamily="34" charset="0"/>
+                        <a:ea typeface="+mn-ea"/>
+                        <a:cs typeface="+mn-cs"/>
+                      </a:endParaRPr>
                     </a:p>
                   </a:txBody>
                   <a:tcPr anchor="ctr">
@@ -15752,7 +15849,7 @@
                         </a:spcAft>
                       </a:pPr>
                       <a:r>
-                        <a:rPr lang="de-AT" sz="900" b="0" i="0" u="none" strike="noStrike" kern="1200">
+                        <a:rPr lang="de-AT" sz="900" b="0" i="0" u="none" strike="noStrike" kern="1200" dirty="0">
                           <a:solidFill>
                             <a:schemeClr val="tx1"/>
                           </a:solidFill>
@@ -15761,8 +15858,29 @@
                           <a:ea typeface="+mn-ea"/>
                           <a:cs typeface="+mn-cs"/>
                         </a:rPr>
-                        <a:t>OBS Studio xx.xx.xx</a:t>
+                        <a:t>OBS Studio </a:t>
                       </a:r>
+                      <a:r>
+                        <a:rPr lang="en-AT" sz="900" b="0" i="0" u="none" strike="noStrike" kern="1200" dirty="0">
+                          <a:solidFill>
+                            <a:schemeClr val="tx1"/>
+                          </a:solidFill>
+                          <a:effectLst/>
+                          <a:latin typeface="Arial" panose="020B0604020202020204" pitchFamily="34" charset="0"/>
+                          <a:ea typeface="+mn-ea"/>
+                          <a:cs typeface="+mn-cs"/>
+                        </a:rPr>
+                        <a:t>26.1.1</a:t>
+                      </a:r>
+                      <a:endParaRPr lang="de-AT" sz="900" b="0" i="0" u="none" strike="noStrike" kern="1200" dirty="0">
+                        <a:solidFill>
+                          <a:schemeClr val="tx1"/>
+                        </a:solidFill>
+                        <a:effectLst/>
+                        <a:latin typeface="Arial" panose="020B0604020202020204" pitchFamily="34" charset="0"/>
+                        <a:ea typeface="+mn-ea"/>
+                        <a:cs typeface="+mn-cs"/>
+                      </a:endParaRPr>
                     </a:p>
                   </a:txBody>
                   <a:tcPr anchor="ctr">
@@ -15818,7 +15936,7 @@
                         </a:spcAft>
                       </a:pPr>
                       <a:r>
-                        <a:rPr lang="de-AT" sz="900" b="0" i="0" u="none" strike="noStrike" kern="1200" dirty="0" err="1">
+                        <a:rPr lang="en-AT" sz="900" b="0" i="0" u="none" strike="noStrike" kern="1200" dirty="0" err="1">
                           <a:solidFill>
                             <a:schemeClr val="tx1"/>
                           </a:solidFill>
@@ -15827,10 +15945,10 @@
                           <a:ea typeface="+mn-ea"/>
                           <a:cs typeface="+mn-cs"/>
                         </a:rPr>
-                        <a:t>Nvidia</a:t>
+                        <a:t>Obs</a:t>
                       </a:r>
                       <a:r>
-                        <a:rPr lang="de-AT" sz="900" b="0" i="0" u="none" strike="noStrike" kern="1200" dirty="0">
+                        <a:rPr lang="en-AT" sz="900" b="0" i="0" u="none" strike="noStrike" kern="1200" dirty="0">
                           <a:solidFill>
                             <a:schemeClr val="tx1"/>
                           </a:solidFill>
@@ -15839,19 +15957,7 @@
                           <a:ea typeface="+mn-ea"/>
                           <a:cs typeface="+mn-cs"/>
                         </a:rPr>
-                        <a:t> </a:t>
-                      </a:r>
-                      <a:r>
-                        <a:rPr lang="de-AT" sz="900" b="0" i="0" u="none" strike="noStrike" kern="1200" dirty="0" err="1">
-                          <a:solidFill>
-                            <a:schemeClr val="tx1"/>
-                          </a:solidFill>
-                          <a:effectLst/>
-                          <a:latin typeface="Arial" panose="020B0604020202020204" pitchFamily="34" charset="0"/>
-                          <a:ea typeface="+mn-ea"/>
-                          <a:cs typeface="+mn-cs"/>
-                        </a:rPr>
-                        <a:t>Shadowplay</a:t>
+                        <a:t> Studio 18.0.1</a:t>
                       </a:r>
                       <a:endParaRPr lang="de-AT" sz="900" b="0" i="0" u="none" strike="noStrike" kern="1200" dirty="0">
                         <a:solidFill>
@@ -17009,9 +17115,21 @@
           <a:lstStyle/>
           <a:p>
             <a:r>
-              <a:rPr lang="de-AT" dirty="0"/>
-              <a:t>Vielen Danke für Ihre Aufmerksamkeit</a:t>
-            </a:r>
+              <a:rPr lang="en-US" dirty="0"/>
+              <a:t>T</a:t>
+            </a:r>
+            <a:r>
+              <a:rPr lang="en-AT" dirty="0"/>
+              <a:t>hank you </a:t>
+            </a:r>
+            <a:br>
+              <a:rPr lang="en-AT" dirty="0"/>
+            </a:br>
+            <a:r>
+              <a:rPr lang="en-AT" dirty="0"/>
+              <a:t>for your attention</a:t>
+            </a:r>
+            <a:endParaRPr lang="de-AT" dirty="0"/>
           </a:p>
         </p:txBody>
       </p:sp>

--- a/presentation/presentation.pptx
+++ b/presentation/presentation.pptx
@@ -4,15 +4,30 @@
   <p:sldMasterIdLst>
     <p:sldMasterId id="2147483660" r:id="rId1"/>
   </p:sldMasterIdLst>
+  <p:notesMasterIdLst>
+    <p:notesMasterId r:id="rId22"/>
+  </p:notesMasterIdLst>
   <p:sldIdLst>
     <p:sldId id="256" r:id="rId2"/>
     <p:sldId id="257" r:id="rId3"/>
     <p:sldId id="258" r:id="rId4"/>
     <p:sldId id="260" r:id="rId5"/>
-    <p:sldId id="259" r:id="rId6"/>
-    <p:sldId id="261" r:id="rId7"/>
-    <p:sldId id="262" r:id="rId8"/>
-    <p:sldId id="263" r:id="rId9"/>
+    <p:sldId id="264" r:id="rId6"/>
+    <p:sldId id="265" r:id="rId7"/>
+    <p:sldId id="266" r:id="rId8"/>
+    <p:sldId id="267" r:id="rId9"/>
+    <p:sldId id="268" r:id="rId10"/>
+    <p:sldId id="269" r:id="rId11"/>
+    <p:sldId id="270" r:id="rId12"/>
+    <p:sldId id="271" r:id="rId13"/>
+    <p:sldId id="272" r:id="rId14"/>
+    <p:sldId id="273" r:id="rId15"/>
+    <p:sldId id="274" r:id="rId16"/>
+    <p:sldId id="275" r:id="rId17"/>
+    <p:sldId id="276" r:id="rId18"/>
+    <p:sldId id="277" r:id="rId19"/>
+    <p:sldId id="278" r:id="rId20"/>
+    <p:sldId id="263" r:id="rId21"/>
   </p:sldIdLst>
   <p:sldSz cx="12192000" cy="6858000"/>
   <p:notesSz cx="6858000" cy="9144000"/>
@@ -111,12 +126,522 @@
       </a:defRPr>
     </a:lvl9pPr>
   </p:defaultTextStyle>
-  <p:extLst>
-    <p:ext uri="{EFAFB233-063F-42B5-8137-9DF3F51BA10A}">
-      <p15:sldGuideLst xmlns:p15="http://schemas.microsoft.com/office/powerpoint/2012/main"/>
-    </p:ext>
-  </p:extLst>
 </p:presentation>
+</file>
+
+<file path=ppt/notesMasters/notesMaster1.xml><?xml version="1.0" encoding="utf-8"?>
+<p:notesMaster xmlns:a="http://schemas.openxmlformats.org/drawingml/2006/main" xmlns:r="http://schemas.openxmlformats.org/officeDocument/2006/relationships" xmlns:p="http://schemas.openxmlformats.org/presentationml/2006/main">
+  <p:cSld>
+    <p:bg>
+      <p:bgRef idx="1001">
+        <a:schemeClr val="bg1"/>
+      </p:bgRef>
+    </p:bg>
+    <p:spTree>
+      <p:nvGrpSpPr>
+        <p:cNvPr id="1" name=""/>
+        <p:cNvGrpSpPr/>
+        <p:nvPr/>
+      </p:nvGrpSpPr>
+      <p:grpSpPr>
+        <a:xfrm>
+          <a:off x="0" y="0"/>
+          <a:ext cx="0" cy="0"/>
+          <a:chOff x="0" y="0"/>
+          <a:chExt cx="0" cy="0"/>
+        </a:xfrm>
+      </p:grpSpPr>
+      <p:sp>
+        <p:nvSpPr>
+          <p:cNvPr id="2" name="Kopfzeilenplatzhalter 1"/>
+          <p:cNvSpPr>
+            <a:spLocks noGrp="1"/>
+          </p:cNvSpPr>
+          <p:nvPr>
+            <p:ph type="hdr" sz="quarter"/>
+          </p:nvPr>
+        </p:nvSpPr>
+        <p:spPr>
+          <a:xfrm>
+            <a:off x="0" y="0"/>
+            <a:ext cx="2971800" cy="458788"/>
+          </a:xfrm>
+          <a:prstGeom prst="rect">
+            <a:avLst/>
+          </a:prstGeom>
+        </p:spPr>
+        <p:txBody>
+          <a:bodyPr vert="horz" lIns="91440" tIns="45720" rIns="91440" bIns="45720" rtlCol="0"/>
+          <a:lstStyle>
+            <a:lvl1pPr algn="l">
+              <a:defRPr sz="1200"/>
+            </a:lvl1pPr>
+          </a:lstStyle>
+          <a:p>
+            <a:endParaRPr lang="de-AT"/>
+          </a:p>
+        </p:txBody>
+      </p:sp>
+      <p:sp>
+        <p:nvSpPr>
+          <p:cNvPr id="3" name="Datumsplatzhalter 2"/>
+          <p:cNvSpPr>
+            <a:spLocks noGrp="1"/>
+          </p:cNvSpPr>
+          <p:nvPr>
+            <p:ph type="dt" idx="1"/>
+          </p:nvPr>
+        </p:nvSpPr>
+        <p:spPr>
+          <a:xfrm>
+            <a:off x="3884613" y="0"/>
+            <a:ext cx="2971800" cy="458788"/>
+          </a:xfrm>
+          <a:prstGeom prst="rect">
+            <a:avLst/>
+          </a:prstGeom>
+        </p:spPr>
+        <p:txBody>
+          <a:bodyPr vert="horz" lIns="91440" tIns="45720" rIns="91440" bIns="45720" rtlCol="0"/>
+          <a:lstStyle>
+            <a:lvl1pPr algn="r">
+              <a:defRPr sz="1200"/>
+            </a:lvl1pPr>
+          </a:lstStyle>
+          <a:p>
+            <a:fld id="{DD50795B-A6AC-4818-A339-C8133CAEAFF9}" type="datetimeFigureOut">
+              <a:rPr lang="de-AT" smtClean="0"/>
+              <a:t>05.05.2021</a:t>
+            </a:fld>
+            <a:endParaRPr lang="de-AT"/>
+          </a:p>
+        </p:txBody>
+      </p:sp>
+      <p:sp>
+        <p:nvSpPr>
+          <p:cNvPr id="4" name="Folienbildplatzhalter 3"/>
+          <p:cNvSpPr>
+            <a:spLocks noGrp="1" noRot="1" noChangeAspect="1"/>
+          </p:cNvSpPr>
+          <p:nvPr>
+            <p:ph type="sldImg" idx="2"/>
+          </p:nvPr>
+        </p:nvSpPr>
+        <p:spPr>
+          <a:xfrm>
+            <a:off x="685800" y="1143000"/>
+            <a:ext cx="5486400" cy="3086100"/>
+          </a:xfrm>
+          <a:prstGeom prst="rect">
+            <a:avLst/>
+          </a:prstGeom>
+          <a:noFill/>
+          <a:ln w="12700">
+            <a:solidFill>
+              <a:prstClr val="black"/>
+            </a:solidFill>
+          </a:ln>
+        </p:spPr>
+        <p:txBody>
+          <a:bodyPr vert="horz" lIns="91440" tIns="45720" rIns="91440" bIns="45720" rtlCol="0" anchor="ctr"/>
+          <a:lstStyle/>
+          <a:p>
+            <a:endParaRPr lang="de-AT"/>
+          </a:p>
+        </p:txBody>
+      </p:sp>
+      <p:sp>
+        <p:nvSpPr>
+          <p:cNvPr id="5" name="Notizenplatzhalter 4"/>
+          <p:cNvSpPr>
+            <a:spLocks noGrp="1"/>
+          </p:cNvSpPr>
+          <p:nvPr>
+            <p:ph type="body" sz="quarter" idx="3"/>
+          </p:nvPr>
+        </p:nvSpPr>
+        <p:spPr>
+          <a:xfrm>
+            <a:off x="685800" y="4400550"/>
+            <a:ext cx="5486400" cy="3600450"/>
+          </a:xfrm>
+          <a:prstGeom prst="rect">
+            <a:avLst/>
+          </a:prstGeom>
+        </p:spPr>
+        <p:txBody>
+          <a:bodyPr vert="horz" lIns="91440" tIns="45720" rIns="91440" bIns="45720" rtlCol="0"/>
+          <a:lstStyle/>
+          <a:p>
+            <a:pPr lvl="0"/>
+            <a:r>
+              <a:rPr lang="de-DE"/>
+              <a:t>Mastertextformat bearbeiten</a:t>
+            </a:r>
+          </a:p>
+          <a:p>
+            <a:pPr lvl="1"/>
+            <a:r>
+              <a:rPr lang="de-DE"/>
+              <a:t>Zweite Ebene</a:t>
+            </a:r>
+          </a:p>
+          <a:p>
+            <a:pPr lvl="2"/>
+            <a:r>
+              <a:rPr lang="de-DE"/>
+              <a:t>Dritte Ebene</a:t>
+            </a:r>
+          </a:p>
+          <a:p>
+            <a:pPr lvl="3"/>
+            <a:r>
+              <a:rPr lang="de-DE"/>
+              <a:t>Vierte Ebene</a:t>
+            </a:r>
+          </a:p>
+          <a:p>
+            <a:pPr lvl="4"/>
+            <a:r>
+              <a:rPr lang="de-DE"/>
+              <a:t>Fünfte Ebene</a:t>
+            </a:r>
+            <a:endParaRPr lang="de-AT"/>
+          </a:p>
+        </p:txBody>
+      </p:sp>
+      <p:sp>
+        <p:nvSpPr>
+          <p:cNvPr id="6" name="Fußzeilenplatzhalter 5"/>
+          <p:cNvSpPr>
+            <a:spLocks noGrp="1"/>
+          </p:cNvSpPr>
+          <p:nvPr>
+            <p:ph type="ftr" sz="quarter" idx="4"/>
+          </p:nvPr>
+        </p:nvSpPr>
+        <p:spPr>
+          <a:xfrm>
+            <a:off x="0" y="8685213"/>
+            <a:ext cx="2971800" cy="458787"/>
+          </a:xfrm>
+          <a:prstGeom prst="rect">
+            <a:avLst/>
+          </a:prstGeom>
+        </p:spPr>
+        <p:txBody>
+          <a:bodyPr vert="horz" lIns="91440" tIns="45720" rIns="91440" bIns="45720" rtlCol="0" anchor="b"/>
+          <a:lstStyle>
+            <a:lvl1pPr algn="l">
+              <a:defRPr sz="1200"/>
+            </a:lvl1pPr>
+          </a:lstStyle>
+          <a:p>
+            <a:endParaRPr lang="de-AT"/>
+          </a:p>
+        </p:txBody>
+      </p:sp>
+      <p:sp>
+        <p:nvSpPr>
+          <p:cNvPr id="7" name="Foliennummernplatzhalter 6"/>
+          <p:cNvSpPr>
+            <a:spLocks noGrp="1"/>
+          </p:cNvSpPr>
+          <p:nvPr>
+            <p:ph type="sldNum" sz="quarter" idx="5"/>
+          </p:nvPr>
+        </p:nvSpPr>
+        <p:spPr>
+          <a:xfrm>
+            <a:off x="3884613" y="8685213"/>
+            <a:ext cx="2971800" cy="458787"/>
+          </a:xfrm>
+          <a:prstGeom prst="rect">
+            <a:avLst/>
+          </a:prstGeom>
+        </p:spPr>
+        <p:txBody>
+          <a:bodyPr vert="horz" lIns="91440" tIns="45720" rIns="91440" bIns="45720" rtlCol="0" anchor="b"/>
+          <a:lstStyle>
+            <a:lvl1pPr algn="r">
+              <a:defRPr sz="1200"/>
+            </a:lvl1pPr>
+          </a:lstStyle>
+          <a:p>
+            <a:fld id="{64C03A34-AA5A-4EBD-9689-8F919FBF93F2}" type="slidenum">
+              <a:rPr lang="de-AT" smtClean="0"/>
+              <a:t>‹Nr.›</a:t>
+            </a:fld>
+            <a:endParaRPr lang="de-AT"/>
+          </a:p>
+        </p:txBody>
+      </p:sp>
+    </p:spTree>
+    <p:extLst>
+      <p:ext uri="{BB962C8B-B14F-4D97-AF65-F5344CB8AC3E}">
+        <p14:creationId xmlns:p14="http://schemas.microsoft.com/office/powerpoint/2010/main" val="3702241558"/>
+      </p:ext>
+    </p:extLst>
+  </p:cSld>
+  <p:clrMap bg1="lt1" tx1="dk1" bg2="lt2" tx2="dk2" accent1="accent1" accent2="accent2" accent3="accent3" accent4="accent4" accent5="accent5" accent6="accent6" hlink="hlink" folHlink="folHlink"/>
+  <p:notesStyle>
+    <a:lvl1pPr marL="0" algn="l" defTabSz="914400" rtl="0" eaLnBrk="1" latinLnBrk="0" hangingPunct="1">
+      <a:defRPr sz="1200" kern="1200">
+        <a:solidFill>
+          <a:schemeClr val="tx1"/>
+        </a:solidFill>
+        <a:latin typeface="+mn-lt"/>
+        <a:ea typeface="+mn-ea"/>
+        <a:cs typeface="+mn-cs"/>
+      </a:defRPr>
+    </a:lvl1pPr>
+    <a:lvl2pPr marL="457200" algn="l" defTabSz="914400" rtl="0" eaLnBrk="1" latinLnBrk="0" hangingPunct="1">
+      <a:defRPr sz="1200" kern="1200">
+        <a:solidFill>
+          <a:schemeClr val="tx1"/>
+        </a:solidFill>
+        <a:latin typeface="+mn-lt"/>
+        <a:ea typeface="+mn-ea"/>
+        <a:cs typeface="+mn-cs"/>
+      </a:defRPr>
+    </a:lvl2pPr>
+    <a:lvl3pPr marL="914400" algn="l" defTabSz="914400" rtl="0" eaLnBrk="1" latinLnBrk="0" hangingPunct="1">
+      <a:defRPr sz="1200" kern="1200">
+        <a:solidFill>
+          <a:schemeClr val="tx1"/>
+        </a:solidFill>
+        <a:latin typeface="+mn-lt"/>
+        <a:ea typeface="+mn-ea"/>
+        <a:cs typeface="+mn-cs"/>
+      </a:defRPr>
+    </a:lvl3pPr>
+    <a:lvl4pPr marL="1371600" algn="l" defTabSz="914400" rtl="0" eaLnBrk="1" latinLnBrk="0" hangingPunct="1">
+      <a:defRPr sz="1200" kern="1200">
+        <a:solidFill>
+          <a:schemeClr val="tx1"/>
+        </a:solidFill>
+        <a:latin typeface="+mn-lt"/>
+        <a:ea typeface="+mn-ea"/>
+        <a:cs typeface="+mn-cs"/>
+      </a:defRPr>
+    </a:lvl4pPr>
+    <a:lvl5pPr marL="1828800" algn="l" defTabSz="914400" rtl="0" eaLnBrk="1" latinLnBrk="0" hangingPunct="1">
+      <a:defRPr sz="1200" kern="1200">
+        <a:solidFill>
+          <a:schemeClr val="tx1"/>
+        </a:solidFill>
+        <a:latin typeface="+mn-lt"/>
+        <a:ea typeface="+mn-ea"/>
+        <a:cs typeface="+mn-cs"/>
+      </a:defRPr>
+    </a:lvl5pPr>
+    <a:lvl6pPr marL="2286000" algn="l" defTabSz="914400" rtl="0" eaLnBrk="1" latinLnBrk="0" hangingPunct="1">
+      <a:defRPr sz="1200" kern="1200">
+        <a:solidFill>
+          <a:schemeClr val="tx1"/>
+        </a:solidFill>
+        <a:latin typeface="+mn-lt"/>
+        <a:ea typeface="+mn-ea"/>
+        <a:cs typeface="+mn-cs"/>
+      </a:defRPr>
+    </a:lvl6pPr>
+    <a:lvl7pPr marL="2743200" algn="l" defTabSz="914400" rtl="0" eaLnBrk="1" latinLnBrk="0" hangingPunct="1">
+      <a:defRPr sz="1200" kern="1200">
+        <a:solidFill>
+          <a:schemeClr val="tx1"/>
+        </a:solidFill>
+        <a:latin typeface="+mn-lt"/>
+        <a:ea typeface="+mn-ea"/>
+        <a:cs typeface="+mn-cs"/>
+      </a:defRPr>
+    </a:lvl7pPr>
+    <a:lvl8pPr marL="3200400" algn="l" defTabSz="914400" rtl="0" eaLnBrk="1" latinLnBrk="0" hangingPunct="1">
+      <a:defRPr sz="1200" kern="1200">
+        <a:solidFill>
+          <a:schemeClr val="tx1"/>
+        </a:solidFill>
+        <a:latin typeface="+mn-lt"/>
+        <a:ea typeface="+mn-ea"/>
+        <a:cs typeface="+mn-cs"/>
+      </a:defRPr>
+    </a:lvl8pPr>
+    <a:lvl9pPr marL="3657600" algn="l" defTabSz="914400" rtl="0" eaLnBrk="1" latinLnBrk="0" hangingPunct="1">
+      <a:defRPr sz="1200" kern="1200">
+        <a:solidFill>
+          <a:schemeClr val="tx1"/>
+        </a:solidFill>
+        <a:latin typeface="+mn-lt"/>
+        <a:ea typeface="+mn-ea"/>
+        <a:cs typeface="+mn-cs"/>
+      </a:defRPr>
+    </a:lvl9pPr>
+  </p:notesStyle>
+</p:notesMaster>
+</file>
+
+<file path=ppt/notesSlides/notesSlide1.xml><?xml version="1.0" encoding="utf-8"?>
+<p:notes xmlns:a="http://schemas.openxmlformats.org/drawingml/2006/main" xmlns:r="http://schemas.openxmlformats.org/officeDocument/2006/relationships" xmlns:p="http://schemas.openxmlformats.org/presentationml/2006/main">
+  <p:cSld>
+    <p:spTree>
+      <p:nvGrpSpPr>
+        <p:cNvPr id="1" name=""/>
+        <p:cNvGrpSpPr/>
+        <p:nvPr/>
+      </p:nvGrpSpPr>
+      <p:grpSpPr>
+        <a:xfrm>
+          <a:off x="0" y="0"/>
+          <a:ext cx="0" cy="0"/>
+          <a:chOff x="0" y="0"/>
+          <a:chExt cx="0" cy="0"/>
+        </a:xfrm>
+      </p:grpSpPr>
+      <p:sp>
+        <p:nvSpPr>
+          <p:cNvPr id="2" name="Folienbildplatzhalter 1"/>
+          <p:cNvSpPr>
+            <a:spLocks noGrp="1" noRot="1" noChangeAspect="1"/>
+          </p:cNvSpPr>
+          <p:nvPr>
+            <p:ph type="sldImg"/>
+          </p:nvPr>
+        </p:nvSpPr>
+        <p:spPr/>
+      </p:sp>
+      <p:sp>
+        <p:nvSpPr>
+          <p:cNvPr id="3" name="Notizenplatzhalter 2"/>
+          <p:cNvSpPr>
+            <a:spLocks noGrp="1"/>
+          </p:cNvSpPr>
+          <p:nvPr>
+            <p:ph type="body" idx="1"/>
+          </p:nvPr>
+        </p:nvSpPr>
+        <p:spPr/>
+        <p:txBody>
+          <a:bodyPr/>
+          <a:lstStyle/>
+          <a:p>
+            <a:r>
+              <a:rPr lang="en-US" sz="1800" b="0" i="0" u="none" strike="noStrike" dirty="0">
+                <a:effectLst/>
+                <a:latin typeface="Arial" panose="020B0604020202020204" pitchFamily="34" charset="0"/>
+              </a:rPr>
+              <a:t>The website offers several pages for different kinds of restaurant options (breakfast, dinner, </a:t>
+            </a:r>
+            <a:r>
+              <a:rPr lang="en-US" sz="1800" b="0" i="0" u="none" strike="noStrike" dirty="0" err="1">
+                <a:effectLst/>
+                <a:latin typeface="Arial" panose="020B0604020202020204" pitchFamily="34" charset="0"/>
+              </a:rPr>
+              <a:t>etc</a:t>
+            </a:r>
+            <a:r>
+              <a:rPr lang="en-US" sz="1800" b="0" i="0" u="none" strike="noStrike" dirty="0">
+                <a:effectLst/>
+                <a:latin typeface="Arial" panose="020B0604020202020204" pitchFamily="34" charset="0"/>
+              </a:rPr>
+              <a:t>). They inform the user on the main gastronomy guide page that restaurants are currently closed due to COVID restrictions. They do not inform the user on each option page  ("</a:t>
+            </a:r>
+            <a:r>
+              <a:rPr lang="en-US" sz="1800" b="0" i="0" u="none" strike="noStrike" dirty="0" err="1">
+                <a:effectLst/>
+                <a:latin typeface="Arial" panose="020B0604020202020204" pitchFamily="34" charset="0"/>
+              </a:rPr>
+              <a:t>Frühstücken</a:t>
+            </a:r>
+            <a:r>
+              <a:rPr lang="en-US" sz="1800" b="0" i="0" u="none" strike="noStrike" dirty="0">
+                <a:effectLst/>
+                <a:latin typeface="Arial" panose="020B0604020202020204" pitchFamily="34" charset="0"/>
+              </a:rPr>
+              <a:t> &amp; </a:t>
+            </a:r>
+            <a:r>
+              <a:rPr lang="en-US" sz="1800" b="0" i="0" u="none" strike="noStrike" dirty="0" err="1">
+                <a:effectLst/>
+                <a:latin typeface="Arial" panose="020B0604020202020204" pitchFamily="34" charset="0"/>
+              </a:rPr>
+              <a:t>Branchen</a:t>
+            </a:r>
+            <a:r>
+              <a:rPr lang="en-US" sz="1800" b="0" i="0" u="none" strike="noStrike" dirty="0">
+                <a:effectLst/>
+                <a:latin typeface="Arial" panose="020B0604020202020204" pitchFamily="34" charset="0"/>
+              </a:rPr>
+              <a:t>", "</a:t>
+            </a:r>
+            <a:r>
+              <a:rPr lang="en-US" sz="1800" b="0" i="0" u="none" strike="noStrike" dirty="0" err="1">
+                <a:effectLst/>
+                <a:latin typeface="Arial" panose="020B0604020202020204" pitchFamily="34" charset="0"/>
+              </a:rPr>
+              <a:t>Buschenschank</a:t>
+            </a:r>
+            <a:r>
+              <a:rPr lang="en-US" sz="1800" b="0" i="0" u="none" strike="noStrike" dirty="0">
+                <a:effectLst/>
+                <a:latin typeface="Arial" panose="020B0604020202020204" pitchFamily="34" charset="0"/>
+              </a:rPr>
+              <a:t>", </a:t>
+            </a:r>
+            <a:r>
+              <a:rPr lang="en-US" sz="1800" b="0" i="0" u="none" strike="noStrike" dirty="0" err="1">
+                <a:effectLst/>
+                <a:latin typeface="Arial" panose="020B0604020202020204" pitchFamily="34" charset="0"/>
+              </a:rPr>
+              <a:t>etc</a:t>
+            </a:r>
+            <a:r>
+              <a:rPr lang="en-US" sz="1800" b="0" i="0" u="none" strike="noStrike" dirty="0">
+                <a:effectLst/>
+                <a:latin typeface="Arial" panose="020B0604020202020204" pitchFamily="34" charset="0"/>
+              </a:rPr>
+              <a:t>). Also there is no information of the covid restrictions on the pages for each restaurant.</a:t>
+            </a:r>
+            <a:r>
+              <a:rPr lang="en-US" dirty="0"/>
+              <a:t> </a:t>
+            </a:r>
+            <a:endParaRPr lang="de-AT" dirty="0"/>
+          </a:p>
+        </p:txBody>
+      </p:sp>
+      <p:sp>
+        <p:nvSpPr>
+          <p:cNvPr id="4" name="Foliennummernplatzhalter 3"/>
+          <p:cNvSpPr>
+            <a:spLocks noGrp="1"/>
+          </p:cNvSpPr>
+          <p:nvPr>
+            <p:ph type="sldNum" sz="quarter" idx="5"/>
+          </p:nvPr>
+        </p:nvSpPr>
+        <p:spPr/>
+        <p:txBody>
+          <a:bodyPr/>
+          <a:lstStyle/>
+          <a:p>
+            <a:fld id="{64C03A34-AA5A-4EBD-9689-8F919FBF93F2}" type="slidenum">
+              <a:rPr lang="de-AT" smtClean="0"/>
+              <a:t>10</a:t>
+            </a:fld>
+            <a:endParaRPr lang="de-AT"/>
+          </a:p>
+        </p:txBody>
+      </p:sp>
+    </p:spTree>
+    <p:extLst>
+      <p:ext uri="{BB962C8B-B14F-4D97-AF65-F5344CB8AC3E}">
+        <p14:creationId xmlns:p14="http://schemas.microsoft.com/office/powerpoint/2010/main" val="3854458138"/>
+      </p:ext>
+    </p:extLst>
+  </p:cSld>
+  <p:clrMapOvr>
+    <a:masterClrMapping/>
+  </p:clrMapOvr>
+</p:notes>
 </file>
 
 <file path=ppt/slideLayouts/slideLayout1.xml><?xml version="1.0" encoding="utf-8"?>
@@ -308,9 +833,9 @@
           <a:bodyPr/>
           <a:lstStyle/>
           <a:p>
-            <a:fld id="{EE7E1182-497A-4582-8953-C22A11329843}" type="datetimeFigureOut">
+            <a:fld id="{E0C72494-82ED-4494-903E-CD52A3D545B5}" type="datetimeFigureOut">
               <a:rPr lang="de-AT" smtClean="0"/>
-              <a:t>24.03.2021</a:t>
+              <a:t>05.05.2021</a:t>
             </a:fld>
             <a:endParaRPr lang="de-AT"/>
           </a:p>
@@ -350,9 +875,9 @@
           <a:bodyPr/>
           <a:lstStyle/>
           <a:p>
-            <a:fld id="{A2080032-F193-46E6-9750-68B93E0B4527}" type="slidenum">
+            <a:fld id="{1EE725EE-3755-4043-A710-575A82E3AB43}" type="slidenum">
               <a:rPr lang="de-AT" smtClean="0"/>
-              <a:t>‹#›</a:t>
+              <a:t>‹Nr.›</a:t>
             </a:fld>
             <a:endParaRPr lang="de-AT"/>
           </a:p>
@@ -536,7 +1061,7 @@
     </p:spTree>
     <p:extLst>
       <p:ext uri="{BB962C8B-B14F-4D97-AF65-F5344CB8AC3E}">
-        <p14:creationId xmlns:p14="http://schemas.microsoft.com/office/powerpoint/2010/main" val="3150074793"/>
+        <p14:creationId xmlns:p14="http://schemas.microsoft.com/office/powerpoint/2010/main" val="892924946"/>
       </p:ext>
     </p:extLst>
   </p:cSld>
@@ -744,9 +1269,9 @@
           <a:bodyPr/>
           <a:lstStyle/>
           <a:p>
-            <a:fld id="{EE7E1182-497A-4582-8953-C22A11329843}" type="datetimeFigureOut">
+            <a:fld id="{E0C72494-82ED-4494-903E-CD52A3D545B5}" type="datetimeFigureOut">
               <a:rPr lang="de-AT" smtClean="0"/>
-              <a:t>24.03.2021</a:t>
+              <a:t>05.05.2021</a:t>
             </a:fld>
             <a:endParaRPr lang="de-AT"/>
           </a:p>
@@ -786,9 +1311,9 @@
           <a:bodyPr/>
           <a:lstStyle/>
           <a:p>
-            <a:fld id="{A2080032-F193-46E6-9750-68B93E0B4527}" type="slidenum">
+            <a:fld id="{1EE725EE-3755-4043-A710-575A82E3AB43}" type="slidenum">
               <a:rPr lang="de-AT" smtClean="0"/>
-              <a:t>‹#›</a:t>
+              <a:t>‹Nr.›</a:t>
             </a:fld>
             <a:endParaRPr lang="de-AT"/>
           </a:p>
@@ -797,7 +1322,7 @@
     </p:spTree>
     <p:extLst>
       <p:ext uri="{BB962C8B-B14F-4D97-AF65-F5344CB8AC3E}">
-        <p14:creationId xmlns:p14="http://schemas.microsoft.com/office/powerpoint/2010/main" val="3987649189"/>
+        <p14:creationId xmlns:p14="http://schemas.microsoft.com/office/powerpoint/2010/main" val="1191000367"/>
       </p:ext>
     </p:extLst>
   </p:cSld>
@@ -994,9 +1519,9 @@
           <a:bodyPr/>
           <a:lstStyle/>
           <a:p>
-            <a:fld id="{EE7E1182-497A-4582-8953-C22A11329843}" type="datetimeFigureOut">
+            <a:fld id="{E0C72494-82ED-4494-903E-CD52A3D545B5}" type="datetimeFigureOut">
               <a:rPr lang="de-AT" smtClean="0"/>
-              <a:t>24.03.2021</a:t>
+              <a:t>05.05.2021</a:t>
             </a:fld>
             <a:endParaRPr lang="de-AT"/>
           </a:p>
@@ -1036,9 +1561,9 @@
           <a:bodyPr/>
           <a:lstStyle/>
           <a:p>
-            <a:fld id="{A2080032-F193-46E6-9750-68B93E0B4527}" type="slidenum">
+            <a:fld id="{1EE725EE-3755-4043-A710-575A82E3AB43}" type="slidenum">
               <a:rPr lang="de-AT" smtClean="0"/>
-              <a:t>‹#›</a:t>
+              <a:t>‹Nr.›</a:t>
             </a:fld>
             <a:endParaRPr lang="de-AT"/>
           </a:p>
@@ -1047,7 +1572,7 @@
     </p:spTree>
     <p:extLst>
       <p:ext uri="{BB962C8B-B14F-4D97-AF65-F5344CB8AC3E}">
-        <p14:creationId xmlns:p14="http://schemas.microsoft.com/office/powerpoint/2010/main" val="56212195"/>
+        <p14:creationId xmlns:p14="http://schemas.microsoft.com/office/powerpoint/2010/main" val="3645407010"/>
       </p:ext>
     </p:extLst>
   </p:cSld>
@@ -1302,9 +1827,9 @@
           <a:bodyPr/>
           <a:lstStyle/>
           <a:p>
-            <a:fld id="{EE7E1182-497A-4582-8953-C22A11329843}" type="datetimeFigureOut">
+            <a:fld id="{E0C72494-82ED-4494-903E-CD52A3D545B5}" type="datetimeFigureOut">
               <a:rPr lang="de-AT" smtClean="0"/>
-              <a:t>24.03.2021</a:t>
+              <a:t>05.05.2021</a:t>
             </a:fld>
             <a:endParaRPr lang="de-AT"/>
           </a:p>
@@ -1344,9 +1869,9 @@
           <a:bodyPr/>
           <a:lstStyle/>
           <a:p>
-            <a:fld id="{A2080032-F193-46E6-9750-68B93E0B4527}" type="slidenum">
+            <a:fld id="{1EE725EE-3755-4043-A710-575A82E3AB43}" type="slidenum">
               <a:rPr lang="de-AT" smtClean="0"/>
-              <a:t>‹#›</a:t>
+              <a:t>‹Nr.›</a:t>
             </a:fld>
             <a:endParaRPr lang="de-AT"/>
           </a:p>
@@ -1423,7 +1948,7 @@
     </p:spTree>
     <p:extLst>
       <p:ext uri="{BB962C8B-B14F-4D97-AF65-F5344CB8AC3E}">
-        <p14:creationId xmlns:p14="http://schemas.microsoft.com/office/powerpoint/2010/main" val="1161135577"/>
+        <p14:creationId xmlns:p14="http://schemas.microsoft.com/office/powerpoint/2010/main" val="3298850904"/>
       </p:ext>
     </p:extLst>
   </p:cSld>
@@ -1620,9 +2145,9 @@
           <a:bodyPr/>
           <a:lstStyle/>
           <a:p>
-            <a:fld id="{EE7E1182-497A-4582-8953-C22A11329843}" type="datetimeFigureOut">
+            <a:fld id="{E0C72494-82ED-4494-903E-CD52A3D545B5}" type="datetimeFigureOut">
               <a:rPr lang="de-AT" smtClean="0"/>
-              <a:t>24.03.2021</a:t>
+              <a:t>05.05.2021</a:t>
             </a:fld>
             <a:endParaRPr lang="de-AT"/>
           </a:p>
@@ -1662,9 +2187,9 @@
           <a:bodyPr/>
           <a:lstStyle/>
           <a:p>
-            <a:fld id="{A2080032-F193-46E6-9750-68B93E0B4527}" type="slidenum">
+            <a:fld id="{1EE725EE-3755-4043-A710-575A82E3AB43}" type="slidenum">
               <a:rPr lang="de-AT" smtClean="0"/>
-              <a:t>‹#›</a:t>
+              <a:t>‹Nr.›</a:t>
             </a:fld>
             <a:endParaRPr lang="de-AT"/>
           </a:p>
@@ -1673,7 +2198,7 @@
     </p:spTree>
     <p:extLst>
       <p:ext uri="{BB962C8B-B14F-4D97-AF65-F5344CB8AC3E}">
-        <p14:creationId xmlns:p14="http://schemas.microsoft.com/office/powerpoint/2010/main" val="2860779785"/>
+        <p14:creationId xmlns:p14="http://schemas.microsoft.com/office/powerpoint/2010/main" val="2745576798"/>
       </p:ext>
     </p:extLst>
   </p:cSld>
@@ -1922,9 +2447,9 @@
           <a:bodyPr/>
           <a:lstStyle/>
           <a:p>
-            <a:fld id="{EE7E1182-497A-4582-8953-C22A11329843}" type="datetimeFigureOut">
+            <a:fld id="{E0C72494-82ED-4494-903E-CD52A3D545B5}" type="datetimeFigureOut">
               <a:rPr lang="de-AT" smtClean="0"/>
-              <a:t>24.03.2021</a:t>
+              <a:t>05.05.2021</a:t>
             </a:fld>
             <a:endParaRPr lang="de-AT"/>
           </a:p>
@@ -1964,9 +2489,9 @@
           <a:bodyPr/>
           <a:lstStyle/>
           <a:p>
-            <a:fld id="{A2080032-F193-46E6-9750-68B93E0B4527}" type="slidenum">
+            <a:fld id="{1EE725EE-3755-4043-A710-575A82E3AB43}" type="slidenum">
               <a:rPr lang="de-AT" smtClean="0"/>
-              <a:t>‹#›</a:t>
+              <a:t>‹Nr.›</a:t>
             </a:fld>
             <a:endParaRPr lang="de-AT"/>
           </a:p>
@@ -2043,7 +2568,7 @@
     </p:spTree>
     <p:extLst>
       <p:ext uri="{BB962C8B-B14F-4D97-AF65-F5344CB8AC3E}">
-        <p14:creationId xmlns:p14="http://schemas.microsoft.com/office/powerpoint/2010/main" val="659605421"/>
+        <p14:creationId xmlns:p14="http://schemas.microsoft.com/office/powerpoint/2010/main" val="2928153791"/>
       </p:ext>
     </p:extLst>
   </p:cSld>
@@ -2289,9 +2814,9 @@
           <a:bodyPr/>
           <a:lstStyle/>
           <a:p>
-            <a:fld id="{EE7E1182-497A-4582-8953-C22A11329843}" type="datetimeFigureOut">
+            <a:fld id="{E0C72494-82ED-4494-903E-CD52A3D545B5}" type="datetimeFigureOut">
               <a:rPr lang="de-AT" smtClean="0"/>
-              <a:t>24.03.2021</a:t>
+              <a:t>05.05.2021</a:t>
             </a:fld>
             <a:endParaRPr lang="de-AT"/>
           </a:p>
@@ -2331,9 +2856,9 @@
           <a:bodyPr/>
           <a:lstStyle/>
           <a:p>
-            <a:fld id="{A2080032-F193-46E6-9750-68B93E0B4527}" type="slidenum">
+            <a:fld id="{1EE725EE-3755-4043-A710-575A82E3AB43}" type="slidenum">
               <a:rPr lang="de-AT" smtClean="0"/>
-              <a:t>‹#›</a:t>
+              <a:t>‹Nr.›</a:t>
             </a:fld>
             <a:endParaRPr lang="de-AT"/>
           </a:p>
@@ -2342,7 +2867,7 @@
     </p:spTree>
     <p:extLst>
       <p:ext uri="{BB962C8B-B14F-4D97-AF65-F5344CB8AC3E}">
-        <p14:creationId xmlns:p14="http://schemas.microsoft.com/office/powerpoint/2010/main" val="282711453"/>
+        <p14:creationId xmlns:p14="http://schemas.microsoft.com/office/powerpoint/2010/main" val="2144263613"/>
       </p:ext>
     </p:extLst>
   </p:cSld>
@@ -2463,9 +2988,9 @@
           <a:bodyPr/>
           <a:lstStyle/>
           <a:p>
-            <a:fld id="{EE7E1182-497A-4582-8953-C22A11329843}" type="datetimeFigureOut">
+            <a:fld id="{E0C72494-82ED-4494-903E-CD52A3D545B5}" type="datetimeFigureOut">
               <a:rPr lang="de-AT" smtClean="0"/>
-              <a:t>24.03.2021</a:t>
+              <a:t>05.05.2021</a:t>
             </a:fld>
             <a:endParaRPr lang="de-AT"/>
           </a:p>
@@ -2505,9 +3030,9 @@
           <a:bodyPr/>
           <a:lstStyle/>
           <a:p>
-            <a:fld id="{A2080032-F193-46E6-9750-68B93E0B4527}" type="slidenum">
+            <a:fld id="{1EE725EE-3755-4043-A710-575A82E3AB43}" type="slidenum">
               <a:rPr lang="de-AT" smtClean="0"/>
-              <a:t>‹#›</a:t>
+              <a:t>‹Nr.›</a:t>
             </a:fld>
             <a:endParaRPr lang="de-AT"/>
           </a:p>
@@ -2516,7 +3041,7 @@
     </p:spTree>
     <p:extLst>
       <p:ext uri="{BB962C8B-B14F-4D97-AF65-F5344CB8AC3E}">
-        <p14:creationId xmlns:p14="http://schemas.microsoft.com/office/powerpoint/2010/main" val="3231025112"/>
+        <p14:creationId xmlns:p14="http://schemas.microsoft.com/office/powerpoint/2010/main" val="1287544034"/>
       </p:ext>
     </p:extLst>
   </p:cSld>
@@ -2643,9 +3168,9 @@
           <a:bodyPr/>
           <a:lstStyle/>
           <a:p>
-            <a:fld id="{EE7E1182-497A-4582-8953-C22A11329843}" type="datetimeFigureOut">
+            <a:fld id="{E0C72494-82ED-4494-903E-CD52A3D545B5}" type="datetimeFigureOut">
               <a:rPr lang="de-AT" smtClean="0"/>
-              <a:t>24.03.2021</a:t>
+              <a:t>05.05.2021</a:t>
             </a:fld>
             <a:endParaRPr lang="de-AT"/>
           </a:p>
@@ -2685,9 +3210,9 @@
           <a:bodyPr/>
           <a:lstStyle/>
           <a:p>
-            <a:fld id="{A2080032-F193-46E6-9750-68B93E0B4527}" type="slidenum">
+            <a:fld id="{1EE725EE-3755-4043-A710-575A82E3AB43}" type="slidenum">
               <a:rPr lang="de-AT" smtClean="0"/>
-              <a:t>‹#›</a:t>
+              <a:t>‹Nr.›</a:t>
             </a:fld>
             <a:endParaRPr lang="de-AT"/>
           </a:p>
@@ -2696,7 +3221,7 @@
     </p:spTree>
     <p:extLst>
       <p:ext uri="{BB962C8B-B14F-4D97-AF65-F5344CB8AC3E}">
-        <p14:creationId xmlns:p14="http://schemas.microsoft.com/office/powerpoint/2010/main" val="3973218894"/>
+        <p14:creationId xmlns:p14="http://schemas.microsoft.com/office/powerpoint/2010/main" val="2596331633"/>
       </p:ext>
     </p:extLst>
   </p:cSld>
@@ -2813,9 +3338,9 @@
           <a:bodyPr/>
           <a:lstStyle/>
           <a:p>
-            <a:fld id="{EE7E1182-497A-4582-8953-C22A11329843}" type="datetimeFigureOut">
+            <a:fld id="{E0C72494-82ED-4494-903E-CD52A3D545B5}" type="datetimeFigureOut">
               <a:rPr lang="de-AT" smtClean="0"/>
-              <a:t>24.03.2021</a:t>
+              <a:t>05.05.2021</a:t>
             </a:fld>
             <a:endParaRPr lang="de-AT"/>
           </a:p>
@@ -2855,9 +3380,9 @@
           <a:bodyPr/>
           <a:lstStyle/>
           <a:p>
-            <a:fld id="{A2080032-F193-46E6-9750-68B93E0B4527}" type="slidenum">
+            <a:fld id="{1EE725EE-3755-4043-A710-575A82E3AB43}" type="slidenum">
               <a:rPr lang="de-AT" smtClean="0"/>
-              <a:t>‹#›</a:t>
+              <a:t>‹Nr.›</a:t>
             </a:fld>
             <a:endParaRPr lang="de-AT"/>
           </a:p>
@@ -2866,7 +3391,7 @@
     </p:spTree>
     <p:extLst>
       <p:ext uri="{BB962C8B-B14F-4D97-AF65-F5344CB8AC3E}">
-        <p14:creationId xmlns:p14="http://schemas.microsoft.com/office/powerpoint/2010/main" val="484540595"/>
+        <p14:creationId xmlns:p14="http://schemas.microsoft.com/office/powerpoint/2010/main" val="1978432875"/>
       </p:ext>
     </p:extLst>
   </p:cSld>
@@ -3063,9 +3588,9 @@
           <a:bodyPr/>
           <a:lstStyle/>
           <a:p>
-            <a:fld id="{EE7E1182-497A-4582-8953-C22A11329843}" type="datetimeFigureOut">
+            <a:fld id="{E0C72494-82ED-4494-903E-CD52A3D545B5}" type="datetimeFigureOut">
               <a:rPr lang="de-AT" smtClean="0"/>
-              <a:t>24.03.2021</a:t>
+              <a:t>05.05.2021</a:t>
             </a:fld>
             <a:endParaRPr lang="de-AT"/>
           </a:p>
@@ -3105,9 +3630,9 @@
           <a:bodyPr/>
           <a:lstStyle/>
           <a:p>
-            <a:fld id="{A2080032-F193-46E6-9750-68B93E0B4527}" type="slidenum">
+            <a:fld id="{1EE725EE-3755-4043-A710-575A82E3AB43}" type="slidenum">
               <a:rPr lang="de-AT" smtClean="0"/>
-              <a:t>‹#›</a:t>
+              <a:t>‹Nr.›</a:t>
             </a:fld>
             <a:endParaRPr lang="de-AT"/>
           </a:p>
@@ -3116,7 +3641,7 @@
     </p:spTree>
     <p:extLst>
       <p:ext uri="{BB962C8B-B14F-4D97-AF65-F5344CB8AC3E}">
-        <p14:creationId xmlns:p14="http://schemas.microsoft.com/office/powerpoint/2010/main" val="1675228749"/>
+        <p14:creationId xmlns:p14="http://schemas.microsoft.com/office/powerpoint/2010/main" val="2715704887"/>
       </p:ext>
     </p:extLst>
   </p:cSld>
@@ -3299,9 +3824,9 @@
           <a:bodyPr/>
           <a:lstStyle/>
           <a:p>
-            <a:fld id="{EE7E1182-497A-4582-8953-C22A11329843}" type="datetimeFigureOut">
+            <a:fld id="{E0C72494-82ED-4494-903E-CD52A3D545B5}" type="datetimeFigureOut">
               <a:rPr lang="de-AT" smtClean="0"/>
-              <a:t>24.03.2021</a:t>
+              <a:t>05.05.2021</a:t>
             </a:fld>
             <a:endParaRPr lang="de-AT"/>
           </a:p>
@@ -3341,9 +3866,9 @@
           <a:bodyPr/>
           <a:lstStyle/>
           <a:p>
-            <a:fld id="{A2080032-F193-46E6-9750-68B93E0B4527}" type="slidenum">
+            <a:fld id="{1EE725EE-3755-4043-A710-575A82E3AB43}" type="slidenum">
               <a:rPr lang="de-AT" smtClean="0"/>
-              <a:t>‹#›</a:t>
+              <a:t>‹Nr.›</a:t>
             </a:fld>
             <a:endParaRPr lang="de-AT"/>
           </a:p>
@@ -3352,7 +3877,7 @@
     </p:spTree>
     <p:extLst>
       <p:ext uri="{BB962C8B-B14F-4D97-AF65-F5344CB8AC3E}">
-        <p14:creationId xmlns:p14="http://schemas.microsoft.com/office/powerpoint/2010/main" val="1763508325"/>
+        <p14:creationId xmlns:p14="http://schemas.microsoft.com/office/powerpoint/2010/main" val="3254010555"/>
       </p:ext>
     </p:extLst>
   </p:cSld>
@@ -3681,9 +4206,9 @@
           <a:bodyPr/>
           <a:lstStyle/>
           <a:p>
-            <a:fld id="{EE7E1182-497A-4582-8953-C22A11329843}" type="datetimeFigureOut">
+            <a:fld id="{E0C72494-82ED-4494-903E-CD52A3D545B5}" type="datetimeFigureOut">
               <a:rPr lang="de-AT" smtClean="0"/>
-              <a:t>24.03.2021</a:t>
+              <a:t>05.05.2021</a:t>
             </a:fld>
             <a:endParaRPr lang="de-AT"/>
           </a:p>
@@ -3723,9 +4248,9 @@
           <a:bodyPr/>
           <a:lstStyle/>
           <a:p>
-            <a:fld id="{A2080032-F193-46E6-9750-68B93E0B4527}" type="slidenum">
+            <a:fld id="{1EE725EE-3755-4043-A710-575A82E3AB43}" type="slidenum">
               <a:rPr lang="de-AT" smtClean="0"/>
-              <a:t>‹#›</a:t>
+              <a:t>‹Nr.›</a:t>
             </a:fld>
             <a:endParaRPr lang="de-AT"/>
           </a:p>
@@ -3734,7 +4259,7 @@
     </p:spTree>
     <p:extLst>
       <p:ext uri="{BB962C8B-B14F-4D97-AF65-F5344CB8AC3E}">
-        <p14:creationId xmlns:p14="http://schemas.microsoft.com/office/powerpoint/2010/main" val="1246505816"/>
+        <p14:creationId xmlns:p14="http://schemas.microsoft.com/office/powerpoint/2010/main" val="2816968482"/>
       </p:ext>
     </p:extLst>
   </p:cSld>
@@ -3799,9 +4324,9 @@
           <a:bodyPr/>
           <a:lstStyle/>
           <a:p>
-            <a:fld id="{EE7E1182-497A-4582-8953-C22A11329843}" type="datetimeFigureOut">
+            <a:fld id="{E0C72494-82ED-4494-903E-CD52A3D545B5}" type="datetimeFigureOut">
               <a:rPr lang="de-AT" smtClean="0"/>
-              <a:t>24.03.2021</a:t>
+              <a:t>05.05.2021</a:t>
             </a:fld>
             <a:endParaRPr lang="de-AT"/>
           </a:p>
@@ -3841,9 +4366,9 @@
           <a:bodyPr/>
           <a:lstStyle/>
           <a:p>
-            <a:fld id="{A2080032-F193-46E6-9750-68B93E0B4527}" type="slidenum">
+            <a:fld id="{1EE725EE-3755-4043-A710-575A82E3AB43}" type="slidenum">
               <a:rPr lang="de-AT" smtClean="0"/>
-              <a:t>‹#›</a:t>
+              <a:t>‹Nr.›</a:t>
             </a:fld>
             <a:endParaRPr lang="de-AT"/>
           </a:p>
@@ -3852,7 +4377,7 @@
     </p:spTree>
     <p:extLst>
       <p:ext uri="{BB962C8B-B14F-4D97-AF65-F5344CB8AC3E}">
-        <p14:creationId xmlns:p14="http://schemas.microsoft.com/office/powerpoint/2010/main" val="3593887822"/>
+        <p14:creationId xmlns:p14="http://schemas.microsoft.com/office/powerpoint/2010/main" val="1120742491"/>
       </p:ext>
     </p:extLst>
   </p:cSld>
@@ -3894,9 +4419,9 @@
           <a:bodyPr/>
           <a:lstStyle/>
           <a:p>
-            <a:fld id="{EE7E1182-497A-4582-8953-C22A11329843}" type="datetimeFigureOut">
+            <a:fld id="{E0C72494-82ED-4494-903E-CD52A3D545B5}" type="datetimeFigureOut">
               <a:rPr lang="de-AT" smtClean="0"/>
-              <a:t>24.03.2021</a:t>
+              <a:t>05.05.2021</a:t>
             </a:fld>
             <a:endParaRPr lang="de-AT"/>
           </a:p>
@@ -3936,9 +4461,9 @@
           <a:bodyPr/>
           <a:lstStyle/>
           <a:p>
-            <a:fld id="{A2080032-F193-46E6-9750-68B93E0B4527}" type="slidenum">
+            <a:fld id="{1EE725EE-3755-4043-A710-575A82E3AB43}" type="slidenum">
               <a:rPr lang="de-AT" smtClean="0"/>
-              <a:t>‹#›</a:t>
+              <a:t>‹Nr.›</a:t>
             </a:fld>
             <a:endParaRPr lang="de-AT"/>
           </a:p>
@@ -3947,7 +4472,7 @@
     </p:spTree>
     <p:extLst>
       <p:ext uri="{BB962C8B-B14F-4D97-AF65-F5344CB8AC3E}">
-        <p14:creationId xmlns:p14="http://schemas.microsoft.com/office/powerpoint/2010/main" val="3132094385"/>
+        <p14:creationId xmlns:p14="http://schemas.microsoft.com/office/powerpoint/2010/main" val="1015585525"/>
       </p:ext>
     </p:extLst>
   </p:cSld>
@@ -4149,9 +4674,9 @@
           <a:bodyPr/>
           <a:lstStyle/>
           <a:p>
-            <a:fld id="{EE7E1182-497A-4582-8953-C22A11329843}" type="datetimeFigureOut">
+            <a:fld id="{E0C72494-82ED-4494-903E-CD52A3D545B5}" type="datetimeFigureOut">
               <a:rPr lang="de-AT" smtClean="0"/>
-              <a:t>24.03.2021</a:t>
+              <a:t>05.05.2021</a:t>
             </a:fld>
             <a:endParaRPr lang="de-AT"/>
           </a:p>
@@ -4191,9 +4716,9 @@
           <a:bodyPr/>
           <a:lstStyle/>
           <a:p>
-            <a:fld id="{A2080032-F193-46E6-9750-68B93E0B4527}" type="slidenum">
+            <a:fld id="{1EE725EE-3755-4043-A710-575A82E3AB43}" type="slidenum">
               <a:rPr lang="de-AT" smtClean="0"/>
-              <a:t>‹#›</a:t>
+              <a:t>‹Nr.›</a:t>
             </a:fld>
             <a:endParaRPr lang="de-AT"/>
           </a:p>
@@ -4202,7 +4727,7 @@
     </p:spTree>
     <p:extLst>
       <p:ext uri="{BB962C8B-B14F-4D97-AF65-F5344CB8AC3E}">
-        <p14:creationId xmlns:p14="http://schemas.microsoft.com/office/powerpoint/2010/main" val="3782052972"/>
+        <p14:creationId xmlns:p14="http://schemas.microsoft.com/office/powerpoint/2010/main" val="1032389390"/>
       </p:ext>
     </p:extLst>
   </p:cSld>
@@ -4432,9 +4957,9 @@
           <a:bodyPr/>
           <a:lstStyle/>
           <a:p>
-            <a:fld id="{EE7E1182-497A-4582-8953-C22A11329843}" type="datetimeFigureOut">
+            <a:fld id="{E0C72494-82ED-4494-903E-CD52A3D545B5}" type="datetimeFigureOut">
               <a:rPr lang="de-AT" smtClean="0"/>
-              <a:t>24.03.2021</a:t>
+              <a:t>05.05.2021</a:t>
             </a:fld>
             <a:endParaRPr lang="de-AT"/>
           </a:p>
@@ -4474,9 +4999,9 @@
           <a:bodyPr/>
           <a:lstStyle/>
           <a:p>
-            <a:fld id="{A2080032-F193-46E6-9750-68B93E0B4527}" type="slidenum">
+            <a:fld id="{1EE725EE-3755-4043-A710-575A82E3AB43}" type="slidenum">
               <a:rPr lang="de-AT" smtClean="0"/>
-              <a:t>‹#›</a:t>
+              <a:t>‹Nr.›</a:t>
             </a:fld>
             <a:endParaRPr lang="de-AT"/>
           </a:p>
@@ -4485,7 +5010,7 @@
     </p:spTree>
     <p:extLst>
       <p:ext uri="{BB962C8B-B14F-4D97-AF65-F5344CB8AC3E}">
-        <p14:creationId xmlns:p14="http://schemas.microsoft.com/office/powerpoint/2010/main" val="48489900"/>
+        <p14:creationId xmlns:p14="http://schemas.microsoft.com/office/powerpoint/2010/main" val="2495405626"/>
       </p:ext>
     </p:extLst>
   </p:cSld>
@@ -4838,9 +5363,9 @@
             </a:lvl1pPr>
           </a:lstStyle>
           <a:p>
-            <a:fld id="{EE7E1182-497A-4582-8953-C22A11329843}" type="datetimeFigureOut">
+            <a:fld id="{E0C72494-82ED-4494-903E-CD52A3D545B5}" type="datetimeFigureOut">
               <a:rPr lang="de-AT" smtClean="0"/>
-              <a:t>24.03.2021</a:t>
+              <a:t>05.05.2021</a:t>
             </a:fld>
             <a:endParaRPr lang="de-AT"/>
           </a:p>
@@ -4920,9 +5445,9 @@
             </a:lvl1pPr>
           </a:lstStyle>
           <a:p>
-            <a:fld id="{A2080032-F193-46E6-9750-68B93E0B4527}" type="slidenum">
+            <a:fld id="{1EE725EE-3755-4043-A710-575A82E3AB43}" type="slidenum">
               <a:rPr lang="de-AT" smtClean="0"/>
-              <a:t>‹#›</a:t>
+              <a:t>‹Nr.›</a:t>
             </a:fld>
             <a:endParaRPr lang="de-AT"/>
           </a:p>
@@ -4931,7 +5456,7 @@
     </p:spTree>
     <p:extLst>
       <p:ext uri="{BB962C8B-B14F-4D97-AF65-F5344CB8AC3E}">
-        <p14:creationId xmlns:p14="http://schemas.microsoft.com/office/powerpoint/2010/main" val="2751976148"/>
+        <p14:creationId xmlns:p14="http://schemas.microsoft.com/office/powerpoint/2010/main" val="2986163156"/>
       </p:ext>
     </p:extLst>
   </p:cSld>
@@ -5380,7 +5905,7 @@
           <p:cNvPr id="2" name="Titel 1">
             <a:extLst>
               <a:ext uri="{FF2B5EF4-FFF2-40B4-BE49-F238E27FC236}">
-                <a16:creationId xmlns:a16="http://schemas.microsoft.com/office/drawing/2014/main" id="{D9E5F6A0-135C-47C7-9678-44AE711DC7D1}"/>
+                <a16:creationId xmlns:a16="http://schemas.microsoft.com/office/drawing/2014/main" id="{175CFE7E-AD1F-4E0D-99D1-2BB71D3B1F53}"/>
               </a:ext>
             </a:extLst>
           </p:cNvPr>
@@ -5404,13 +5929,6 @@
               <a:rPr lang="de-AT" dirty="0"/>
               <a:t> Evaluation</a:t>
             </a:r>
-            <a:br>
-              <a:rPr lang="de-AT" dirty="0"/>
-            </a:br>
-            <a:r>
-              <a:rPr lang="de-AT" b="1" dirty="0"/>
-              <a:t>Graztourismus.at</a:t>
-            </a:r>
           </a:p>
         </p:txBody>
       </p:sp>
@@ -5419,7 +5937,7 @@
           <p:cNvPr id="3" name="Untertitel 2">
             <a:extLst>
               <a:ext uri="{FF2B5EF4-FFF2-40B4-BE49-F238E27FC236}">
-                <a16:creationId xmlns:a16="http://schemas.microsoft.com/office/drawing/2014/main" id="{5BABADA1-6982-4DD6-A951-D6C5225BD738}"/>
+                <a16:creationId xmlns:a16="http://schemas.microsoft.com/office/drawing/2014/main" id="{35D56B7E-40B5-4CDC-8103-6B2CA6FD8CD0}"/>
               </a:ext>
             </a:extLst>
           </p:cNvPr>
@@ -5457,12 +5975,1681 @@
             </a:r>
             <a:endParaRPr lang="de-AT" dirty="0"/>
           </a:p>
+          <a:p>
+            <a:endParaRPr lang="de-AT" dirty="0"/>
+          </a:p>
         </p:txBody>
       </p:sp>
     </p:spTree>
     <p:extLst>
       <p:ext uri="{BB962C8B-B14F-4D97-AF65-F5344CB8AC3E}">
-        <p14:creationId xmlns:p14="http://schemas.microsoft.com/office/powerpoint/2010/main" val="1335322113"/>
+        <p14:creationId xmlns:p14="http://schemas.microsoft.com/office/powerpoint/2010/main" val="435434296"/>
+      </p:ext>
+    </p:extLst>
+  </p:cSld>
+  <p:clrMapOvr>
+    <a:masterClrMapping/>
+  </p:clrMapOvr>
+</p:sld>
+</file>
+
+<file path=ppt/slides/slide10.xml><?xml version="1.0" encoding="utf-8"?>
+<p:sld xmlns:a="http://schemas.openxmlformats.org/drawingml/2006/main" xmlns:r="http://schemas.openxmlformats.org/officeDocument/2006/relationships" xmlns:p="http://schemas.openxmlformats.org/presentationml/2006/main">
+  <p:cSld>
+    <p:spTree>
+      <p:nvGrpSpPr>
+        <p:cNvPr id="1" name=""/>
+        <p:cNvGrpSpPr/>
+        <p:nvPr/>
+      </p:nvGrpSpPr>
+      <p:grpSpPr>
+        <a:xfrm>
+          <a:off x="0" y="0"/>
+          <a:ext cx="0" cy="0"/>
+          <a:chOff x="0" y="0"/>
+          <a:chExt cx="0" cy="0"/>
+        </a:xfrm>
+      </p:grpSpPr>
+      <p:sp>
+        <p:nvSpPr>
+          <p:cNvPr id="2" name="Titel 1">
+            <a:extLst>
+              <a:ext uri="{FF2B5EF4-FFF2-40B4-BE49-F238E27FC236}">
+                <a16:creationId xmlns:a16="http://schemas.microsoft.com/office/drawing/2014/main" id="{E26B1D55-9FF0-4B6E-8EE8-E60F481D9521}"/>
+              </a:ext>
+            </a:extLst>
+          </p:cNvPr>
+          <p:cNvSpPr>
+            <a:spLocks noGrp="1"/>
+          </p:cNvSpPr>
+          <p:nvPr>
+            <p:ph type="title"/>
+          </p:nvPr>
+        </p:nvSpPr>
+        <p:spPr/>
+        <p:txBody>
+          <a:bodyPr/>
+          <a:lstStyle/>
+          <a:p>
+            <a:r>
+              <a:rPr lang="de-AT" dirty="0"/>
+              <a:t>Negative #3</a:t>
+            </a:r>
+          </a:p>
+        </p:txBody>
+      </p:sp>
+      <p:sp>
+        <p:nvSpPr>
+          <p:cNvPr id="3" name="Inhaltsplatzhalter 2">
+            <a:extLst>
+              <a:ext uri="{FF2B5EF4-FFF2-40B4-BE49-F238E27FC236}">
+                <a16:creationId xmlns:a16="http://schemas.microsoft.com/office/drawing/2014/main" id="{CBC87014-BB9E-45DD-BE11-C07949AE2905}"/>
+              </a:ext>
+            </a:extLst>
+          </p:cNvPr>
+          <p:cNvSpPr>
+            <a:spLocks noGrp="1"/>
+          </p:cNvSpPr>
+          <p:nvPr>
+            <p:ph idx="1"/>
+          </p:nvPr>
+        </p:nvSpPr>
+        <p:spPr/>
+        <p:txBody>
+          <a:bodyPr/>
+          <a:lstStyle/>
+          <a:p>
+            <a:r>
+              <a:rPr lang="de-AT" dirty="0" err="1"/>
+              <a:t>Missing</a:t>
+            </a:r>
+            <a:r>
+              <a:rPr lang="de-AT" dirty="0"/>
+              <a:t> COVID </a:t>
+            </a:r>
+            <a:r>
+              <a:rPr lang="de-AT" dirty="0" err="1"/>
+              <a:t>information</a:t>
+            </a:r>
+            <a:endParaRPr lang="de-AT" dirty="0"/>
+          </a:p>
+          <a:p>
+            <a:pPr lvl="1"/>
+            <a:r>
+              <a:rPr lang="de-AT" dirty="0" err="1"/>
+              <a:t>No</a:t>
+            </a:r>
+            <a:r>
+              <a:rPr lang="de-AT" dirty="0"/>
+              <a:t> </a:t>
+            </a:r>
+            <a:r>
+              <a:rPr lang="de-AT" dirty="0" err="1"/>
+              <a:t>mention</a:t>
+            </a:r>
+            <a:r>
+              <a:rPr lang="de-AT" dirty="0"/>
+              <a:t> </a:t>
+            </a:r>
+            <a:r>
+              <a:rPr lang="de-AT" dirty="0" err="1"/>
+              <a:t>of</a:t>
+            </a:r>
+            <a:r>
+              <a:rPr lang="de-AT" dirty="0"/>
+              <a:t> „Lieferservice“ </a:t>
+            </a:r>
+            <a:r>
+              <a:rPr lang="de-AT" dirty="0" err="1"/>
+              <a:t>etc</a:t>
+            </a:r>
+            <a:endParaRPr lang="de-AT" dirty="0"/>
+          </a:p>
+          <a:p>
+            <a:pPr lvl="1"/>
+            <a:r>
+              <a:rPr lang="de-AT" dirty="0" err="1"/>
+              <a:t>Only</a:t>
+            </a:r>
+            <a:r>
+              <a:rPr lang="de-AT" dirty="0"/>
+              <a:t> </a:t>
+            </a:r>
+            <a:r>
+              <a:rPr lang="de-AT" dirty="0" err="1"/>
+              <a:t>one</a:t>
+            </a:r>
+            <a:r>
+              <a:rPr lang="de-AT" dirty="0"/>
+              <a:t> </a:t>
+            </a:r>
+            <a:r>
+              <a:rPr lang="de-AT" dirty="0" err="1"/>
+              <a:t>warning</a:t>
+            </a:r>
+            <a:r>
+              <a:rPr lang="de-AT" dirty="0"/>
+              <a:t> on </a:t>
+            </a:r>
+            <a:r>
+              <a:rPr lang="de-AT" dirty="0" err="1"/>
+              <a:t>main</a:t>
+            </a:r>
+            <a:r>
+              <a:rPr lang="de-AT" dirty="0"/>
+              <a:t> </a:t>
+            </a:r>
+            <a:r>
+              <a:rPr lang="de-AT" dirty="0" err="1"/>
+              <a:t>page</a:t>
+            </a:r>
+            <a:endParaRPr lang="de-AT" dirty="0"/>
+          </a:p>
+          <a:p>
+            <a:pPr lvl="1"/>
+            <a:r>
+              <a:rPr lang="de-AT" dirty="0" err="1"/>
+              <a:t>No</a:t>
+            </a:r>
+            <a:r>
+              <a:rPr lang="de-AT" dirty="0"/>
+              <a:t> </a:t>
+            </a:r>
+            <a:r>
+              <a:rPr lang="de-AT" dirty="0" err="1"/>
+              <a:t>warning</a:t>
+            </a:r>
+            <a:r>
+              <a:rPr lang="de-AT" dirty="0"/>
+              <a:t> on </a:t>
+            </a:r>
+            <a:r>
+              <a:rPr lang="de-AT" dirty="0" err="1"/>
+              <a:t>restaurant</a:t>
+            </a:r>
+            <a:r>
+              <a:rPr lang="de-AT" dirty="0"/>
+              <a:t> </a:t>
+            </a:r>
+            <a:r>
+              <a:rPr lang="de-AT" dirty="0" err="1"/>
+              <a:t>page</a:t>
+            </a:r>
+            <a:endParaRPr lang="de-AT" dirty="0"/>
+          </a:p>
+          <a:p>
+            <a:pPr lvl="1"/>
+            <a:endParaRPr lang="de-AT" dirty="0"/>
+          </a:p>
+        </p:txBody>
+      </p:sp>
+    </p:spTree>
+    <p:extLst>
+      <p:ext uri="{BB962C8B-B14F-4D97-AF65-F5344CB8AC3E}">
+        <p14:creationId xmlns:p14="http://schemas.microsoft.com/office/powerpoint/2010/main" val="3710107429"/>
+      </p:ext>
+    </p:extLst>
+  </p:cSld>
+  <p:clrMapOvr>
+    <a:masterClrMapping/>
+  </p:clrMapOvr>
+</p:sld>
+</file>
+
+<file path=ppt/slides/slide11.xml><?xml version="1.0" encoding="utf-8"?>
+<p:sld xmlns:a="http://schemas.openxmlformats.org/drawingml/2006/main" xmlns:r="http://schemas.openxmlformats.org/officeDocument/2006/relationships" xmlns:p="http://schemas.openxmlformats.org/presentationml/2006/main">
+  <p:cSld>
+    <p:bg>
+      <p:bgPr>
+        <a:gradFill rotWithShape="1">
+          <a:gsLst>
+            <a:gs pos="10000">
+              <a:schemeClr val="bg2">
+                <a:tint val="97000"/>
+                <a:hueMod val="92000"/>
+                <a:satMod val="169000"/>
+                <a:lumMod val="164000"/>
+              </a:schemeClr>
+            </a:gs>
+            <a:gs pos="100000">
+              <a:schemeClr val="bg2">
+                <a:shade val="96000"/>
+                <a:satMod val="120000"/>
+                <a:lumMod val="90000"/>
+              </a:schemeClr>
+            </a:gs>
+          </a:gsLst>
+          <a:lin ang="6120000" scaled="1"/>
+        </a:gradFill>
+        <a:effectLst/>
+      </p:bgPr>
+    </p:bg>
+    <p:spTree>
+      <p:nvGrpSpPr>
+        <p:cNvPr id="1" name=""/>
+        <p:cNvGrpSpPr/>
+        <p:nvPr/>
+      </p:nvGrpSpPr>
+      <p:grpSpPr>
+        <a:xfrm>
+          <a:off x="0" y="0"/>
+          <a:ext cx="0" cy="0"/>
+          <a:chOff x="0" y="0"/>
+          <a:chExt cx="0" cy="0"/>
+        </a:xfrm>
+      </p:grpSpPr>
+      <p:sp>
+        <p:nvSpPr>
+          <p:cNvPr id="2" name="Titel 1">
+            <a:extLst>
+              <a:ext uri="{FF2B5EF4-FFF2-40B4-BE49-F238E27FC236}">
+                <a16:creationId xmlns:a16="http://schemas.microsoft.com/office/drawing/2014/main" id="{7D194146-CE27-41E9-9E01-91E7A55FD7D2}"/>
+              </a:ext>
+            </a:extLst>
+          </p:cNvPr>
+          <p:cNvSpPr>
+            <a:spLocks noGrp="1"/>
+          </p:cNvSpPr>
+          <p:nvPr>
+            <p:ph type="title"/>
+          </p:nvPr>
+        </p:nvSpPr>
+        <p:spPr>
+          <a:xfrm>
+            <a:off x="684212" y="4487332"/>
+            <a:ext cx="8534400" cy="1507067"/>
+          </a:xfrm>
+        </p:spPr>
+        <p:txBody>
+          <a:bodyPr>
+            <a:normAutofit/>
+          </a:bodyPr>
+          <a:lstStyle/>
+          <a:p>
+            <a:r>
+              <a:rPr lang="de-AT"/>
+              <a:t>Negative #4</a:t>
+            </a:r>
+            <a:endParaRPr lang="de-AT" dirty="0"/>
+          </a:p>
+        </p:txBody>
+      </p:sp>
+      <p:pic>
+        <p:nvPicPr>
+          <p:cNvPr id="9" name="Grafik 8">
+            <a:extLst>
+              <a:ext uri="{FF2B5EF4-FFF2-40B4-BE49-F238E27FC236}">
+                <a16:creationId xmlns:a16="http://schemas.microsoft.com/office/drawing/2014/main" id="{84C1F8AF-82BE-4646-A93C-8EA6137652B3}"/>
+              </a:ext>
+            </a:extLst>
+          </p:cNvPr>
+          <p:cNvPicPr>
+            <a:picLocks noChangeAspect="1"/>
+          </p:cNvPicPr>
+          <p:nvPr/>
+        </p:nvPicPr>
+        <p:blipFill>
+          <a:blip r:embed="rId2"/>
+          <a:stretch>
+            <a:fillRect/>
+          </a:stretch>
+        </p:blipFill>
+        <p:spPr>
+          <a:xfrm>
+            <a:off x="791239" y="936792"/>
+            <a:ext cx="5304759" cy="3169593"/>
+          </a:xfrm>
+          <a:prstGeom prst="rect">
+            <a:avLst/>
+          </a:prstGeom>
+          <a:effectLst>
+            <a:innerShdw blurRad="57150" dist="38100" dir="14460000">
+              <a:prstClr val="black">
+                <a:alpha val="70000"/>
+              </a:prstClr>
+            </a:innerShdw>
+          </a:effectLst>
+        </p:spPr>
+      </p:pic>
+      <p:sp>
+        <p:nvSpPr>
+          <p:cNvPr id="3" name="Inhaltsplatzhalter 2">
+            <a:extLst>
+              <a:ext uri="{FF2B5EF4-FFF2-40B4-BE49-F238E27FC236}">
+                <a16:creationId xmlns:a16="http://schemas.microsoft.com/office/drawing/2014/main" id="{9E21F16B-589C-4C72-B400-C066A3A28AA1}"/>
+              </a:ext>
+            </a:extLst>
+          </p:cNvPr>
+          <p:cNvSpPr>
+            <a:spLocks noGrp="1"/>
+          </p:cNvSpPr>
+          <p:nvPr>
+            <p:ph idx="1"/>
+          </p:nvPr>
+        </p:nvSpPr>
+        <p:spPr>
+          <a:xfrm>
+            <a:off x="6499654" y="733647"/>
+            <a:ext cx="4419171" cy="3575884"/>
+          </a:xfrm>
+        </p:spPr>
+        <p:txBody>
+          <a:bodyPr>
+            <a:normAutofit/>
+          </a:bodyPr>
+          <a:lstStyle/>
+          <a:p>
+            <a:r>
+              <a:rPr lang="de-AT"/>
+              <a:t>Overlapping buttons</a:t>
+            </a:r>
+          </a:p>
+          <a:p>
+            <a:pPr lvl="1"/>
+            <a:r>
+              <a:rPr lang="de-AT"/>
+              <a:t>Full Screen and Closing overlap</a:t>
+            </a:r>
+          </a:p>
+          <a:p>
+            <a:pPr lvl="1"/>
+            <a:r>
+              <a:rPr lang="de-AT"/>
+              <a:t>Hard to press</a:t>
+            </a:r>
+            <a:endParaRPr lang="de-AT" dirty="0"/>
+          </a:p>
+        </p:txBody>
+      </p:sp>
+    </p:spTree>
+    <p:extLst>
+      <p:ext uri="{BB962C8B-B14F-4D97-AF65-F5344CB8AC3E}">
+        <p14:creationId xmlns:p14="http://schemas.microsoft.com/office/powerpoint/2010/main" val="2595435505"/>
+      </p:ext>
+    </p:extLst>
+  </p:cSld>
+  <p:clrMapOvr>
+    <a:masterClrMapping/>
+  </p:clrMapOvr>
+</p:sld>
+</file>
+
+<file path=ppt/slides/slide12.xml><?xml version="1.0" encoding="utf-8"?>
+<p:sld xmlns:a="http://schemas.openxmlformats.org/drawingml/2006/main" xmlns:r="http://schemas.openxmlformats.org/officeDocument/2006/relationships" xmlns:p="http://schemas.openxmlformats.org/presentationml/2006/main">
+  <p:cSld>
+    <p:bg>
+      <p:bgPr>
+        <a:gradFill rotWithShape="1">
+          <a:gsLst>
+            <a:gs pos="10000">
+              <a:schemeClr val="bg2">
+                <a:tint val="97000"/>
+                <a:hueMod val="92000"/>
+                <a:satMod val="169000"/>
+                <a:lumMod val="164000"/>
+              </a:schemeClr>
+            </a:gs>
+            <a:gs pos="100000">
+              <a:schemeClr val="bg2">
+                <a:shade val="96000"/>
+                <a:satMod val="120000"/>
+                <a:lumMod val="90000"/>
+              </a:schemeClr>
+            </a:gs>
+          </a:gsLst>
+          <a:lin ang="6120000" scaled="1"/>
+        </a:gradFill>
+        <a:effectLst/>
+      </p:bgPr>
+    </p:bg>
+    <p:spTree>
+      <p:nvGrpSpPr>
+        <p:cNvPr id="1" name=""/>
+        <p:cNvGrpSpPr/>
+        <p:nvPr/>
+      </p:nvGrpSpPr>
+      <p:grpSpPr>
+        <a:xfrm>
+          <a:off x="0" y="0"/>
+          <a:ext cx="0" cy="0"/>
+          <a:chOff x="0" y="0"/>
+          <a:chExt cx="0" cy="0"/>
+        </a:xfrm>
+      </p:grpSpPr>
+      <p:sp>
+        <p:nvSpPr>
+          <p:cNvPr id="2" name="Titel 1">
+            <a:extLst>
+              <a:ext uri="{FF2B5EF4-FFF2-40B4-BE49-F238E27FC236}">
+                <a16:creationId xmlns:a16="http://schemas.microsoft.com/office/drawing/2014/main" id="{28D3A0A9-DB59-4B0C-87EE-F3E6C20DAB31}"/>
+              </a:ext>
+            </a:extLst>
+          </p:cNvPr>
+          <p:cNvSpPr>
+            <a:spLocks noGrp="1"/>
+          </p:cNvSpPr>
+          <p:nvPr>
+            <p:ph type="title"/>
+          </p:nvPr>
+        </p:nvSpPr>
+        <p:spPr>
+          <a:xfrm>
+            <a:off x="684212" y="4487332"/>
+            <a:ext cx="8534400" cy="1507067"/>
+          </a:xfrm>
+        </p:spPr>
+        <p:txBody>
+          <a:bodyPr>
+            <a:normAutofit/>
+          </a:bodyPr>
+          <a:lstStyle/>
+          <a:p>
+            <a:r>
+              <a:rPr lang="de-AT" dirty="0"/>
+              <a:t>Negative #5</a:t>
+            </a:r>
+          </a:p>
+        </p:txBody>
+      </p:sp>
+      <p:pic>
+        <p:nvPicPr>
+          <p:cNvPr id="5" name="Grafik 4">
+            <a:extLst>
+              <a:ext uri="{FF2B5EF4-FFF2-40B4-BE49-F238E27FC236}">
+                <a16:creationId xmlns:a16="http://schemas.microsoft.com/office/drawing/2014/main" id="{37A37E80-E3CA-4537-9D23-F237E8EC16E3}"/>
+              </a:ext>
+            </a:extLst>
+          </p:cNvPr>
+          <p:cNvPicPr>
+            <a:picLocks noChangeAspect="1"/>
+          </p:cNvPicPr>
+          <p:nvPr/>
+        </p:nvPicPr>
+        <p:blipFill>
+          <a:blip r:embed="rId2"/>
+          <a:stretch>
+            <a:fillRect/>
+          </a:stretch>
+        </p:blipFill>
+        <p:spPr>
+          <a:xfrm>
+            <a:off x="1083299" y="733647"/>
+            <a:ext cx="4720638" cy="3575884"/>
+          </a:xfrm>
+          <a:prstGeom prst="rect">
+            <a:avLst/>
+          </a:prstGeom>
+          <a:effectLst>
+            <a:innerShdw blurRad="57150" dist="38100" dir="14460000">
+              <a:prstClr val="black">
+                <a:alpha val="70000"/>
+              </a:prstClr>
+            </a:innerShdw>
+          </a:effectLst>
+        </p:spPr>
+      </p:pic>
+      <p:sp>
+        <p:nvSpPr>
+          <p:cNvPr id="3" name="Inhaltsplatzhalter 2">
+            <a:extLst>
+              <a:ext uri="{FF2B5EF4-FFF2-40B4-BE49-F238E27FC236}">
+                <a16:creationId xmlns:a16="http://schemas.microsoft.com/office/drawing/2014/main" id="{CF1FD588-7627-4401-AF31-557FA580DB0B}"/>
+              </a:ext>
+            </a:extLst>
+          </p:cNvPr>
+          <p:cNvSpPr>
+            <a:spLocks noGrp="1"/>
+          </p:cNvSpPr>
+          <p:nvPr>
+            <p:ph idx="1"/>
+          </p:nvPr>
+        </p:nvSpPr>
+        <p:spPr>
+          <a:xfrm>
+            <a:off x="6499654" y="733647"/>
+            <a:ext cx="4419171" cy="3575884"/>
+          </a:xfrm>
+        </p:spPr>
+        <p:txBody>
+          <a:bodyPr>
+            <a:normAutofit/>
+          </a:bodyPr>
+          <a:lstStyle/>
+          <a:p>
+            <a:r>
+              <a:rPr lang="de-AT" dirty="0"/>
+              <a:t>Picture Search not </a:t>
+            </a:r>
+            <a:r>
+              <a:rPr lang="de-AT" dirty="0" err="1"/>
+              <a:t>working</a:t>
+            </a:r>
+            <a:endParaRPr lang="de-AT" dirty="0"/>
+          </a:p>
+          <a:p>
+            <a:pPr lvl="1"/>
+            <a:r>
+              <a:rPr lang="de-AT" dirty="0" err="1"/>
+              <a:t>Wrong</a:t>
+            </a:r>
+            <a:r>
+              <a:rPr lang="de-AT" dirty="0"/>
+              <a:t> </a:t>
+            </a:r>
+            <a:r>
+              <a:rPr lang="de-AT" dirty="0" err="1"/>
+              <a:t>results</a:t>
+            </a:r>
+            <a:r>
+              <a:rPr lang="de-AT" dirty="0"/>
+              <a:t> </a:t>
+            </a:r>
+            <a:r>
+              <a:rPr lang="de-AT" dirty="0" err="1"/>
+              <a:t>shown</a:t>
+            </a:r>
+            <a:endParaRPr lang="de-AT" dirty="0"/>
+          </a:p>
+          <a:p>
+            <a:pPr lvl="1"/>
+            <a:r>
+              <a:rPr lang="de-AT" dirty="0" err="1"/>
+              <a:t>Example</a:t>
+            </a:r>
+            <a:r>
+              <a:rPr lang="de-AT" dirty="0"/>
+              <a:t>:</a:t>
+            </a:r>
+          </a:p>
+          <a:p>
+            <a:pPr lvl="2"/>
+            <a:r>
+              <a:rPr lang="de-AT" dirty="0"/>
+              <a:t>Search </a:t>
+            </a:r>
+            <a:r>
+              <a:rPr lang="de-AT" dirty="0" err="1"/>
+              <a:t>for</a:t>
+            </a:r>
+            <a:r>
+              <a:rPr lang="de-AT" dirty="0"/>
+              <a:t> „Frohnleiten“</a:t>
+            </a:r>
+          </a:p>
+          <a:p>
+            <a:pPr lvl="2"/>
+            <a:r>
+              <a:rPr lang="de-AT" dirty="0"/>
+              <a:t>Graz </a:t>
+            </a:r>
+            <a:r>
+              <a:rPr lang="de-AT" dirty="0" err="1"/>
+              <a:t>pictures</a:t>
+            </a:r>
+            <a:r>
+              <a:rPr lang="de-AT" dirty="0"/>
+              <a:t> </a:t>
+            </a:r>
+            <a:r>
+              <a:rPr lang="de-AT" dirty="0" err="1"/>
+              <a:t>are</a:t>
+            </a:r>
+            <a:r>
+              <a:rPr lang="de-AT" dirty="0"/>
+              <a:t> </a:t>
+            </a:r>
+            <a:r>
+              <a:rPr lang="de-AT" dirty="0" err="1"/>
+              <a:t>shown</a:t>
+            </a:r>
+            <a:endParaRPr lang="de-AT" dirty="0"/>
+          </a:p>
+        </p:txBody>
+      </p:sp>
+    </p:spTree>
+    <p:extLst>
+      <p:ext uri="{BB962C8B-B14F-4D97-AF65-F5344CB8AC3E}">
+        <p14:creationId xmlns:p14="http://schemas.microsoft.com/office/powerpoint/2010/main" val="3903667298"/>
+      </p:ext>
+    </p:extLst>
+  </p:cSld>
+  <p:clrMapOvr>
+    <a:masterClrMapping/>
+  </p:clrMapOvr>
+</p:sld>
+</file>
+
+<file path=ppt/slides/slide13.xml><?xml version="1.0" encoding="utf-8"?>
+<p:sld xmlns:a="http://schemas.openxmlformats.org/drawingml/2006/main" xmlns:r="http://schemas.openxmlformats.org/officeDocument/2006/relationships" xmlns:p="http://schemas.openxmlformats.org/presentationml/2006/main">
+  <p:cSld>
+    <p:spTree>
+      <p:nvGrpSpPr>
+        <p:cNvPr id="1" name=""/>
+        <p:cNvGrpSpPr/>
+        <p:nvPr/>
+      </p:nvGrpSpPr>
+      <p:grpSpPr>
+        <a:xfrm>
+          <a:off x="0" y="0"/>
+          <a:ext cx="0" cy="0"/>
+          <a:chOff x="0" y="0"/>
+          <a:chExt cx="0" cy="0"/>
+        </a:xfrm>
+      </p:grpSpPr>
+      <p:sp>
+        <p:nvSpPr>
+          <p:cNvPr id="2" name="Titel 1">
+            <a:extLst>
+              <a:ext uri="{FF2B5EF4-FFF2-40B4-BE49-F238E27FC236}">
+                <a16:creationId xmlns:a16="http://schemas.microsoft.com/office/drawing/2014/main" id="{BCF0D722-567E-4749-8C91-16A672E2ACC3}"/>
+              </a:ext>
+            </a:extLst>
+          </p:cNvPr>
+          <p:cNvSpPr>
+            <a:spLocks noGrp="1"/>
+          </p:cNvSpPr>
+          <p:nvPr>
+            <p:ph type="title"/>
+          </p:nvPr>
+        </p:nvSpPr>
+        <p:spPr/>
+        <p:txBody>
+          <a:bodyPr/>
+          <a:lstStyle/>
+          <a:p>
+            <a:r>
+              <a:rPr lang="de-AT" dirty="0"/>
+              <a:t>Negative #6</a:t>
+            </a:r>
+          </a:p>
+        </p:txBody>
+      </p:sp>
+      <p:sp>
+        <p:nvSpPr>
+          <p:cNvPr id="3" name="Inhaltsplatzhalter 2">
+            <a:extLst>
+              <a:ext uri="{FF2B5EF4-FFF2-40B4-BE49-F238E27FC236}">
+                <a16:creationId xmlns:a16="http://schemas.microsoft.com/office/drawing/2014/main" id="{C084E77D-608A-476D-A71C-3390C6366FB3}"/>
+              </a:ext>
+            </a:extLst>
+          </p:cNvPr>
+          <p:cNvSpPr>
+            <a:spLocks noGrp="1"/>
+          </p:cNvSpPr>
+          <p:nvPr>
+            <p:ph idx="1"/>
+          </p:nvPr>
+        </p:nvSpPr>
+        <p:spPr/>
+        <p:txBody>
+          <a:bodyPr/>
+          <a:lstStyle/>
+          <a:p>
+            <a:r>
+              <a:rPr lang="de-AT" dirty="0"/>
+              <a:t>Interactive </a:t>
+            </a:r>
+            <a:r>
+              <a:rPr lang="de-AT" dirty="0" err="1"/>
+              <a:t>Map</a:t>
+            </a:r>
+            <a:r>
+              <a:rPr lang="de-AT" dirty="0"/>
+              <a:t> Leisure </a:t>
+            </a:r>
+            <a:r>
+              <a:rPr lang="de-AT" dirty="0" err="1"/>
+              <a:t>Destinations</a:t>
+            </a:r>
+            <a:endParaRPr lang="de-AT" dirty="0"/>
+          </a:p>
+          <a:p>
+            <a:pPr lvl="1"/>
+            <a:r>
+              <a:rPr lang="de-AT" dirty="0" err="1"/>
+              <a:t>Wrong</a:t>
+            </a:r>
+            <a:r>
+              <a:rPr lang="de-AT" dirty="0"/>
+              <a:t> Data in </a:t>
+            </a:r>
+            <a:r>
+              <a:rPr lang="de-AT" dirty="0" err="1"/>
+              <a:t>Map</a:t>
+            </a:r>
+            <a:endParaRPr lang="de-AT" dirty="0"/>
+          </a:p>
+          <a:p>
+            <a:pPr lvl="1"/>
+            <a:r>
+              <a:rPr lang="de-AT" dirty="0"/>
+              <a:t>Zooms out </a:t>
+            </a:r>
+            <a:r>
+              <a:rPr lang="de-AT" dirty="0" err="1"/>
+              <a:t>to</a:t>
+            </a:r>
+            <a:r>
+              <a:rPr lang="de-AT" dirty="0"/>
+              <a:t> Europe</a:t>
+            </a:r>
+          </a:p>
+          <a:p>
+            <a:pPr lvl="1"/>
+            <a:r>
+              <a:rPr lang="de-AT" dirty="0"/>
+              <a:t>Shows </a:t>
+            </a:r>
+            <a:r>
+              <a:rPr lang="de-AT" dirty="0" err="1"/>
+              <a:t>destinations</a:t>
+            </a:r>
+            <a:r>
+              <a:rPr lang="de-AT" dirty="0"/>
+              <a:t> </a:t>
+            </a:r>
+            <a:r>
+              <a:rPr lang="de-AT" dirty="0" err="1"/>
+              <a:t>nearch</a:t>
+            </a:r>
+            <a:r>
+              <a:rPr lang="de-AT" dirty="0"/>
+              <a:t> Czech </a:t>
+            </a:r>
+            <a:r>
+              <a:rPr lang="de-AT" dirty="0" err="1"/>
+              <a:t>Republic</a:t>
+            </a:r>
+            <a:endParaRPr lang="de-AT" dirty="0"/>
+          </a:p>
+        </p:txBody>
+      </p:sp>
+    </p:spTree>
+    <p:extLst>
+      <p:ext uri="{BB962C8B-B14F-4D97-AF65-F5344CB8AC3E}">
+        <p14:creationId xmlns:p14="http://schemas.microsoft.com/office/powerpoint/2010/main" val="1535629155"/>
+      </p:ext>
+    </p:extLst>
+  </p:cSld>
+  <p:clrMapOvr>
+    <a:masterClrMapping/>
+  </p:clrMapOvr>
+</p:sld>
+</file>
+
+<file path=ppt/slides/slide14.xml><?xml version="1.0" encoding="utf-8"?>
+<p:sld xmlns:a="http://schemas.openxmlformats.org/drawingml/2006/main" xmlns:r="http://schemas.openxmlformats.org/officeDocument/2006/relationships" xmlns:p="http://schemas.openxmlformats.org/presentationml/2006/main">
+  <p:cSld>
+    <p:spTree>
+      <p:nvGrpSpPr>
+        <p:cNvPr id="1" name=""/>
+        <p:cNvGrpSpPr/>
+        <p:nvPr/>
+      </p:nvGrpSpPr>
+      <p:grpSpPr>
+        <a:xfrm>
+          <a:off x="0" y="0"/>
+          <a:ext cx="0" cy="0"/>
+          <a:chOff x="0" y="0"/>
+          <a:chExt cx="0" cy="0"/>
+        </a:xfrm>
+      </p:grpSpPr>
+      <p:sp>
+        <p:nvSpPr>
+          <p:cNvPr id="2" name="Titel 1">
+            <a:extLst>
+              <a:ext uri="{FF2B5EF4-FFF2-40B4-BE49-F238E27FC236}">
+                <a16:creationId xmlns:a16="http://schemas.microsoft.com/office/drawing/2014/main" id="{60C137EC-D5E4-401B-A37F-844935D8682A}"/>
+              </a:ext>
+            </a:extLst>
+          </p:cNvPr>
+          <p:cNvSpPr>
+            <a:spLocks noGrp="1"/>
+          </p:cNvSpPr>
+          <p:nvPr>
+            <p:ph type="title"/>
+          </p:nvPr>
+        </p:nvSpPr>
+        <p:spPr/>
+        <p:txBody>
+          <a:bodyPr/>
+          <a:lstStyle/>
+          <a:p>
+            <a:r>
+              <a:rPr lang="de-AT" dirty="0"/>
+              <a:t>Negative #7</a:t>
+            </a:r>
+          </a:p>
+        </p:txBody>
+      </p:sp>
+      <p:sp>
+        <p:nvSpPr>
+          <p:cNvPr id="3" name="Inhaltsplatzhalter 2">
+            <a:extLst>
+              <a:ext uri="{FF2B5EF4-FFF2-40B4-BE49-F238E27FC236}">
+                <a16:creationId xmlns:a16="http://schemas.microsoft.com/office/drawing/2014/main" id="{27751165-A726-44E9-8EA9-0D5E2F3B057A}"/>
+              </a:ext>
+            </a:extLst>
+          </p:cNvPr>
+          <p:cNvSpPr>
+            <a:spLocks noGrp="1"/>
+          </p:cNvSpPr>
+          <p:nvPr>
+            <p:ph idx="1"/>
+          </p:nvPr>
+        </p:nvSpPr>
+        <p:spPr/>
+        <p:txBody>
+          <a:bodyPr/>
+          <a:lstStyle/>
+          <a:p>
+            <a:r>
+              <a:rPr lang="de-AT" dirty="0"/>
+              <a:t>Bookmark </a:t>
+            </a:r>
+            <a:r>
+              <a:rPr lang="de-AT" dirty="0" err="1"/>
+              <a:t>can‘t</a:t>
+            </a:r>
+            <a:r>
+              <a:rPr lang="de-AT" dirty="0"/>
+              <a:t> </a:t>
+            </a:r>
+            <a:r>
+              <a:rPr lang="de-AT" dirty="0" err="1"/>
+              <a:t>be</a:t>
+            </a:r>
+            <a:r>
+              <a:rPr lang="de-AT" dirty="0"/>
+              <a:t> </a:t>
+            </a:r>
+            <a:r>
+              <a:rPr lang="de-AT" dirty="0" err="1"/>
+              <a:t>deleted</a:t>
+            </a:r>
+            <a:endParaRPr lang="de-AT" dirty="0"/>
+          </a:p>
+          <a:p>
+            <a:pPr lvl="1"/>
+            <a:r>
+              <a:rPr lang="de-AT" dirty="0" err="1"/>
+              <a:t>There</a:t>
+            </a:r>
+            <a:r>
+              <a:rPr lang="de-AT" dirty="0"/>
+              <a:t> </a:t>
+            </a:r>
+            <a:r>
+              <a:rPr lang="de-AT" dirty="0" err="1"/>
+              <a:t>is</a:t>
+            </a:r>
+            <a:r>
+              <a:rPr lang="de-AT" dirty="0"/>
+              <a:t> simple </a:t>
+            </a:r>
+            <a:r>
+              <a:rPr lang="de-AT" dirty="0" err="1"/>
+              <a:t>no</a:t>
+            </a:r>
+            <a:r>
+              <a:rPr lang="de-AT" dirty="0"/>
+              <a:t> </a:t>
+            </a:r>
+            <a:r>
+              <a:rPr lang="de-AT" dirty="0" err="1"/>
+              <a:t>way</a:t>
+            </a:r>
+            <a:r>
+              <a:rPr lang="de-AT" dirty="0"/>
+              <a:t> </a:t>
+            </a:r>
+            <a:r>
+              <a:rPr lang="de-AT" dirty="0" err="1"/>
+              <a:t>to</a:t>
+            </a:r>
+            <a:r>
+              <a:rPr lang="de-AT" dirty="0"/>
+              <a:t> </a:t>
+            </a:r>
+            <a:r>
+              <a:rPr lang="de-AT" dirty="0" err="1"/>
+              <a:t>remove</a:t>
+            </a:r>
+            <a:r>
+              <a:rPr lang="de-AT" dirty="0"/>
+              <a:t> a bookmark</a:t>
+            </a:r>
+          </a:p>
+        </p:txBody>
+      </p:sp>
+    </p:spTree>
+    <p:extLst>
+      <p:ext uri="{BB962C8B-B14F-4D97-AF65-F5344CB8AC3E}">
+        <p14:creationId xmlns:p14="http://schemas.microsoft.com/office/powerpoint/2010/main" val="2808269619"/>
+      </p:ext>
+    </p:extLst>
+  </p:cSld>
+  <p:clrMapOvr>
+    <a:masterClrMapping/>
+  </p:clrMapOvr>
+</p:sld>
+</file>
+
+<file path=ppt/slides/slide15.xml><?xml version="1.0" encoding="utf-8"?>
+<p:sld xmlns:a="http://schemas.openxmlformats.org/drawingml/2006/main" xmlns:r="http://schemas.openxmlformats.org/officeDocument/2006/relationships" xmlns:p="http://schemas.openxmlformats.org/presentationml/2006/main">
+  <p:cSld>
+    <p:spTree>
+      <p:nvGrpSpPr>
+        <p:cNvPr id="1" name=""/>
+        <p:cNvGrpSpPr/>
+        <p:nvPr/>
+      </p:nvGrpSpPr>
+      <p:grpSpPr>
+        <a:xfrm>
+          <a:off x="0" y="0"/>
+          <a:ext cx="0" cy="0"/>
+          <a:chOff x="0" y="0"/>
+          <a:chExt cx="0" cy="0"/>
+        </a:xfrm>
+      </p:grpSpPr>
+      <p:sp>
+        <p:nvSpPr>
+          <p:cNvPr id="2" name="Titel 1">
+            <a:extLst>
+              <a:ext uri="{FF2B5EF4-FFF2-40B4-BE49-F238E27FC236}">
+                <a16:creationId xmlns:a16="http://schemas.microsoft.com/office/drawing/2014/main" id="{DBA144BB-3F12-4895-A265-F694052A01FB}"/>
+              </a:ext>
+            </a:extLst>
+          </p:cNvPr>
+          <p:cNvSpPr>
+            <a:spLocks noGrp="1"/>
+          </p:cNvSpPr>
+          <p:nvPr>
+            <p:ph type="title"/>
+          </p:nvPr>
+        </p:nvSpPr>
+        <p:spPr/>
+        <p:txBody>
+          <a:bodyPr/>
+          <a:lstStyle/>
+          <a:p>
+            <a:r>
+              <a:rPr lang="de-AT" dirty="0"/>
+              <a:t>Positive #2</a:t>
+            </a:r>
+          </a:p>
+        </p:txBody>
+      </p:sp>
+      <p:sp>
+        <p:nvSpPr>
+          <p:cNvPr id="3" name="Inhaltsplatzhalter 2">
+            <a:extLst>
+              <a:ext uri="{FF2B5EF4-FFF2-40B4-BE49-F238E27FC236}">
+                <a16:creationId xmlns:a16="http://schemas.microsoft.com/office/drawing/2014/main" id="{20FB69D0-AB99-4555-8970-C30AEB773524}"/>
+              </a:ext>
+            </a:extLst>
+          </p:cNvPr>
+          <p:cNvSpPr>
+            <a:spLocks noGrp="1"/>
+          </p:cNvSpPr>
+          <p:nvPr>
+            <p:ph idx="1"/>
+          </p:nvPr>
+        </p:nvSpPr>
+        <p:spPr/>
+        <p:txBody>
+          <a:bodyPr/>
+          <a:lstStyle/>
+          <a:p>
+            <a:r>
+              <a:rPr lang="de-AT" dirty="0"/>
+              <a:t>Interactive City Plan</a:t>
+            </a:r>
+          </a:p>
+          <a:p>
+            <a:pPr lvl="1"/>
+            <a:r>
+              <a:rPr lang="de-AT" dirty="0" err="1"/>
+              <a:t>Has</a:t>
+            </a:r>
+            <a:r>
+              <a:rPr lang="de-AT" dirty="0"/>
+              <a:t> </a:t>
+            </a:r>
+            <a:r>
+              <a:rPr lang="de-AT" dirty="0" err="1"/>
+              <a:t>some</a:t>
+            </a:r>
+            <a:r>
+              <a:rPr lang="de-AT" dirty="0"/>
+              <a:t> </a:t>
+            </a:r>
+            <a:r>
+              <a:rPr lang="de-AT" dirty="0" err="1"/>
+              <a:t>bugs</a:t>
+            </a:r>
+            <a:r>
+              <a:rPr lang="de-AT" dirty="0"/>
+              <a:t>, but all in </a:t>
+            </a:r>
+            <a:r>
+              <a:rPr lang="de-AT" dirty="0" err="1"/>
+              <a:t>alll</a:t>
+            </a:r>
+            <a:r>
+              <a:rPr lang="de-AT" dirty="0"/>
+              <a:t> </a:t>
+            </a:r>
+            <a:r>
+              <a:rPr lang="de-AT" dirty="0" err="1"/>
+              <a:t>very</a:t>
+            </a:r>
+            <a:r>
+              <a:rPr lang="de-AT" dirty="0"/>
+              <a:t> </a:t>
+            </a:r>
+            <a:r>
+              <a:rPr lang="de-AT" dirty="0" err="1"/>
+              <a:t>good</a:t>
+            </a:r>
+            <a:r>
+              <a:rPr lang="de-AT" dirty="0"/>
+              <a:t>.</a:t>
+            </a:r>
+          </a:p>
+        </p:txBody>
+      </p:sp>
+    </p:spTree>
+    <p:extLst>
+      <p:ext uri="{BB962C8B-B14F-4D97-AF65-F5344CB8AC3E}">
+        <p14:creationId xmlns:p14="http://schemas.microsoft.com/office/powerpoint/2010/main" val="1490034662"/>
+      </p:ext>
+    </p:extLst>
+  </p:cSld>
+  <p:clrMapOvr>
+    <a:masterClrMapping/>
+  </p:clrMapOvr>
+</p:sld>
+</file>
+
+<file path=ppt/slides/slide16.xml><?xml version="1.0" encoding="utf-8"?>
+<p:sld xmlns:a="http://schemas.openxmlformats.org/drawingml/2006/main" xmlns:r="http://schemas.openxmlformats.org/officeDocument/2006/relationships" xmlns:p="http://schemas.openxmlformats.org/presentationml/2006/main">
+  <p:cSld>
+    <p:bg>
+      <p:bgPr>
+        <a:gradFill rotWithShape="1">
+          <a:gsLst>
+            <a:gs pos="10000">
+              <a:schemeClr val="bg2">
+                <a:tint val="97000"/>
+                <a:hueMod val="92000"/>
+                <a:satMod val="169000"/>
+                <a:lumMod val="164000"/>
+              </a:schemeClr>
+            </a:gs>
+            <a:gs pos="100000">
+              <a:schemeClr val="bg2">
+                <a:shade val="96000"/>
+                <a:satMod val="120000"/>
+                <a:lumMod val="90000"/>
+              </a:schemeClr>
+            </a:gs>
+          </a:gsLst>
+          <a:lin ang="6120000" scaled="1"/>
+        </a:gradFill>
+        <a:effectLst/>
+      </p:bgPr>
+    </p:bg>
+    <p:spTree>
+      <p:nvGrpSpPr>
+        <p:cNvPr id="1" name=""/>
+        <p:cNvGrpSpPr/>
+        <p:nvPr/>
+      </p:nvGrpSpPr>
+      <p:grpSpPr>
+        <a:xfrm>
+          <a:off x="0" y="0"/>
+          <a:ext cx="0" cy="0"/>
+          <a:chOff x="0" y="0"/>
+          <a:chExt cx="0" cy="0"/>
+        </a:xfrm>
+      </p:grpSpPr>
+      <p:sp>
+        <p:nvSpPr>
+          <p:cNvPr id="2" name="Titel 1">
+            <a:extLst>
+              <a:ext uri="{FF2B5EF4-FFF2-40B4-BE49-F238E27FC236}">
+                <a16:creationId xmlns:a16="http://schemas.microsoft.com/office/drawing/2014/main" id="{3CAF01D5-E6E2-4546-AFB0-4DD1A4C0638C}"/>
+              </a:ext>
+            </a:extLst>
+          </p:cNvPr>
+          <p:cNvSpPr>
+            <a:spLocks noGrp="1"/>
+          </p:cNvSpPr>
+          <p:nvPr>
+            <p:ph type="title"/>
+          </p:nvPr>
+        </p:nvSpPr>
+        <p:spPr>
+          <a:xfrm>
+            <a:off x="8194088" y="490492"/>
+            <a:ext cx="3643435" cy="4063754"/>
+          </a:xfrm>
+        </p:spPr>
+        <p:txBody>
+          <a:bodyPr>
+            <a:normAutofit/>
+          </a:bodyPr>
+          <a:lstStyle/>
+          <a:p>
+            <a:r>
+              <a:rPr lang="de-AT"/>
+              <a:t>Positive #3</a:t>
+            </a:r>
+            <a:endParaRPr lang="de-AT" dirty="0"/>
+          </a:p>
+        </p:txBody>
+      </p:sp>
+      <p:sp>
+        <p:nvSpPr>
+          <p:cNvPr id="3" name="Inhaltsplatzhalter 2">
+            <a:extLst>
+              <a:ext uri="{FF2B5EF4-FFF2-40B4-BE49-F238E27FC236}">
+                <a16:creationId xmlns:a16="http://schemas.microsoft.com/office/drawing/2014/main" id="{4BBA9B98-AFFF-428C-8862-8030FFB8C2A4}"/>
+              </a:ext>
+            </a:extLst>
+          </p:cNvPr>
+          <p:cNvSpPr>
+            <a:spLocks noGrp="1"/>
+          </p:cNvSpPr>
+          <p:nvPr>
+            <p:ph idx="1"/>
+          </p:nvPr>
+        </p:nvSpPr>
+        <p:spPr>
+          <a:xfrm>
+            <a:off x="684212" y="490491"/>
+            <a:ext cx="7195828" cy="3477827"/>
+          </a:xfrm>
+        </p:spPr>
+        <p:txBody>
+          <a:bodyPr>
+            <a:normAutofit/>
+          </a:bodyPr>
+          <a:lstStyle/>
+          <a:p>
+            <a:r>
+              <a:rPr lang="de-AT" dirty="0"/>
+              <a:t>Keyword = Links</a:t>
+            </a:r>
+          </a:p>
+          <a:p>
+            <a:pPr lvl="1"/>
+            <a:r>
+              <a:rPr lang="de-AT" dirty="0"/>
+              <a:t>Most </a:t>
+            </a:r>
+            <a:r>
+              <a:rPr lang="de-AT" dirty="0" err="1"/>
+              <a:t>important</a:t>
+            </a:r>
+            <a:r>
+              <a:rPr lang="de-AT" dirty="0"/>
+              <a:t> </a:t>
+            </a:r>
+            <a:r>
+              <a:rPr lang="de-AT" dirty="0" err="1"/>
+              <a:t>information</a:t>
+            </a:r>
+            <a:r>
+              <a:rPr lang="de-AT" dirty="0"/>
+              <a:t> </a:t>
+            </a:r>
+            <a:r>
+              <a:rPr lang="de-AT" dirty="0" err="1"/>
+              <a:t>or</a:t>
+            </a:r>
+            <a:r>
+              <a:rPr lang="de-AT" dirty="0"/>
+              <a:t> Destination </a:t>
+            </a:r>
+            <a:r>
+              <a:rPr lang="de-AT" dirty="0" err="1"/>
+              <a:t>are</a:t>
+            </a:r>
+            <a:r>
+              <a:rPr lang="de-AT" dirty="0"/>
+              <a:t> links</a:t>
+            </a:r>
+          </a:p>
+        </p:txBody>
+      </p:sp>
+      <p:pic>
+        <p:nvPicPr>
+          <p:cNvPr id="5" name="Grafik 4">
+            <a:extLst>
+              <a:ext uri="{FF2B5EF4-FFF2-40B4-BE49-F238E27FC236}">
+                <a16:creationId xmlns:a16="http://schemas.microsoft.com/office/drawing/2014/main" id="{3B383217-98BD-4085-B578-07ADD108EE69}"/>
+              </a:ext>
+            </a:extLst>
+          </p:cNvPr>
+          <p:cNvPicPr>
+            <a:picLocks noChangeAspect="1"/>
+          </p:cNvPicPr>
+          <p:nvPr/>
+        </p:nvPicPr>
+        <p:blipFill>
+          <a:blip r:embed="rId2"/>
+          <a:stretch>
+            <a:fillRect/>
+          </a:stretch>
+        </p:blipFill>
+        <p:spPr>
+          <a:xfrm>
+            <a:off x="684212" y="4132926"/>
+            <a:ext cx="7195828" cy="863499"/>
+          </a:xfrm>
+          <a:prstGeom prst="rect">
+            <a:avLst/>
+          </a:prstGeom>
+        </p:spPr>
+      </p:pic>
+    </p:spTree>
+    <p:extLst>
+      <p:ext uri="{BB962C8B-B14F-4D97-AF65-F5344CB8AC3E}">
+        <p14:creationId xmlns:p14="http://schemas.microsoft.com/office/powerpoint/2010/main" val="1672799902"/>
+      </p:ext>
+    </p:extLst>
+  </p:cSld>
+  <p:clrMapOvr>
+    <a:masterClrMapping/>
+  </p:clrMapOvr>
+</p:sld>
+</file>
+
+<file path=ppt/slides/slide17.xml><?xml version="1.0" encoding="utf-8"?>
+<p:sld xmlns:a="http://schemas.openxmlformats.org/drawingml/2006/main" xmlns:r="http://schemas.openxmlformats.org/officeDocument/2006/relationships" xmlns:p="http://schemas.openxmlformats.org/presentationml/2006/main">
+  <p:cSld>
+    <p:spTree>
+      <p:nvGrpSpPr>
+        <p:cNvPr id="1" name=""/>
+        <p:cNvGrpSpPr/>
+        <p:nvPr/>
+      </p:nvGrpSpPr>
+      <p:grpSpPr>
+        <a:xfrm>
+          <a:off x="0" y="0"/>
+          <a:ext cx="0" cy="0"/>
+          <a:chOff x="0" y="0"/>
+          <a:chExt cx="0" cy="0"/>
+        </a:xfrm>
+      </p:grpSpPr>
+      <p:sp>
+        <p:nvSpPr>
+          <p:cNvPr id="2" name="Titel 1">
+            <a:extLst>
+              <a:ext uri="{FF2B5EF4-FFF2-40B4-BE49-F238E27FC236}">
+                <a16:creationId xmlns:a16="http://schemas.microsoft.com/office/drawing/2014/main" id="{B62FE085-D827-434C-B09D-5FBDAE8C7BA4}"/>
+              </a:ext>
+            </a:extLst>
+          </p:cNvPr>
+          <p:cNvSpPr>
+            <a:spLocks noGrp="1"/>
+          </p:cNvSpPr>
+          <p:nvPr>
+            <p:ph type="title"/>
+          </p:nvPr>
+        </p:nvSpPr>
+        <p:spPr/>
+        <p:txBody>
+          <a:bodyPr/>
+          <a:lstStyle/>
+          <a:p>
+            <a:r>
+              <a:rPr lang="de-AT" dirty="0"/>
+              <a:t>Positive #4</a:t>
+            </a:r>
+          </a:p>
+        </p:txBody>
+      </p:sp>
+      <p:sp>
+        <p:nvSpPr>
+          <p:cNvPr id="3" name="Inhaltsplatzhalter 2">
+            <a:extLst>
+              <a:ext uri="{FF2B5EF4-FFF2-40B4-BE49-F238E27FC236}">
+                <a16:creationId xmlns:a16="http://schemas.microsoft.com/office/drawing/2014/main" id="{26D8E49D-2718-4193-BEEC-9A09BD100DB5}"/>
+              </a:ext>
+            </a:extLst>
+          </p:cNvPr>
+          <p:cNvSpPr>
+            <a:spLocks noGrp="1"/>
+          </p:cNvSpPr>
+          <p:nvPr>
+            <p:ph idx="1"/>
+          </p:nvPr>
+        </p:nvSpPr>
+        <p:spPr/>
+        <p:txBody>
+          <a:bodyPr/>
+          <a:lstStyle/>
+          <a:p>
+            <a:r>
+              <a:rPr lang="de-AT" dirty="0"/>
+              <a:t>Group </a:t>
+            </a:r>
+            <a:r>
+              <a:rPr lang="de-AT" dirty="0" err="1"/>
+              <a:t>activities</a:t>
+            </a:r>
+            <a:endParaRPr lang="de-AT" dirty="0"/>
+          </a:p>
+          <a:p>
+            <a:pPr lvl="1"/>
+            <a:r>
+              <a:rPr lang="de-AT" dirty="0"/>
+              <a:t>The </a:t>
+            </a:r>
+            <a:r>
+              <a:rPr lang="de-AT" dirty="0" err="1"/>
+              <a:t>site</a:t>
+            </a:r>
+            <a:r>
+              <a:rPr lang="de-AT" dirty="0"/>
+              <a:t> </a:t>
+            </a:r>
+            <a:r>
+              <a:rPr lang="de-AT" dirty="0" err="1"/>
+              <a:t>provides</a:t>
+            </a:r>
+            <a:r>
+              <a:rPr lang="de-AT" dirty="0"/>
+              <a:t> </a:t>
+            </a:r>
+            <a:r>
+              <a:rPr lang="de-AT" dirty="0" err="1"/>
+              <a:t>special</a:t>
+            </a:r>
+            <a:r>
+              <a:rPr lang="de-AT" dirty="0"/>
+              <a:t> </a:t>
+            </a:r>
+            <a:r>
+              <a:rPr lang="de-AT" dirty="0" err="1"/>
+              <a:t>suggestion</a:t>
+            </a:r>
+            <a:r>
+              <a:rPr lang="de-AT" dirty="0"/>
+              <a:t> </a:t>
+            </a:r>
+            <a:r>
+              <a:rPr lang="de-AT" dirty="0" err="1"/>
+              <a:t>for</a:t>
+            </a:r>
+            <a:r>
+              <a:rPr lang="de-AT" dirty="0"/>
+              <a:t> </a:t>
+            </a:r>
+            <a:r>
+              <a:rPr lang="de-AT" dirty="0" err="1"/>
+              <a:t>group</a:t>
+            </a:r>
+            <a:r>
+              <a:rPr lang="de-AT" dirty="0"/>
+              <a:t> </a:t>
+            </a:r>
+            <a:r>
+              <a:rPr lang="de-AT" dirty="0" err="1"/>
+              <a:t>activities</a:t>
+            </a:r>
+            <a:endParaRPr lang="de-AT" dirty="0"/>
+          </a:p>
+        </p:txBody>
+      </p:sp>
+    </p:spTree>
+    <p:extLst>
+      <p:ext uri="{BB962C8B-B14F-4D97-AF65-F5344CB8AC3E}">
+        <p14:creationId xmlns:p14="http://schemas.microsoft.com/office/powerpoint/2010/main" val="3459575286"/>
+      </p:ext>
+    </p:extLst>
+  </p:cSld>
+  <p:clrMapOvr>
+    <a:masterClrMapping/>
+  </p:clrMapOvr>
+</p:sld>
+</file>
+
+<file path=ppt/slides/slide18.xml><?xml version="1.0" encoding="utf-8"?>
+<p:sld xmlns:a="http://schemas.openxmlformats.org/drawingml/2006/main" xmlns:r="http://schemas.openxmlformats.org/officeDocument/2006/relationships" xmlns:p="http://schemas.openxmlformats.org/presentationml/2006/main">
+  <p:cSld>
+    <p:spTree>
+      <p:nvGrpSpPr>
+        <p:cNvPr id="1" name=""/>
+        <p:cNvGrpSpPr/>
+        <p:nvPr/>
+      </p:nvGrpSpPr>
+      <p:grpSpPr>
+        <a:xfrm>
+          <a:off x="0" y="0"/>
+          <a:ext cx="0" cy="0"/>
+          <a:chOff x="0" y="0"/>
+          <a:chExt cx="0" cy="0"/>
+        </a:xfrm>
+      </p:grpSpPr>
+      <p:sp>
+        <p:nvSpPr>
+          <p:cNvPr id="2" name="Titel 1">
+            <a:extLst>
+              <a:ext uri="{FF2B5EF4-FFF2-40B4-BE49-F238E27FC236}">
+                <a16:creationId xmlns:a16="http://schemas.microsoft.com/office/drawing/2014/main" id="{5A2C7251-0BBA-4EBB-AD99-C0EA3DC56759}"/>
+              </a:ext>
+            </a:extLst>
+          </p:cNvPr>
+          <p:cNvSpPr>
+            <a:spLocks noGrp="1"/>
+          </p:cNvSpPr>
+          <p:nvPr>
+            <p:ph type="title"/>
+          </p:nvPr>
+        </p:nvSpPr>
+        <p:spPr/>
+        <p:txBody>
+          <a:bodyPr/>
+          <a:lstStyle/>
+          <a:p>
+            <a:r>
+              <a:rPr lang="de-AT" dirty="0"/>
+              <a:t>Positive #5</a:t>
+            </a:r>
+          </a:p>
+        </p:txBody>
+      </p:sp>
+      <p:sp>
+        <p:nvSpPr>
+          <p:cNvPr id="3" name="Inhaltsplatzhalter 2">
+            <a:extLst>
+              <a:ext uri="{FF2B5EF4-FFF2-40B4-BE49-F238E27FC236}">
+                <a16:creationId xmlns:a16="http://schemas.microsoft.com/office/drawing/2014/main" id="{F40A640C-389D-44DB-96F4-D50A0C7BD2BF}"/>
+              </a:ext>
+            </a:extLst>
+          </p:cNvPr>
+          <p:cNvSpPr>
+            <a:spLocks noGrp="1"/>
+          </p:cNvSpPr>
+          <p:nvPr>
+            <p:ph idx="1"/>
+          </p:nvPr>
+        </p:nvSpPr>
+        <p:spPr/>
+        <p:txBody>
+          <a:bodyPr/>
+          <a:lstStyle/>
+          <a:p>
+            <a:r>
+              <a:rPr lang="de-AT" dirty="0"/>
+              <a:t>Top Sightseeing </a:t>
+            </a:r>
+            <a:r>
+              <a:rPr lang="de-AT" dirty="0" err="1"/>
+              <a:t>attractions</a:t>
+            </a:r>
+            <a:endParaRPr lang="de-AT" dirty="0"/>
+          </a:p>
+          <a:p>
+            <a:pPr lvl="1"/>
+            <a:r>
+              <a:rPr lang="de-AT" dirty="0" err="1"/>
+              <a:t>Visit</a:t>
+            </a:r>
+            <a:r>
+              <a:rPr lang="de-AT" dirty="0"/>
+              <a:t> </a:t>
+            </a:r>
+            <a:r>
+              <a:rPr lang="de-AT" dirty="0" err="1"/>
+              <a:t>the</a:t>
+            </a:r>
+            <a:r>
+              <a:rPr lang="de-AT" dirty="0"/>
+              <a:t> </a:t>
+            </a:r>
+            <a:r>
+              <a:rPr lang="de-AT" dirty="0" err="1"/>
+              <a:t>website</a:t>
+            </a:r>
+            <a:r>
+              <a:rPr lang="de-AT" dirty="0"/>
+              <a:t> and scroll down </a:t>
+            </a:r>
+            <a:r>
+              <a:rPr lang="de-AT" dirty="0" err="1"/>
+              <a:t>to</a:t>
+            </a:r>
+            <a:r>
+              <a:rPr lang="de-AT" dirty="0"/>
+              <a:t> </a:t>
+            </a:r>
+            <a:r>
+              <a:rPr lang="de-AT" dirty="0" err="1"/>
+              <a:t>the</a:t>
+            </a:r>
+            <a:r>
+              <a:rPr lang="de-AT" dirty="0"/>
+              <a:t> top </a:t>
+            </a:r>
+            <a:r>
+              <a:rPr lang="de-AT" dirty="0" err="1"/>
+              <a:t>attractions</a:t>
+            </a:r>
+            <a:r>
+              <a:rPr lang="de-AT" dirty="0"/>
+              <a:t> in Graz</a:t>
+            </a:r>
+          </a:p>
+        </p:txBody>
+      </p:sp>
+    </p:spTree>
+    <p:extLst>
+      <p:ext uri="{BB962C8B-B14F-4D97-AF65-F5344CB8AC3E}">
+        <p14:creationId xmlns:p14="http://schemas.microsoft.com/office/powerpoint/2010/main" val="559594731"/>
+      </p:ext>
+    </p:extLst>
+  </p:cSld>
+  <p:clrMapOvr>
+    <a:masterClrMapping/>
+  </p:clrMapOvr>
+</p:sld>
+</file>
+
+<file path=ppt/slides/slide19.xml><?xml version="1.0" encoding="utf-8"?>
+<p:sld xmlns:a="http://schemas.openxmlformats.org/drawingml/2006/main" xmlns:r="http://schemas.openxmlformats.org/officeDocument/2006/relationships" xmlns:p="http://schemas.openxmlformats.org/presentationml/2006/main">
+  <p:cSld>
+    <p:spTree>
+      <p:nvGrpSpPr>
+        <p:cNvPr id="1" name=""/>
+        <p:cNvGrpSpPr/>
+        <p:nvPr/>
+      </p:nvGrpSpPr>
+      <p:grpSpPr>
+        <a:xfrm>
+          <a:off x="0" y="0"/>
+          <a:ext cx="0" cy="0"/>
+          <a:chOff x="0" y="0"/>
+          <a:chExt cx="0" cy="0"/>
+        </a:xfrm>
+      </p:grpSpPr>
+      <p:sp>
+        <p:nvSpPr>
+          <p:cNvPr id="2" name="Titel 1">
+            <a:extLst>
+              <a:ext uri="{FF2B5EF4-FFF2-40B4-BE49-F238E27FC236}">
+                <a16:creationId xmlns:a16="http://schemas.microsoft.com/office/drawing/2014/main" id="{43056401-CA72-4C60-BFF8-AD843B3D371B}"/>
+              </a:ext>
+            </a:extLst>
+          </p:cNvPr>
+          <p:cNvSpPr>
+            <a:spLocks noGrp="1"/>
+          </p:cNvSpPr>
+          <p:nvPr>
+            <p:ph type="title"/>
+          </p:nvPr>
+        </p:nvSpPr>
+        <p:spPr>
+          <a:xfrm>
+            <a:off x="3575057" y="2675466"/>
+            <a:ext cx="5041885" cy="1507067"/>
+          </a:xfrm>
+        </p:spPr>
+        <p:txBody>
+          <a:bodyPr>
+            <a:normAutofit fontScale="90000"/>
+          </a:bodyPr>
+          <a:lstStyle/>
+          <a:p>
+            <a:r>
+              <a:rPr lang="de-AT" dirty="0"/>
+              <a:t>Individual </a:t>
+            </a:r>
+            <a:r>
+              <a:rPr lang="de-AT" dirty="0" err="1"/>
+              <a:t>Remarks</a:t>
+            </a:r>
+            <a:br>
+              <a:rPr lang="de-AT" dirty="0"/>
+            </a:br>
+            <a:br>
+              <a:rPr lang="de-AT" dirty="0"/>
+            </a:br>
+            <a:r>
+              <a:rPr lang="de-AT" sz="2000" b="1" i="0" dirty="0">
+                <a:solidFill>
+                  <a:srgbClr val="000000"/>
+                </a:solidFill>
+                <a:effectLst/>
+                <a:latin typeface="Verdana" panose="020B0604030504040204" pitchFamily="34" charset="0"/>
+              </a:rPr>
+              <a:t>Lukas Kloiber, Manuel Sammer, Marius Laffer, </a:t>
+            </a:r>
+            <a:r>
+              <a:rPr lang="en-AT" sz="2000" b="1" i="0" dirty="0">
+                <a:solidFill>
+                  <a:srgbClr val="000000"/>
+                </a:solidFill>
+                <a:effectLst/>
+                <a:latin typeface="Verdana" panose="020B0604030504040204" pitchFamily="34" charset="0"/>
+              </a:rPr>
+              <a:t>Manuel Moser</a:t>
+            </a:r>
+            <a:br>
+              <a:rPr lang="de-AT" dirty="0"/>
+            </a:br>
+            <a:endParaRPr lang="de-AT" dirty="0"/>
+          </a:p>
+        </p:txBody>
+      </p:sp>
+    </p:spTree>
+    <p:extLst>
+      <p:ext uri="{BB962C8B-B14F-4D97-AF65-F5344CB8AC3E}">
+        <p14:creationId xmlns:p14="http://schemas.microsoft.com/office/powerpoint/2010/main" val="3255580376"/>
       </p:ext>
     </p:extLst>
   </p:cSld>
@@ -5696,36 +7883,9 @@
 </p:sld>
 </file>
 
-<file path=ppt/slides/slide3.xml><?xml version="1.0" encoding="utf-8"?>
+<file path=ppt/slides/slide20.xml><?xml version="1.0" encoding="utf-8"?>
 <p:sld xmlns:a="http://schemas.openxmlformats.org/drawingml/2006/main" xmlns:r="http://schemas.openxmlformats.org/officeDocument/2006/relationships" xmlns:p="http://schemas.openxmlformats.org/presentationml/2006/main">
   <p:cSld>
-    <p:bg>
-      <p:bgPr>
-        <a:gradFill rotWithShape="1">
-          <a:gsLst>
-            <a:gs pos="0">
-              <a:schemeClr val="bg2">
-                <a:tint val="97000"/>
-                <a:hueMod val="92000"/>
-                <a:satMod val="169000"/>
-                <a:lumMod val="164000"/>
-              </a:schemeClr>
-            </a:gs>
-            <a:gs pos="100000">
-              <a:schemeClr val="bg2">
-                <a:shade val="96000"/>
-                <a:satMod val="120000"/>
-                <a:lumMod val="90000"/>
-              </a:schemeClr>
-            </a:gs>
-          </a:gsLst>
-          <a:path path="circle">
-            <a:fillToRect b="100000"/>
-          </a:path>
-        </a:gradFill>
-        <a:effectLst/>
-      </p:bgPr>
-    </p:bg>
     <p:spTree>
       <p:nvGrpSpPr>
         <p:cNvPr id="1" name=""/>
@@ -5742,84 +7902,79 @@
       </p:grpSpPr>
       <p:sp>
         <p:nvSpPr>
-          <p:cNvPr id="43" name="Rectangle 17">
+          <p:cNvPr id="2" name="Titel 1">
             <a:extLst>
               <a:ext uri="{FF2B5EF4-FFF2-40B4-BE49-F238E27FC236}">
-                <a16:creationId xmlns:a16="http://schemas.microsoft.com/office/drawing/2014/main" id="{7AE45261-7584-4688-A4A3-724AC140F401}"/>
-              </a:ext>
-              <a:ext uri="{C183D7F6-B498-43B3-948B-1728B52AA6E4}">
-                <adec:decorative xmlns:adec="http://schemas.microsoft.com/office/drawing/2017/decorative" val="1"/>
+                <a16:creationId xmlns:a16="http://schemas.microsoft.com/office/drawing/2014/main" id="{4D9A2D85-F019-49B1-B91E-C8EB8B96B1A1}"/>
               </a:ext>
             </a:extLst>
           </p:cNvPr>
           <p:cNvSpPr>
-            <a:spLocks noGrp="1" noRot="1" noChangeAspect="1" noMove="1" noResize="1" noEditPoints="1" noAdjustHandles="1" noChangeArrowheads="1" noChangeShapeType="1" noTextEdit="1"/>
+            <a:spLocks noGrp="1"/>
           </p:cNvSpPr>
           <p:nvPr>
-            <p:extLst>
-              <p:ext uri="{386F3935-93C4-4BCD-93E2-E3B085C9AB24}">
-                <p16:designElem xmlns:p16="http://schemas.microsoft.com/office/powerpoint/2015/main" val="1"/>
-              </p:ext>
-            </p:extLst>
+            <p:ph type="title"/>
           </p:nvPr>
         </p:nvSpPr>
         <p:spPr>
           <a:xfrm>
-            <a:off x="0" y="0"/>
-            <a:ext cx="12192000" cy="6858000"/>
+            <a:off x="1828800" y="2675466"/>
+            <a:ext cx="8534400" cy="1507067"/>
           </a:xfrm>
-          <a:prstGeom prst="rect">
-            <a:avLst/>
-          </a:prstGeom>
-          <a:gradFill>
-            <a:gsLst>
-              <a:gs pos="10000">
-                <a:schemeClr val="dk2">
-                  <a:tint val="97000"/>
-                  <a:hueMod val="92000"/>
-                  <a:satMod val="169000"/>
-                  <a:lumMod val="164000"/>
-                </a:schemeClr>
-              </a:gs>
-              <a:gs pos="100000">
-                <a:schemeClr val="dk2">
-                  <a:shade val="96000"/>
-                  <a:satMod val="120000"/>
-                  <a:lumMod val="90000"/>
-                </a:schemeClr>
-              </a:gs>
-            </a:gsLst>
-            <a:lin ang="6120000" scaled="1"/>
-          </a:gradFill>
-          <a:ln>
-            <a:noFill/>
-          </a:ln>
         </p:spPr>
-        <p:style>
-          <a:lnRef idx="2">
-            <a:schemeClr val="accent1">
-              <a:shade val="50000"/>
-            </a:schemeClr>
-          </a:lnRef>
-          <a:fillRef idx="1002">
-            <a:schemeClr val="dk2"/>
-          </a:fillRef>
-          <a:effectRef idx="0">
-            <a:schemeClr val="accent1"/>
-          </a:effectRef>
-          <a:fontRef idx="minor">
-            <a:schemeClr val="lt1"/>
-          </a:fontRef>
-        </p:style>
         <p:txBody>
-          <a:bodyPr rtlCol="0" anchor="ctr"/>
+          <a:bodyPr/>
           <a:lstStyle/>
           <a:p>
-            <a:pPr algn="ctr"/>
-            <a:endParaRPr lang="en-US"/>
+            <a:r>
+              <a:rPr lang="en-US" dirty="0"/>
+              <a:t>T</a:t>
+            </a:r>
+            <a:r>
+              <a:rPr lang="en-AT" dirty="0"/>
+              <a:t>hank you </a:t>
+            </a:r>
+            <a:br>
+              <a:rPr lang="en-AT" dirty="0"/>
+            </a:br>
+            <a:r>
+              <a:rPr lang="en-AT" dirty="0"/>
+              <a:t>for your attention</a:t>
+            </a:r>
+            <a:endParaRPr lang="de-AT" dirty="0"/>
           </a:p>
         </p:txBody>
       </p:sp>
+    </p:spTree>
+    <p:extLst>
+      <p:ext uri="{BB962C8B-B14F-4D97-AF65-F5344CB8AC3E}">
+        <p14:creationId xmlns:p14="http://schemas.microsoft.com/office/powerpoint/2010/main" val="3676398800"/>
+      </p:ext>
+    </p:extLst>
+  </p:cSld>
+  <p:clrMapOvr>
+    <a:masterClrMapping/>
+  </p:clrMapOvr>
+</p:sld>
+</file>
+
+<file path=ppt/slides/slide3.xml><?xml version="1.0" encoding="utf-8"?>
+<p:sld xmlns:a="http://schemas.openxmlformats.org/drawingml/2006/main" xmlns:r="http://schemas.openxmlformats.org/officeDocument/2006/relationships" xmlns:p="http://schemas.openxmlformats.org/presentationml/2006/main">
+  <p:cSld>
+    <p:spTree>
+      <p:nvGrpSpPr>
+        <p:cNvPr id="1" name=""/>
+        <p:cNvGrpSpPr/>
+        <p:nvPr/>
+      </p:nvGrpSpPr>
+      <p:grpSpPr>
+        <a:xfrm>
+          <a:off x="0" y="0"/>
+          <a:ext cx="0" cy="0"/>
+          <a:chOff x="0" y="0"/>
+          <a:chExt cx="0" cy="0"/>
+        </a:xfrm>
+      </p:grpSpPr>
       <p:sp>
         <p:nvSpPr>
           <p:cNvPr id="2" name="Titel 1">
@@ -5928,357 +8083,6 @@
           </a:p>
         </p:txBody>
       </p:sp>
-      <p:sp>
-        <p:nvSpPr>
-          <p:cNvPr id="44" name="Snip Diagonal Corner Rectangle 21">
-            <a:extLst>
-              <a:ext uri="{FF2B5EF4-FFF2-40B4-BE49-F238E27FC236}">
-                <a16:creationId xmlns:a16="http://schemas.microsoft.com/office/drawing/2014/main" id="{6A3DF0D0-07D5-4FAC-A12C-923E178CCB54}"/>
-              </a:ext>
-              <a:ext uri="{C183D7F6-B498-43B3-948B-1728B52AA6E4}">
-                <adec:decorative xmlns:adec="http://schemas.microsoft.com/office/drawing/2017/decorative" val="1"/>
-              </a:ext>
-            </a:extLst>
-          </p:cNvPr>
-          <p:cNvSpPr>
-            <a:spLocks noGrp="1" noRot="1" noChangeAspect="1" noMove="1" noResize="1" noEditPoints="1" noAdjustHandles="1" noChangeArrowheads="1" noChangeShapeType="1" noTextEdit="1"/>
-          </p:cNvSpPr>
-          <p:nvPr>
-            <p:extLst>
-              <p:ext uri="{386F3935-93C4-4BCD-93E2-E3B085C9AB24}">
-                <p16:designElem xmlns:p16="http://schemas.microsoft.com/office/powerpoint/2015/main" val="1"/>
-              </p:ext>
-            </p:extLst>
-          </p:nvPr>
-        </p:nvSpPr>
-        <p:spPr>
-          <a:xfrm>
-            <a:off x="1" y="620722"/>
-            <a:ext cx="12188824" cy="3612950"/>
-          </a:xfrm>
-          <a:prstGeom prst="snip2DiagRect">
-            <a:avLst>
-              <a:gd name="adj1" fmla="val 8741"/>
-              <a:gd name="adj2" fmla="val 0"/>
-            </a:avLst>
-          </a:prstGeom>
-          <a:solidFill>
-            <a:schemeClr val="bg1">
-              <a:alpha val="0"/>
-            </a:schemeClr>
-          </a:solidFill>
-          <a:ln>
-            <a:noFill/>
-          </a:ln>
-          <a:effectLst/>
-        </p:spPr>
-        <p:style>
-          <a:lnRef idx="2">
-            <a:schemeClr val="accent1">
-              <a:shade val="50000"/>
-            </a:schemeClr>
-          </a:lnRef>
-          <a:fillRef idx="1">
-            <a:schemeClr val="accent1"/>
-          </a:fillRef>
-          <a:effectRef idx="0">
-            <a:schemeClr val="accent1"/>
-          </a:effectRef>
-          <a:fontRef idx="minor">
-            <a:schemeClr val="lt1"/>
-          </a:fontRef>
-        </p:style>
-        <p:txBody>
-          <a:bodyPr rtlCol="0" anchor="ctr"/>
-          <a:lstStyle/>
-          <a:p>
-            <a:pPr algn="ctr"/>
-            <a:endParaRPr lang="en-US"/>
-          </a:p>
-        </p:txBody>
-      </p:sp>
-      <p:grpSp>
-        <p:nvGrpSpPr>
-          <p:cNvPr id="22" name="Group 21">
-            <a:extLst>
-              <a:ext uri="{FF2B5EF4-FFF2-40B4-BE49-F238E27FC236}">
-                <a16:creationId xmlns:a16="http://schemas.microsoft.com/office/drawing/2014/main" id="{1EEF4727-6B5C-4FA7-968D-912F35A4CAE1}"/>
-              </a:ext>
-              <a:ext uri="{C183D7F6-B498-43B3-948B-1728B52AA6E4}">
-                <adec:decorative xmlns:adec="http://schemas.microsoft.com/office/drawing/2017/decorative" val="1"/>
-              </a:ext>
-            </a:extLst>
-          </p:cNvPr>
-          <p:cNvGrpSpPr>
-            <a:grpSpLocks noGrp="1" noUngrp="1" noRot="1" noChangeAspect="1" noMove="1" noResize="1"/>
-          </p:cNvGrpSpPr>
-          <p:nvPr>
-            <p:extLst>
-              <p:ext uri="{386F3935-93C4-4BCD-93E2-E3B085C9AB24}">
-                <p16:designElem xmlns:p16="http://schemas.microsoft.com/office/powerpoint/2015/main" val="1"/>
-              </p:ext>
-            </p:extLst>
-          </p:nvPr>
-        </p:nvGrpSpPr>
-        <p:grpSpPr>
-          <a:xfrm>
-            <a:off x="9206969" y="2963333"/>
-            <a:ext cx="2981858" cy="3208867"/>
-            <a:chOff x="9206969" y="2963333"/>
-            <a:chExt cx="2981858" cy="3208867"/>
-          </a:xfrm>
-        </p:grpSpPr>
-        <p:cxnSp>
-          <p:nvCxnSpPr>
-            <p:cNvPr id="23" name="Straight Connector 22">
-              <a:extLst>
-                <a:ext uri="{FF2B5EF4-FFF2-40B4-BE49-F238E27FC236}">
-                  <a16:creationId xmlns:a16="http://schemas.microsoft.com/office/drawing/2014/main" id="{52FE142A-A0FD-4557-92D4-A7A7F27CBF02}"/>
-                </a:ext>
-                <a:ext uri="{C183D7F6-B498-43B3-948B-1728B52AA6E4}">
-                  <adec:decorative xmlns:adec="http://schemas.microsoft.com/office/drawing/2017/decorative" val="1"/>
-                </a:ext>
-              </a:extLst>
-            </p:cNvPr>
-            <p:cNvCxnSpPr/>
-            <p:nvPr>
-              <p:extLst>
-                <p:ext uri="{386F3935-93C4-4BCD-93E2-E3B085C9AB24}">
-                  <p16:designElem xmlns:p16="http://schemas.microsoft.com/office/powerpoint/2015/main" val="1"/>
-                </p:ext>
-              </p:extLst>
-            </p:nvPr>
-          </p:nvCxnSpPr>
-          <p:spPr>
-            <a:xfrm flipH="1">
-              <a:off x="11276012" y="2963333"/>
-              <a:ext cx="912814" cy="912812"/>
-            </a:xfrm>
-            <a:prstGeom prst="line">
-              <a:avLst/>
-            </a:prstGeom>
-            <a:ln w="9525">
-              <a:solidFill>
-                <a:srgbClr val="FFFFFF"/>
-              </a:solidFill>
-            </a:ln>
-          </p:spPr>
-          <p:style>
-            <a:lnRef idx="2">
-              <a:schemeClr val="accent1"/>
-            </a:lnRef>
-            <a:fillRef idx="0">
-              <a:schemeClr val="accent1"/>
-            </a:fillRef>
-            <a:effectRef idx="1">
-              <a:schemeClr val="accent1"/>
-            </a:effectRef>
-            <a:fontRef idx="minor">
-              <a:schemeClr val="tx1"/>
-            </a:fontRef>
-          </p:style>
-        </p:cxnSp>
-        <p:cxnSp>
-          <p:nvCxnSpPr>
-            <p:cNvPr id="24" name="Straight Connector 23">
-              <a:extLst>
-                <a:ext uri="{FF2B5EF4-FFF2-40B4-BE49-F238E27FC236}">
-                  <a16:creationId xmlns:a16="http://schemas.microsoft.com/office/drawing/2014/main" id="{7F84B8B9-9710-47C6-A3BC-99C562894DEC}"/>
-                </a:ext>
-                <a:ext uri="{C183D7F6-B498-43B3-948B-1728B52AA6E4}">
-                  <adec:decorative xmlns:adec="http://schemas.microsoft.com/office/drawing/2017/decorative" val="1"/>
-                </a:ext>
-              </a:extLst>
-            </p:cNvPr>
-            <p:cNvCxnSpPr/>
-            <p:nvPr>
-              <p:extLst>
-                <p:ext uri="{386F3935-93C4-4BCD-93E2-E3B085C9AB24}">
-                  <p16:designElem xmlns:p16="http://schemas.microsoft.com/office/powerpoint/2015/main" val="1"/>
-                </p:ext>
-              </p:extLst>
-            </p:nvPr>
-          </p:nvCxnSpPr>
-          <p:spPr>
-            <a:xfrm flipH="1">
-              <a:off x="9206969" y="3190344"/>
-              <a:ext cx="2981857" cy="2981856"/>
-            </a:xfrm>
-            <a:prstGeom prst="line">
-              <a:avLst/>
-            </a:prstGeom>
-            <a:ln w="9525">
-              <a:solidFill>
-                <a:srgbClr val="FFFFFF"/>
-              </a:solidFill>
-            </a:ln>
-          </p:spPr>
-          <p:style>
-            <a:lnRef idx="2">
-              <a:schemeClr val="accent1"/>
-            </a:lnRef>
-            <a:fillRef idx="0">
-              <a:schemeClr val="accent1"/>
-            </a:fillRef>
-            <a:effectRef idx="1">
-              <a:schemeClr val="accent1"/>
-            </a:effectRef>
-            <a:fontRef idx="minor">
-              <a:schemeClr val="tx1"/>
-            </a:fontRef>
-          </p:style>
-        </p:cxnSp>
-        <p:cxnSp>
-          <p:nvCxnSpPr>
-            <p:cNvPr id="25" name="Straight Connector 24">
-              <a:extLst>
-                <a:ext uri="{FF2B5EF4-FFF2-40B4-BE49-F238E27FC236}">
-                  <a16:creationId xmlns:a16="http://schemas.microsoft.com/office/drawing/2014/main" id="{693ADAE5-007B-4BBF-8DA6-2EB91A0BE76A}"/>
-                </a:ext>
-                <a:ext uri="{C183D7F6-B498-43B3-948B-1728B52AA6E4}">
-                  <adec:decorative xmlns:adec="http://schemas.microsoft.com/office/drawing/2017/decorative" val="1"/>
-                </a:ext>
-              </a:extLst>
-            </p:cNvPr>
-            <p:cNvCxnSpPr/>
-            <p:nvPr>
-              <p:extLst>
-                <p:ext uri="{386F3935-93C4-4BCD-93E2-E3B085C9AB24}">
-                  <p16:designElem xmlns:p16="http://schemas.microsoft.com/office/powerpoint/2015/main" val="1"/>
-                </p:ext>
-              </p:extLst>
-            </p:nvPr>
-          </p:nvCxnSpPr>
-          <p:spPr>
-            <a:xfrm flipH="1">
-              <a:off x="10292292" y="3285067"/>
-              <a:ext cx="1896534" cy="1896533"/>
-            </a:xfrm>
-            <a:prstGeom prst="line">
-              <a:avLst/>
-            </a:prstGeom>
-            <a:ln w="9525">
-              <a:solidFill>
-                <a:srgbClr val="FFFFFF"/>
-              </a:solidFill>
-            </a:ln>
-          </p:spPr>
-          <p:style>
-            <a:lnRef idx="2">
-              <a:schemeClr val="accent1"/>
-            </a:lnRef>
-            <a:fillRef idx="0">
-              <a:schemeClr val="accent1"/>
-            </a:fillRef>
-            <a:effectRef idx="1">
-              <a:schemeClr val="accent1"/>
-            </a:effectRef>
-            <a:fontRef idx="minor">
-              <a:schemeClr val="tx1"/>
-            </a:fontRef>
-          </p:style>
-        </p:cxnSp>
-        <p:cxnSp>
-          <p:nvCxnSpPr>
-            <p:cNvPr id="26" name="Straight Connector 25">
-              <a:extLst>
-                <a:ext uri="{FF2B5EF4-FFF2-40B4-BE49-F238E27FC236}">
-                  <a16:creationId xmlns:a16="http://schemas.microsoft.com/office/drawing/2014/main" id="{F3DB8E36-978B-4F5D-B278-B1F45C58554D}"/>
-                </a:ext>
-                <a:ext uri="{C183D7F6-B498-43B3-948B-1728B52AA6E4}">
-                  <adec:decorative xmlns:adec="http://schemas.microsoft.com/office/drawing/2017/decorative" val="1"/>
-                </a:ext>
-              </a:extLst>
-            </p:cNvPr>
-            <p:cNvCxnSpPr/>
-            <p:nvPr>
-              <p:extLst>
-                <p:ext uri="{386F3935-93C4-4BCD-93E2-E3B085C9AB24}">
-                  <p16:designElem xmlns:p16="http://schemas.microsoft.com/office/powerpoint/2015/main" val="1"/>
-                </p:ext>
-              </p:extLst>
-            </p:nvPr>
-          </p:nvCxnSpPr>
-          <p:spPr>
-            <a:xfrm flipH="1">
-              <a:off x="10443103" y="3131080"/>
-              <a:ext cx="1745722" cy="1745720"/>
-            </a:xfrm>
-            <a:prstGeom prst="line">
-              <a:avLst/>
-            </a:prstGeom>
-            <a:ln w="28575">
-              <a:solidFill>
-                <a:srgbClr val="FFFFFF"/>
-              </a:solidFill>
-            </a:ln>
-          </p:spPr>
-          <p:style>
-            <a:lnRef idx="2">
-              <a:schemeClr val="accent1"/>
-            </a:lnRef>
-            <a:fillRef idx="0">
-              <a:schemeClr val="accent1"/>
-            </a:fillRef>
-            <a:effectRef idx="1">
-              <a:schemeClr val="accent1"/>
-            </a:effectRef>
-            <a:fontRef idx="minor">
-              <a:schemeClr val="tx1"/>
-            </a:fontRef>
-          </p:style>
-        </p:cxnSp>
-        <p:cxnSp>
-          <p:nvCxnSpPr>
-            <p:cNvPr id="27" name="Straight Connector 26">
-              <a:extLst>
-                <a:ext uri="{FF2B5EF4-FFF2-40B4-BE49-F238E27FC236}">
-                  <a16:creationId xmlns:a16="http://schemas.microsoft.com/office/drawing/2014/main" id="{37484C8B-8B05-442F-A4F5-4192C7D0C9E1}"/>
-                </a:ext>
-                <a:ext uri="{C183D7F6-B498-43B3-948B-1728B52AA6E4}">
-                  <adec:decorative xmlns:adec="http://schemas.microsoft.com/office/drawing/2017/decorative" val="1"/>
-                </a:ext>
-              </a:extLst>
-            </p:cNvPr>
-            <p:cNvCxnSpPr/>
-            <p:nvPr>
-              <p:extLst>
-                <p:ext uri="{386F3935-93C4-4BCD-93E2-E3B085C9AB24}">
-                  <p16:designElem xmlns:p16="http://schemas.microsoft.com/office/powerpoint/2015/main" val="1"/>
-                </p:ext>
-              </p:extLst>
-            </p:nvPr>
-          </p:nvCxnSpPr>
-          <p:spPr>
-            <a:xfrm flipH="1">
-              <a:off x="10918826" y="3683001"/>
-              <a:ext cx="1270001" cy="1269999"/>
-            </a:xfrm>
-            <a:prstGeom prst="line">
-              <a:avLst/>
-            </a:prstGeom>
-            <a:ln w="28575">
-              <a:solidFill>
-                <a:srgbClr val="FFFFFF"/>
-              </a:solidFill>
-            </a:ln>
-          </p:spPr>
-          <p:style>
-            <a:lnRef idx="2">
-              <a:schemeClr val="accent1"/>
-            </a:lnRef>
-            <a:fillRef idx="0">
-              <a:schemeClr val="accent1"/>
-            </a:fillRef>
-            <a:effectRef idx="1">
-              <a:schemeClr val="accent1"/>
-            </a:effectRef>
-            <a:fontRef idx="minor">
-              <a:schemeClr val="tx1"/>
-            </a:fontRef>
-          </p:style>
-        </p:cxnSp>
-      </p:grpSp>
       <p:graphicFrame>
         <p:nvGraphicFramePr>
           <p:cNvPr id="12" name="Inhaltsplatzhalter 11">
@@ -6293,11 +8097,6 @@
           </p:cNvGraphicFramePr>
           <p:nvPr>
             <p:ph idx="1"/>
-            <p:extLst>
-              <p:ext uri="{D42A27DB-BD31-4B8C-83A1-F6EECF244321}">
-                <p14:modId xmlns:p14="http://schemas.microsoft.com/office/powerpoint/2010/main" val="214260766"/>
-              </p:ext>
-            </p:extLst>
           </p:nvPr>
         </p:nvGraphicFramePr>
         <p:xfrm>
@@ -11359,11 +13158,6 @@
           </p:cNvGraphicFramePr>
           <p:nvPr>
             <p:ph idx="1"/>
-            <p:extLst>
-              <p:ext uri="{D42A27DB-BD31-4B8C-83A1-F6EECF244321}">
-                <p14:modId xmlns:p14="http://schemas.microsoft.com/office/powerpoint/2010/main" val="1409979482"/>
-              </p:ext>
-            </p:extLst>
           </p:nvPr>
         </p:nvGraphicFramePr>
         <p:xfrm>
@@ -16555,7 +18349,7 @@
           <p:cNvPr id="2" name="Titel 1">
             <a:extLst>
               <a:ext uri="{FF2B5EF4-FFF2-40B4-BE49-F238E27FC236}">
-                <a16:creationId xmlns:a16="http://schemas.microsoft.com/office/drawing/2014/main" id="{8ECA4D74-FA43-4EDE-A39E-ED1A96D5C2C4}"/>
+                <a16:creationId xmlns:a16="http://schemas.microsoft.com/office/drawing/2014/main" id="{A6F835B8-4702-4FFE-909D-688B5BB32E3E}"/>
               </a:ext>
             </a:extLst>
           </p:cNvPr>
@@ -16572,9 +18366,10 @@
           <a:lstStyle/>
           <a:p>
             <a:r>
-              <a:rPr lang="de-AT" dirty="0"/>
-              <a:t>Motivation</a:t>
-            </a:r>
+              <a:rPr lang="de-AT" dirty="0" err="1"/>
+              <a:t>Findings</a:t>
+            </a:r>
+            <a:endParaRPr lang="de-AT" dirty="0"/>
           </a:p>
         </p:txBody>
       </p:sp>
@@ -16583,7 +18378,7 @@
           <p:cNvPr id="3" name="Inhaltsplatzhalter 2">
             <a:extLst>
               <a:ext uri="{FF2B5EF4-FFF2-40B4-BE49-F238E27FC236}">
-                <a16:creationId xmlns:a16="http://schemas.microsoft.com/office/drawing/2014/main" id="{2E08B065-E119-4C7A-BCD6-B4F4C66F4251}"/>
+                <a16:creationId xmlns:a16="http://schemas.microsoft.com/office/drawing/2014/main" id="{FDE92CCB-C0F2-40D3-BE2E-0082E1275DDF}"/>
               </a:ext>
             </a:extLst>
           </p:cNvPr>
@@ -16600,12 +18395,8 @@
           <a:lstStyle/>
           <a:p>
             <a:r>
-              <a:rPr lang="de-AT" dirty="0"/>
-              <a:t>Value </a:t>
-            </a:r>
-            <a:r>
               <a:rPr lang="de-AT" dirty="0" err="1"/>
-              <a:t>for</a:t>
+              <a:t>Please</a:t>
             </a:r>
             <a:r>
               <a:rPr lang="de-AT" dirty="0"/>
@@ -16613,14 +18404,7 @@
             </a:r>
             <a:r>
               <a:rPr lang="de-AT" dirty="0" err="1"/>
-              <a:t>tourists</a:t>
-            </a:r>
-            <a:endParaRPr lang="de-AT" dirty="0"/>
-          </a:p>
-          <a:p>
-            <a:r>
-              <a:rPr lang="de-AT" dirty="0" err="1"/>
-              <a:t>Meaningful</a:t>
+              <a:t>ask</a:t>
             </a:r>
             <a:r>
               <a:rPr lang="de-AT" dirty="0"/>
@@ -16628,14 +18412,37 @@
             </a:r>
             <a:r>
               <a:rPr lang="de-AT" dirty="0" err="1"/>
-              <a:t>recommendation</a:t>
-            </a:r>
-            <a:endParaRPr lang="de-AT" dirty="0"/>
-          </a:p>
-          <a:p>
+              <a:t>questions</a:t>
+            </a:r>
+            <a:r>
+              <a:rPr lang="de-AT" dirty="0"/>
+              <a:t>!</a:t>
+            </a:r>
+          </a:p>
+          <a:p>
+            <a:r>
+              <a:rPr lang="de-AT" dirty="0"/>
+              <a:t>This </a:t>
+            </a:r>
             <a:r>
               <a:rPr lang="de-AT" dirty="0" err="1"/>
-              <a:t>Finding</a:t>
+              <a:t>is</a:t>
+            </a:r>
+            <a:r>
+              <a:rPr lang="de-AT" dirty="0"/>
+              <a:t> not an </a:t>
+            </a:r>
+            <a:r>
+              <a:rPr lang="de-AT" dirty="0" err="1"/>
+              <a:t>attack</a:t>
+            </a:r>
+            <a:r>
+              <a:rPr lang="de-AT" dirty="0"/>
+              <a:t> on </a:t>
+            </a:r>
+            <a:r>
+              <a:rPr lang="de-AT" dirty="0" err="1"/>
+              <a:t>your</a:t>
             </a:r>
             <a:r>
               <a:rPr lang="de-AT" dirty="0"/>
@@ -16643,22 +18450,70 @@
             </a:r>
             <a:r>
               <a:rPr lang="de-AT" dirty="0" err="1"/>
-              <a:t>errors</a:t>
+              <a:t>website</a:t>
+            </a:r>
+            <a:r>
+              <a:rPr lang="de-AT" dirty="0"/>
+              <a:t> but </a:t>
+            </a:r>
+            <a:r>
+              <a:rPr lang="de-AT" dirty="0" err="1"/>
+              <a:t>helpful</a:t>
+            </a:r>
+            <a:r>
+              <a:rPr lang="de-AT" dirty="0"/>
+              <a:t> </a:t>
+            </a:r>
+            <a:r>
+              <a:rPr lang="de-AT" dirty="0" err="1"/>
+              <a:t>critique</a:t>
             </a:r>
             <a:endParaRPr lang="de-AT" dirty="0"/>
           </a:p>
           <a:p>
             <a:r>
               <a:rPr lang="de-AT" dirty="0"/>
-              <a:t>Making time </a:t>
+              <a:t>Questions and </a:t>
             </a:r>
             <a:r>
               <a:rPr lang="de-AT" dirty="0" err="1"/>
-              <a:t>spent</a:t>
+              <a:t>remarks</a:t>
             </a:r>
             <a:r>
               <a:rPr lang="de-AT" dirty="0"/>
-              <a:t> on </a:t>
+              <a:t> </a:t>
+            </a:r>
+            <a:r>
+              <a:rPr lang="de-AT" dirty="0" err="1"/>
+              <a:t>please</a:t>
+            </a:r>
+            <a:r>
+              <a:rPr lang="de-AT" dirty="0"/>
+              <a:t> AFTER </a:t>
+            </a:r>
+            <a:r>
+              <a:rPr lang="de-AT" dirty="0" err="1"/>
+              <a:t>each</a:t>
+            </a:r>
+            <a:r>
+              <a:rPr lang="de-AT" dirty="0"/>
+              <a:t> </a:t>
+            </a:r>
+            <a:r>
+              <a:rPr lang="de-AT" dirty="0" err="1"/>
+              <a:t>remark</a:t>
+            </a:r>
+            <a:r>
+              <a:rPr lang="de-AT" dirty="0"/>
+              <a:t> </a:t>
+            </a:r>
+            <a:r>
+              <a:rPr lang="de-AT" dirty="0" err="1"/>
+              <a:t>or</a:t>
+            </a:r>
+            <a:r>
+              <a:rPr lang="de-AT" dirty="0"/>
+              <a:t> at </a:t>
             </a:r>
             <a:r>
               <a:rPr lang="de-AT" dirty="0" err="1"/>
@@ -16666,11 +18521,33 @@
             </a:r>
             <a:r>
               <a:rPr lang="de-AT" dirty="0"/>
-              <a:t> </a:t>
+              <a:t> end</a:t>
+            </a:r>
+          </a:p>
+          <a:p>
+            <a:r>
+              <a:rPr lang="de-AT" dirty="0"/>
+              <a:t>Personal </a:t>
             </a:r>
             <a:r>
               <a:rPr lang="de-AT" dirty="0" err="1"/>
-              <a:t>website</a:t>
+              <a:t>opinion</a:t>
+            </a:r>
+            <a:r>
+              <a:rPr lang="de-AT" dirty="0"/>
+              <a:t>! </a:t>
+            </a:r>
+            <a:r>
+              <a:rPr lang="de-AT" dirty="0" err="1"/>
+              <a:t>Your</a:t>
+            </a:r>
+            <a:r>
+              <a:rPr lang="de-AT" dirty="0"/>
+              <a:t> design </a:t>
+            </a:r>
+            <a:r>
+              <a:rPr lang="de-AT" dirty="0" err="1"/>
+              <a:t>might</a:t>
             </a:r>
             <a:r>
               <a:rPr lang="de-AT" dirty="0"/>
@@ -16678,7 +18555,7 @@
             </a:r>
             <a:r>
               <a:rPr lang="de-AT" dirty="0" err="1"/>
-              <a:t>more</a:t>
+              <a:t>be</a:t>
             </a:r>
             <a:r>
               <a:rPr lang="de-AT" dirty="0"/>
@@ -16686,16 +18563,51 @@
             </a:r>
             <a:r>
               <a:rPr lang="de-AT" dirty="0" err="1"/>
-              <a:t>efficent</a:t>
-            </a:r>
-            <a:endParaRPr lang="de-AT" dirty="0"/>
+              <a:t>better</a:t>
+            </a:r>
+            <a:r>
+              <a:rPr lang="de-AT" dirty="0"/>
+              <a:t> </a:t>
+            </a:r>
+            <a:r>
+              <a:rPr lang="de-AT" dirty="0" err="1"/>
+              <a:t>than</a:t>
+            </a:r>
+            <a:r>
+              <a:rPr lang="de-AT" dirty="0"/>
+              <a:t> </a:t>
+            </a:r>
+            <a:r>
+              <a:rPr lang="de-AT" dirty="0" err="1"/>
+              <a:t>our</a:t>
+            </a:r>
+            <a:r>
+              <a:rPr lang="de-AT" dirty="0"/>
+              <a:t> </a:t>
+            </a:r>
+            <a:r>
+              <a:rPr lang="de-AT" dirty="0" err="1"/>
+              <a:t>understanding</a:t>
+            </a:r>
+            <a:r>
+              <a:rPr lang="de-AT" dirty="0"/>
+              <a:t> </a:t>
+            </a:r>
+            <a:r>
+              <a:rPr lang="de-AT" dirty="0" err="1"/>
+              <a:t>of</a:t>
+            </a:r>
+            <a:r>
+              <a:rPr lang="de-AT" dirty="0"/>
+              <a:t> it.</a:t>
+            </a:r>
           </a:p>
         </p:txBody>
       </p:sp>
     </p:spTree>
     <p:extLst>
       <p:ext uri="{BB962C8B-B14F-4D97-AF65-F5344CB8AC3E}">
-        <p14:creationId xmlns:p14="http://schemas.microsoft.com/office/powerpoint/2010/main" val="3161727906"/>
+        <p14:creationId xmlns:p14="http://schemas.microsoft.com/office/powerpoint/2010/main" val="1891914677"/>
       </p:ext>
     </p:extLst>
   </p:cSld>
@@ -16727,7 +18639,7 @@
           <p:cNvPr id="2" name="Titel 1">
             <a:extLst>
               <a:ext uri="{FF2B5EF4-FFF2-40B4-BE49-F238E27FC236}">
-                <a16:creationId xmlns:a16="http://schemas.microsoft.com/office/drawing/2014/main" id="{B759202A-3BDE-4B45-B6FF-13610CE7CC67}"/>
+                <a16:creationId xmlns:a16="http://schemas.microsoft.com/office/drawing/2014/main" id="{B7CB1D0C-CE7B-4175-8B5F-2F85AEC522D6}"/>
               </a:ext>
             </a:extLst>
           </p:cNvPr>
@@ -16744,8 +18656,12 @@
           <a:lstStyle/>
           <a:p>
             <a:r>
+              <a:rPr lang="de-AT" dirty="0"/>
+              <a:t>General „Vibe“ </a:t>
+            </a:r>
+            <a:r>
               <a:rPr lang="de-AT" dirty="0" err="1"/>
-              <a:t>What</a:t>
+              <a:t>of</a:t>
             </a:r>
             <a:r>
               <a:rPr lang="de-AT" dirty="0"/>
@@ -16753,19 +18669,11 @@
             </a:r>
             <a:r>
               <a:rPr lang="de-AT" dirty="0" err="1"/>
-              <a:t>is</a:t>
+              <a:t>your</a:t>
             </a:r>
             <a:r>
               <a:rPr lang="de-AT" dirty="0"/>
-              <a:t> </a:t>
-            </a:r>
-            <a:r>
-              <a:rPr lang="de-AT" dirty="0" err="1"/>
-              <a:t>Heuristic</a:t>
-            </a:r>
-            <a:r>
-              <a:rPr lang="de-AT" dirty="0"/>
-              <a:t>-Evaluation</a:t>
+              <a:t> Website</a:t>
             </a:r>
           </a:p>
         </p:txBody>
@@ -16775,7 +18683,7 @@
           <p:cNvPr id="3" name="Inhaltsplatzhalter 2">
             <a:extLst>
               <a:ext uri="{FF2B5EF4-FFF2-40B4-BE49-F238E27FC236}">
-                <a16:creationId xmlns:a16="http://schemas.microsoft.com/office/drawing/2014/main" id="{1AF5D36F-FFA4-4490-8EDD-479100EA3102}"/>
+                <a16:creationId xmlns:a16="http://schemas.microsoft.com/office/drawing/2014/main" id="{C22CB505-9236-43AC-86C2-27B12F626449}"/>
               </a:ext>
             </a:extLst>
           </p:cNvPr>
@@ -16793,21 +18701,14 @@
           <a:p>
             <a:r>
               <a:rPr lang="de-AT" dirty="0" err="1"/>
-              <a:t>Evaluate</a:t>
-            </a:r>
-            <a:r>
-              <a:rPr lang="de-AT" dirty="0"/>
-              <a:t> interface design</a:t>
-            </a:r>
-          </a:p>
-          <a:p>
-            <a:r>
-              <a:rPr lang="de-AT" dirty="0"/>
-              <a:t>More </a:t>
-            </a:r>
+              <a:t>Bloated</a:t>
+            </a:r>
+            <a:endParaRPr lang="de-AT" dirty="0"/>
+          </a:p>
+          <a:p>
             <a:r>
               <a:rPr lang="de-AT" dirty="0" err="1"/>
-              <a:t>evaluators</a:t>
+              <a:t>Can‘t</a:t>
             </a:r>
             <a:r>
               <a:rPr lang="de-AT" dirty="0"/>
@@ -16815,42 +18716,26 @@
             </a:r>
             <a:r>
               <a:rPr lang="de-AT" dirty="0" err="1"/>
-              <a:t>more</a:t>
-            </a:r>
-            <a:r>
-              <a:rPr lang="de-AT" dirty="0"/>
-              <a:t> </a:t>
-            </a:r>
-            <a:r>
-              <a:rPr lang="de-AT" dirty="0" err="1"/>
-              <a:t>problems</a:t>
+              <a:t>things</a:t>
             </a:r>
             <a:endParaRPr lang="de-AT" dirty="0"/>
           </a:p>
           <a:p>
             <a:r>
-              <a:rPr lang="de-AT" dirty="0"/>
-              <a:t>4 </a:t>
-            </a:r>
-            <a:r>
-              <a:rPr lang="de-AT" dirty="0" err="1"/>
-              <a:t>Evaluators</a:t>
-            </a:r>
-            <a:r>
-              <a:rPr lang="de-AT" dirty="0"/>
-              <a:t> will find </a:t>
-            </a:r>
-            <a:r>
-              <a:rPr lang="de-AT" dirty="0" err="1"/>
-              <a:t>most</a:t>
-            </a:r>
-            <a:r>
-              <a:rPr lang="de-AT" dirty="0"/>
-              <a:t> </a:t>
-            </a:r>
-            <a:r>
-              <a:rPr lang="de-AT" dirty="0" err="1"/>
-              <a:t>problems</a:t>
+              <a:rPr lang="en-US" dirty="0"/>
+              <a:t>Well meant but poorly done</a:t>
+            </a:r>
+          </a:p>
+          <a:p>
+            <a:r>
+              <a:rPr lang="en-US" dirty="0"/>
+              <a:t>Would prefer simpler design</a:t>
+            </a:r>
+          </a:p>
+          <a:p>
+            <a:r>
+              <a:rPr lang="en-US" dirty="0"/>
+              <a:t>“Higher” functions idea good, but often riddled with bugs</a:t>
             </a:r>
             <a:endParaRPr lang="de-AT" dirty="0"/>
           </a:p>
@@ -16859,7 +18744,7 @@
     </p:spTree>
     <p:extLst>
       <p:ext uri="{BB962C8B-B14F-4D97-AF65-F5344CB8AC3E}">
-        <p14:creationId xmlns:p14="http://schemas.microsoft.com/office/powerpoint/2010/main" val="25703018"/>
+        <p14:creationId xmlns:p14="http://schemas.microsoft.com/office/powerpoint/2010/main" val="999481538"/>
       </p:ext>
     </p:extLst>
   </p:cSld>
@@ -16872,6 +18757,31 @@
 <file path=ppt/slides/slide7.xml><?xml version="1.0" encoding="utf-8"?>
 <p:sld xmlns:a="http://schemas.openxmlformats.org/drawingml/2006/main" xmlns:r="http://schemas.openxmlformats.org/officeDocument/2006/relationships" xmlns:p="http://schemas.openxmlformats.org/presentationml/2006/main">
   <p:cSld>
+    <p:bg>
+      <p:bgPr>
+        <a:gradFill rotWithShape="1">
+          <a:gsLst>
+            <a:gs pos="10000">
+              <a:schemeClr val="bg2">
+                <a:tint val="97000"/>
+                <a:hueMod val="92000"/>
+                <a:satMod val="169000"/>
+                <a:lumMod val="164000"/>
+              </a:schemeClr>
+            </a:gs>
+            <a:gs pos="100000">
+              <a:schemeClr val="bg2">
+                <a:shade val="96000"/>
+                <a:satMod val="120000"/>
+                <a:lumMod val="90000"/>
+              </a:schemeClr>
+            </a:gs>
+          </a:gsLst>
+          <a:lin ang="6120000" scaled="1"/>
+        </a:gradFill>
+        <a:effectLst/>
+      </p:bgPr>
+    </p:bg>
     <p:spTree>
       <p:nvGrpSpPr>
         <p:cNvPr id="1" name=""/>
@@ -16886,12 +18796,332 @@
           <a:chExt cx="0" cy="0"/>
         </a:xfrm>
       </p:grpSpPr>
+      <p:cxnSp>
+        <p:nvCxnSpPr>
+          <p:cNvPr id="47" name="Straight Connector 11">
+            <a:extLst>
+              <a:ext uri="{FF2B5EF4-FFF2-40B4-BE49-F238E27FC236}">
+                <a16:creationId xmlns:a16="http://schemas.microsoft.com/office/drawing/2014/main" id="{DD6CFB6C-6ECB-4250-B68E-01966297A513}"/>
+              </a:ext>
+              <a:ext uri="{C183D7F6-B498-43B3-948B-1728B52AA6E4}">
+                <adec:decorative xmlns:adec="http://schemas.microsoft.com/office/drawing/2017/decorative" val="1"/>
+              </a:ext>
+            </a:extLst>
+          </p:cNvPr>
+          <p:cNvCxnSpPr>
+            <a:cxnSpLocks noGrp="1" noRot="1" noChangeAspect="1" noMove="1" noResize="1" noEditPoints="1" noAdjustHandles="1" noChangeArrowheads="1" noChangeShapeType="1"/>
+          </p:cNvCxnSpPr>
+          <p:nvPr>
+            <p:extLst>
+              <p:ext uri="{386F3935-93C4-4BCD-93E2-E3B085C9AB24}">
+                <p16:designElem xmlns:p16="http://schemas.microsoft.com/office/powerpoint/2015/main" val="1"/>
+              </p:ext>
+            </p:extLst>
+          </p:nvPr>
+        </p:nvCxnSpPr>
+        <p:spPr>
+          <a:xfrm flipH="1">
+            <a:off x="8228012" y="8467"/>
+            <a:ext cx="3810000" cy="3810000"/>
+          </a:xfrm>
+          <a:prstGeom prst="line">
+            <a:avLst/>
+          </a:prstGeom>
+          <a:ln w="12700">
+            <a:solidFill>
+              <a:schemeClr val="tx1"/>
+            </a:solidFill>
+          </a:ln>
+        </p:spPr>
+        <p:style>
+          <a:lnRef idx="2">
+            <a:schemeClr val="accent1"/>
+          </a:lnRef>
+          <a:fillRef idx="0">
+            <a:schemeClr val="accent1"/>
+          </a:fillRef>
+          <a:effectRef idx="1">
+            <a:schemeClr val="accent1"/>
+          </a:effectRef>
+          <a:fontRef idx="minor">
+            <a:schemeClr val="tx1"/>
+          </a:fontRef>
+        </p:style>
+      </p:cxnSp>
+      <p:cxnSp>
+        <p:nvCxnSpPr>
+          <p:cNvPr id="48" name="Straight Connector 13">
+            <a:extLst>
+              <a:ext uri="{FF2B5EF4-FFF2-40B4-BE49-F238E27FC236}">
+                <a16:creationId xmlns:a16="http://schemas.microsoft.com/office/drawing/2014/main" id="{B8359141-C085-46E4-B4EC-42F9599BA7D2}"/>
+              </a:ext>
+              <a:ext uri="{C183D7F6-B498-43B3-948B-1728B52AA6E4}">
+                <adec:decorative xmlns:adec="http://schemas.microsoft.com/office/drawing/2017/decorative" val="1"/>
+              </a:ext>
+            </a:extLst>
+          </p:cNvPr>
+          <p:cNvCxnSpPr>
+            <a:cxnSpLocks noGrp="1" noRot="1" noChangeAspect="1" noMove="1" noResize="1" noEditPoints="1" noAdjustHandles="1" noChangeArrowheads="1" noChangeShapeType="1"/>
+          </p:cNvCxnSpPr>
+          <p:nvPr>
+            <p:extLst>
+              <p:ext uri="{386F3935-93C4-4BCD-93E2-E3B085C9AB24}">
+                <p16:designElem xmlns:p16="http://schemas.microsoft.com/office/powerpoint/2015/main" val="1"/>
+              </p:ext>
+            </p:extLst>
+          </p:nvPr>
+        </p:nvCxnSpPr>
+        <p:spPr>
+          <a:xfrm flipH="1">
+            <a:off x="6108170" y="91545"/>
+            <a:ext cx="6080655" cy="6080655"/>
+          </a:xfrm>
+          <a:prstGeom prst="line">
+            <a:avLst/>
+          </a:prstGeom>
+          <a:ln w="12700">
+            <a:solidFill>
+              <a:schemeClr val="tx1"/>
+            </a:solidFill>
+          </a:ln>
+        </p:spPr>
+        <p:style>
+          <a:lnRef idx="2">
+            <a:schemeClr val="accent1"/>
+          </a:lnRef>
+          <a:fillRef idx="0">
+            <a:schemeClr val="accent1"/>
+          </a:fillRef>
+          <a:effectRef idx="1">
+            <a:schemeClr val="accent1"/>
+          </a:effectRef>
+          <a:fontRef idx="minor">
+            <a:schemeClr val="tx1"/>
+          </a:fontRef>
+        </p:style>
+      </p:cxnSp>
+      <p:cxnSp>
+        <p:nvCxnSpPr>
+          <p:cNvPr id="49" name="Straight Connector 15">
+            <a:extLst>
+              <a:ext uri="{FF2B5EF4-FFF2-40B4-BE49-F238E27FC236}">
+                <a16:creationId xmlns:a16="http://schemas.microsoft.com/office/drawing/2014/main" id="{FA903156-0F0C-44A5-9019-0CAF51EB494A}"/>
+              </a:ext>
+              <a:ext uri="{C183D7F6-B498-43B3-948B-1728B52AA6E4}">
+                <adec:decorative xmlns:adec="http://schemas.microsoft.com/office/drawing/2017/decorative" val="1"/>
+              </a:ext>
+            </a:extLst>
+          </p:cNvPr>
+          <p:cNvCxnSpPr>
+            <a:cxnSpLocks noGrp="1" noRot="1" noChangeAspect="1" noMove="1" noResize="1" noEditPoints="1" noAdjustHandles="1" noChangeArrowheads="1" noChangeShapeType="1"/>
+          </p:cNvCxnSpPr>
+          <p:nvPr>
+            <p:extLst>
+              <p:ext uri="{386F3935-93C4-4BCD-93E2-E3B085C9AB24}">
+                <p16:designElem xmlns:p16="http://schemas.microsoft.com/office/powerpoint/2015/main" val="1"/>
+              </p:ext>
+            </p:extLst>
+          </p:nvPr>
+        </p:nvCxnSpPr>
+        <p:spPr>
+          <a:xfrm flipH="1">
+            <a:off x="7235825" y="228600"/>
+            <a:ext cx="4953000" cy="4953000"/>
+          </a:xfrm>
+          <a:prstGeom prst="line">
+            <a:avLst/>
+          </a:prstGeom>
+          <a:ln w="12700">
+            <a:solidFill>
+              <a:schemeClr val="tx1"/>
+            </a:solidFill>
+          </a:ln>
+        </p:spPr>
+        <p:style>
+          <a:lnRef idx="2">
+            <a:schemeClr val="accent1"/>
+          </a:lnRef>
+          <a:fillRef idx="0">
+            <a:schemeClr val="accent1"/>
+          </a:fillRef>
+          <a:effectRef idx="1">
+            <a:schemeClr val="accent1"/>
+          </a:effectRef>
+          <a:fontRef idx="minor">
+            <a:schemeClr val="tx1"/>
+          </a:fontRef>
+        </p:style>
+      </p:cxnSp>
+      <p:cxnSp>
+        <p:nvCxnSpPr>
+          <p:cNvPr id="50" name="Straight Connector 17">
+            <a:extLst>
+              <a:ext uri="{FF2B5EF4-FFF2-40B4-BE49-F238E27FC236}">
+                <a16:creationId xmlns:a16="http://schemas.microsoft.com/office/drawing/2014/main" id="{66E5E851-3725-463F-9451-2FFEF5D3E089}"/>
+              </a:ext>
+              <a:ext uri="{C183D7F6-B498-43B3-948B-1728B52AA6E4}">
+                <adec:decorative xmlns:adec="http://schemas.microsoft.com/office/drawing/2017/decorative" val="1"/>
+              </a:ext>
+            </a:extLst>
+          </p:cNvPr>
+          <p:cNvCxnSpPr>
+            <a:cxnSpLocks noGrp="1" noRot="1" noChangeAspect="1" noMove="1" noResize="1" noEditPoints="1" noAdjustHandles="1" noChangeArrowheads="1" noChangeShapeType="1"/>
+          </p:cNvCxnSpPr>
+          <p:nvPr>
+            <p:extLst>
+              <p:ext uri="{386F3935-93C4-4BCD-93E2-E3B085C9AB24}">
+                <p16:designElem xmlns:p16="http://schemas.microsoft.com/office/powerpoint/2015/main" val="1"/>
+              </p:ext>
+            </p:extLst>
+          </p:nvPr>
+        </p:nvCxnSpPr>
+        <p:spPr>
+          <a:xfrm flipH="1">
+            <a:off x="7335837" y="32278"/>
+            <a:ext cx="4852989" cy="4852989"/>
+          </a:xfrm>
+          <a:prstGeom prst="line">
+            <a:avLst/>
+          </a:prstGeom>
+          <a:ln w="31750">
+            <a:solidFill>
+              <a:schemeClr val="tx1"/>
+            </a:solidFill>
+          </a:ln>
+        </p:spPr>
+        <p:style>
+          <a:lnRef idx="2">
+            <a:schemeClr val="accent1"/>
+          </a:lnRef>
+          <a:fillRef idx="0">
+            <a:schemeClr val="accent1"/>
+          </a:fillRef>
+          <a:effectRef idx="1">
+            <a:schemeClr val="accent1"/>
+          </a:effectRef>
+          <a:fontRef idx="minor">
+            <a:schemeClr val="tx1"/>
+          </a:fontRef>
+        </p:style>
+      </p:cxnSp>
+      <p:cxnSp>
+        <p:nvCxnSpPr>
+          <p:cNvPr id="51" name="Straight Connector 19">
+            <a:extLst>
+              <a:ext uri="{FF2B5EF4-FFF2-40B4-BE49-F238E27FC236}">
+                <a16:creationId xmlns:a16="http://schemas.microsoft.com/office/drawing/2014/main" id="{94209D59-6810-40C2-B8D6-6DACF8A06143}"/>
+              </a:ext>
+              <a:ext uri="{C183D7F6-B498-43B3-948B-1728B52AA6E4}">
+                <adec:decorative xmlns:adec="http://schemas.microsoft.com/office/drawing/2017/decorative" val="1"/>
+              </a:ext>
+            </a:extLst>
+          </p:cNvPr>
+          <p:cNvCxnSpPr>
+            <a:cxnSpLocks noGrp="1" noRot="1" noChangeAspect="1" noMove="1" noResize="1" noEditPoints="1" noAdjustHandles="1" noChangeArrowheads="1" noChangeShapeType="1"/>
+          </p:cNvCxnSpPr>
+          <p:nvPr>
+            <p:extLst>
+              <p:ext uri="{386F3935-93C4-4BCD-93E2-E3B085C9AB24}">
+                <p16:designElem xmlns:p16="http://schemas.microsoft.com/office/powerpoint/2015/main" val="1"/>
+              </p:ext>
+            </p:extLst>
+          </p:nvPr>
+        </p:nvCxnSpPr>
+        <p:spPr>
+          <a:xfrm flipH="1">
+            <a:off x="7845426" y="609601"/>
+            <a:ext cx="4343399" cy="4343399"/>
+          </a:xfrm>
+          <a:prstGeom prst="line">
+            <a:avLst/>
+          </a:prstGeom>
+          <a:ln w="31750">
+            <a:solidFill>
+              <a:schemeClr val="tx1"/>
+            </a:solidFill>
+          </a:ln>
+        </p:spPr>
+        <p:style>
+          <a:lnRef idx="2">
+            <a:schemeClr val="accent1"/>
+          </a:lnRef>
+          <a:fillRef idx="0">
+            <a:schemeClr val="accent1"/>
+          </a:fillRef>
+          <a:effectRef idx="1">
+            <a:schemeClr val="accent1"/>
+          </a:effectRef>
+          <a:fontRef idx="minor">
+            <a:schemeClr val="tx1"/>
+          </a:fontRef>
+        </p:style>
+      </p:cxnSp>
+      <p:sp useBgFill="1">
+        <p:nvSpPr>
+          <p:cNvPr id="52" name="Rectangle 21">
+            <a:extLst>
+              <a:ext uri="{FF2B5EF4-FFF2-40B4-BE49-F238E27FC236}">
+                <a16:creationId xmlns:a16="http://schemas.microsoft.com/office/drawing/2014/main" id="{D30D427B-2484-4711-8D1F-F4633C61441A}"/>
+              </a:ext>
+              <a:ext uri="{C183D7F6-B498-43B3-948B-1728B52AA6E4}">
+                <adec:decorative xmlns:adec="http://schemas.microsoft.com/office/drawing/2017/decorative" val="1"/>
+              </a:ext>
+            </a:extLst>
+          </p:cNvPr>
+          <p:cNvSpPr>
+            <a:spLocks noGrp="1" noRot="1" noChangeAspect="1" noMove="1" noResize="1" noEditPoints="1" noAdjustHandles="1" noChangeArrowheads="1" noChangeShapeType="1" noTextEdit="1"/>
+          </p:cNvSpPr>
+          <p:nvPr>
+            <p:extLst>
+              <p:ext uri="{386F3935-93C4-4BCD-93E2-E3B085C9AB24}">
+                <p16:designElem xmlns:p16="http://schemas.microsoft.com/office/powerpoint/2015/main" val="1"/>
+              </p:ext>
+            </p:extLst>
+          </p:nvPr>
+        </p:nvSpPr>
+        <p:spPr>
+          <a:xfrm>
+            <a:off x="0" y="0"/>
+            <a:ext cx="12192000" cy="6858000"/>
+          </a:xfrm>
+          <a:prstGeom prst="rect">
+            <a:avLst/>
+          </a:prstGeom>
+          <a:ln>
+            <a:noFill/>
+          </a:ln>
+        </p:spPr>
+        <p:style>
+          <a:lnRef idx="2">
+            <a:schemeClr val="accent1">
+              <a:shade val="50000"/>
+            </a:schemeClr>
+          </a:lnRef>
+          <a:fillRef idx="1">
+            <a:schemeClr val="accent1"/>
+          </a:fillRef>
+          <a:effectRef idx="0">
+            <a:schemeClr val="accent1"/>
+          </a:effectRef>
+          <a:fontRef idx="minor">
+            <a:schemeClr val="lt1"/>
+          </a:fontRef>
+        </p:style>
+        <p:txBody>
+          <a:bodyPr rtlCol="0" anchor="ctr"/>
+          <a:lstStyle/>
+          <a:p>
+            <a:pPr algn="ctr"/>
+            <a:endParaRPr lang="en-US"/>
+          </a:p>
+        </p:txBody>
+      </p:sp>
       <p:sp>
         <p:nvSpPr>
           <p:cNvPr id="2" name="Titel 1">
             <a:extLst>
               <a:ext uri="{FF2B5EF4-FFF2-40B4-BE49-F238E27FC236}">
-                <a16:creationId xmlns:a16="http://schemas.microsoft.com/office/drawing/2014/main" id="{A1DF7569-246E-4D1F-A2BF-797515519FC5}"/>
+                <a16:creationId xmlns:a16="http://schemas.microsoft.com/office/drawing/2014/main" id="{702B16BC-163B-4A6B-8FC6-C854AA2152BC}"/>
               </a:ext>
             </a:extLst>
           </p:cNvPr>
@@ -16902,48 +19132,22 @@
             <p:ph type="title"/>
           </p:nvPr>
         </p:nvSpPr>
-        <p:spPr/>
+        <p:spPr>
+          <a:xfrm>
+            <a:off x="684213" y="685799"/>
+            <a:ext cx="4620880" cy="2971801"/>
+          </a:xfrm>
+        </p:spPr>
         <p:txBody>
-          <a:bodyPr/>
+          <a:bodyPr vert="horz" lIns="91440" tIns="45720" rIns="91440" bIns="45720" rtlCol="0" anchor="b">
+            <a:normAutofit/>
+          </a:bodyPr>
           <a:lstStyle/>
           <a:p>
             <a:r>
-              <a:rPr lang="de-AT" dirty="0" err="1"/>
-              <a:t>How</a:t>
-            </a:r>
-            <a:r>
-              <a:rPr lang="de-AT" dirty="0"/>
-              <a:t> will </a:t>
-            </a:r>
-            <a:r>
-              <a:rPr lang="de-AT" dirty="0" err="1"/>
-              <a:t>you</a:t>
-            </a:r>
-            <a:r>
-              <a:rPr lang="de-AT" dirty="0"/>
-              <a:t> </a:t>
-            </a:r>
-            <a:r>
-              <a:rPr lang="de-AT" dirty="0" err="1"/>
-              <a:t>get</a:t>
-            </a:r>
-            <a:r>
-              <a:rPr lang="de-AT" dirty="0"/>
-              <a:t> </a:t>
-            </a:r>
-            <a:r>
-              <a:rPr lang="de-AT" dirty="0" err="1"/>
-              <a:t>the</a:t>
-            </a:r>
-            <a:r>
-              <a:rPr lang="de-AT" dirty="0"/>
-              <a:t> </a:t>
-            </a:r>
-            <a:r>
-              <a:rPr lang="de-AT" dirty="0" err="1"/>
-              <a:t>results</a:t>
-            </a:r>
-            <a:endParaRPr lang="de-AT" dirty="0"/>
+              <a:rPr lang="en-US" sz="4800"/>
+              <a:t>Best POsitive</a:t>
+            </a:r>
           </a:p>
         </p:txBody>
       </p:sp>
@@ -16952,7 +19156,7 @@
           <p:cNvPr id="3" name="Inhaltsplatzhalter 2">
             <a:extLst>
               <a:ext uri="{FF2B5EF4-FFF2-40B4-BE49-F238E27FC236}">
-                <a16:creationId xmlns:a16="http://schemas.microsoft.com/office/drawing/2014/main" id="{1F6B0EC2-2EA3-4A48-82E8-74EDC3D70CAD}"/>
+                <a16:creationId xmlns:a16="http://schemas.microsoft.com/office/drawing/2014/main" id="{9D3BEA37-AB25-4439-B29C-6C2F2334BD39}"/>
               </a:ext>
             </a:extLst>
           </p:cNvPr>
@@ -16963,105 +19167,373 @@
             <p:ph idx="1"/>
           </p:nvPr>
         </p:nvSpPr>
-        <p:spPr/>
+        <p:spPr>
+          <a:xfrm>
+            <a:off x="684212" y="3843867"/>
+            <a:ext cx="4620880" cy="1947333"/>
+          </a:xfrm>
+        </p:spPr>
         <p:txBody>
-          <a:bodyPr/>
+          <a:bodyPr vert="horz" lIns="91440" tIns="45720" rIns="91440" bIns="45720" rtlCol="0" anchor="t">
+            <a:normAutofit lnSpcReduction="10000"/>
+          </a:bodyPr>
           <a:lstStyle/>
           <a:p>
             <a:r>
-              <a:rPr lang="de-AT" dirty="0"/>
-              <a:t>Every </a:t>
-            </a:r>
-            <a:r>
-              <a:rPr lang="de-AT" dirty="0" err="1"/>
-              <a:t>evalution</a:t>
-            </a:r>
-            <a:r>
-              <a:rPr lang="de-AT" dirty="0"/>
-              <a:t> </a:t>
-            </a:r>
-            <a:r>
-              <a:rPr lang="de-AT" dirty="0" err="1"/>
-              <a:t>recorded</a:t>
-            </a:r>
-            <a:endParaRPr lang="de-AT" dirty="0"/>
-          </a:p>
-          <a:p>
-            <a:r>
-              <a:rPr lang="de-AT" dirty="0"/>
-              <a:t>Video </a:t>
-            </a:r>
-            <a:r>
-              <a:rPr lang="de-AT" dirty="0" err="1"/>
-              <a:t>clips</a:t>
-            </a:r>
-            <a:r>
-              <a:rPr lang="de-AT" dirty="0"/>
-              <a:t> </a:t>
-            </a:r>
-            <a:r>
-              <a:rPr lang="de-AT" dirty="0" err="1"/>
-              <a:t>of</a:t>
-            </a:r>
-            <a:r>
-              <a:rPr lang="de-AT" dirty="0"/>
-              <a:t> </a:t>
-            </a:r>
-            <a:r>
-              <a:rPr lang="de-AT" dirty="0" err="1"/>
-              <a:t>findings</a:t>
-            </a:r>
-            <a:r>
-              <a:rPr lang="de-AT" dirty="0"/>
-              <a:t> </a:t>
-            </a:r>
-            <a:r>
-              <a:rPr lang="de-AT" dirty="0" err="1"/>
-              <a:t>provided</a:t>
-            </a:r>
-            <a:endParaRPr lang="de-AT" dirty="0"/>
-          </a:p>
-          <a:p>
-            <a:r>
-              <a:rPr lang="de-AT" dirty="0"/>
-              <a:t>Text will </a:t>
-            </a:r>
-            <a:r>
-              <a:rPr lang="de-AT" dirty="0" err="1"/>
-              <a:t>describe</a:t>
-            </a:r>
-            <a:r>
-              <a:rPr lang="de-AT" dirty="0"/>
-              <a:t> </a:t>
-            </a:r>
-            <a:r>
-              <a:rPr lang="de-AT" dirty="0" err="1"/>
-              <a:t>the</a:t>
-            </a:r>
-            <a:r>
-              <a:rPr lang="de-AT" dirty="0"/>
-              <a:t> </a:t>
-            </a:r>
-            <a:r>
-              <a:rPr lang="de-AT" dirty="0" err="1"/>
-              <a:t>findings</a:t>
-            </a:r>
-            <a:r>
-              <a:rPr lang="de-AT" dirty="0"/>
-              <a:t> in </a:t>
-            </a:r>
-            <a:r>
-              <a:rPr lang="de-AT" dirty="0" err="1"/>
-              <a:t>detail</a:t>
-            </a:r>
-            <a:endParaRPr lang="de-AT" dirty="0"/>
+              <a:rPr lang="en-US" sz="2100" dirty="0"/>
+              <a:t>Top Event Slide</a:t>
+            </a:r>
+          </a:p>
+          <a:p>
+            <a:pPr lvl="1"/>
+            <a:r>
+              <a:rPr lang="en-US" sz="1900" dirty="0"/>
+              <a:t>Useful for all </a:t>
+            </a:r>
+            <a:r>
+              <a:rPr lang="en-US" sz="1900" dirty="0" err="1"/>
+              <a:t>usergroups</a:t>
+            </a:r>
+            <a:endParaRPr lang="en-US" sz="1900" dirty="0"/>
+          </a:p>
+          <a:p>
+            <a:pPr lvl="1"/>
+            <a:r>
+              <a:rPr lang="en-US" sz="1900" dirty="0"/>
+              <a:t>Should be moved up maybe</a:t>
+            </a:r>
+          </a:p>
+          <a:p>
+            <a:pPr lvl="1"/>
+            <a:r>
+              <a:rPr lang="en-US" sz="1900" dirty="0"/>
+              <a:t>Instant way to know what festivities  the are in Graz</a:t>
+            </a:r>
           </a:p>
         </p:txBody>
       </p:sp>
+      <p:sp>
+        <p:nvSpPr>
+          <p:cNvPr id="53" name="Rectangle 23">
+            <a:extLst>
+              <a:ext uri="{FF2B5EF4-FFF2-40B4-BE49-F238E27FC236}">
+                <a16:creationId xmlns:a16="http://schemas.microsoft.com/office/drawing/2014/main" id="{8B443E1C-3474-46C8-98C0-563CDA5ACF2E}"/>
+              </a:ext>
+              <a:ext uri="{C183D7F6-B498-43B3-948B-1728B52AA6E4}">
+                <adec:decorative xmlns:adec="http://schemas.microsoft.com/office/drawing/2017/decorative" val="1"/>
+              </a:ext>
+            </a:extLst>
+          </p:cNvPr>
+          <p:cNvSpPr>
+            <a:spLocks noGrp="1" noRot="1" noChangeAspect="1" noMove="1" noResize="1" noEditPoints="1" noAdjustHandles="1" noChangeArrowheads="1" noChangeShapeType="1" noTextEdit="1"/>
+          </p:cNvSpPr>
+          <p:nvPr>
+            <p:extLst>
+              <p:ext uri="{386F3935-93C4-4BCD-93E2-E3B085C9AB24}">
+                <p16:designElem xmlns:p16="http://schemas.microsoft.com/office/powerpoint/2015/main" val="1"/>
+              </p:ext>
+            </p:extLst>
+          </p:nvPr>
+        </p:nvSpPr>
+        <p:spPr>
+          <a:xfrm>
+            <a:off x="5626825" y="321732"/>
+            <a:ext cx="3634789" cy="3674848"/>
+          </a:xfrm>
+          <a:prstGeom prst="rect">
+            <a:avLst/>
+          </a:prstGeom>
+          <a:solidFill>
+            <a:srgbClr val="FFFFFF"/>
+          </a:solidFill>
+          <a:ln>
+            <a:noFill/>
+          </a:ln>
+        </p:spPr>
+        <p:style>
+          <a:lnRef idx="2">
+            <a:schemeClr val="accent1">
+              <a:shade val="50000"/>
+            </a:schemeClr>
+          </a:lnRef>
+          <a:fillRef idx="1">
+            <a:schemeClr val="accent1"/>
+          </a:fillRef>
+          <a:effectRef idx="0">
+            <a:schemeClr val="accent1"/>
+          </a:effectRef>
+          <a:fontRef idx="minor">
+            <a:schemeClr val="lt1"/>
+          </a:fontRef>
+        </p:style>
+        <p:txBody>
+          <a:bodyPr rtlCol="0" anchor="ctr"/>
+          <a:lstStyle/>
+          <a:p>
+            <a:pPr algn="ctr"/>
+            <a:endParaRPr lang="en-US"/>
+          </a:p>
+        </p:txBody>
+      </p:sp>
+      <p:pic>
+        <p:nvPicPr>
+          <p:cNvPr id="5" name="Grafik 4">
+            <a:extLst>
+              <a:ext uri="{FF2B5EF4-FFF2-40B4-BE49-F238E27FC236}">
+                <a16:creationId xmlns:a16="http://schemas.microsoft.com/office/drawing/2014/main" id="{9000B237-DEF9-41E7-A6AC-00A094117BAC}"/>
+              </a:ext>
+            </a:extLst>
+          </p:cNvPr>
+          <p:cNvPicPr>
+            <a:picLocks noChangeAspect="1"/>
+          </p:cNvPicPr>
+          <p:nvPr/>
+        </p:nvPicPr>
+        <p:blipFill>
+          <a:blip r:embed="rId2"/>
+          <a:stretch>
+            <a:fillRect/>
+          </a:stretch>
+        </p:blipFill>
+        <p:spPr>
+          <a:xfrm>
+            <a:off x="5781040" y="1176487"/>
+            <a:ext cx="3311629" cy="1970418"/>
+          </a:xfrm>
+          <a:prstGeom prst="rect">
+            <a:avLst/>
+          </a:prstGeom>
+        </p:spPr>
+      </p:pic>
+      <p:sp>
+        <p:nvSpPr>
+          <p:cNvPr id="26" name="Rectangle 25">
+            <a:extLst>
+              <a:ext uri="{FF2B5EF4-FFF2-40B4-BE49-F238E27FC236}">
+                <a16:creationId xmlns:a16="http://schemas.microsoft.com/office/drawing/2014/main" id="{DD5018F5-3829-4BCB-8FA7-8E29951D2C6B}"/>
+              </a:ext>
+              <a:ext uri="{C183D7F6-B498-43B3-948B-1728B52AA6E4}">
+                <adec:decorative xmlns:adec="http://schemas.microsoft.com/office/drawing/2017/decorative" val="1"/>
+              </a:ext>
+            </a:extLst>
+          </p:cNvPr>
+          <p:cNvSpPr>
+            <a:spLocks noGrp="1" noRot="1" noChangeAspect="1" noMove="1" noResize="1" noEditPoints="1" noAdjustHandles="1" noChangeArrowheads="1" noChangeShapeType="1" noTextEdit="1"/>
+          </p:cNvSpPr>
+          <p:nvPr>
+            <p:extLst>
+              <p:ext uri="{386F3935-93C4-4BCD-93E2-E3B085C9AB24}">
+                <p16:designElem xmlns:p16="http://schemas.microsoft.com/office/powerpoint/2015/main" val="1"/>
+              </p:ext>
+            </p:extLst>
+          </p:nvPr>
+        </p:nvSpPr>
+        <p:spPr>
+          <a:xfrm>
+            <a:off x="9454821" y="321732"/>
+            <a:ext cx="2415447" cy="2108201"/>
+          </a:xfrm>
+          <a:prstGeom prst="rect">
+            <a:avLst/>
+          </a:prstGeom>
+          <a:solidFill>
+            <a:schemeClr val="bg2">
+              <a:lumMod val="75000"/>
+              <a:alpha val="70000"/>
+            </a:schemeClr>
+          </a:solidFill>
+          <a:ln>
+            <a:noFill/>
+          </a:ln>
+        </p:spPr>
+        <p:style>
+          <a:lnRef idx="2">
+            <a:schemeClr val="accent1">
+              <a:shade val="50000"/>
+            </a:schemeClr>
+          </a:lnRef>
+          <a:fillRef idx="1">
+            <a:schemeClr val="accent1"/>
+          </a:fillRef>
+          <a:effectRef idx="0">
+            <a:schemeClr val="accent1"/>
+          </a:effectRef>
+          <a:fontRef idx="minor">
+            <a:schemeClr val="lt1"/>
+          </a:fontRef>
+        </p:style>
+        <p:txBody>
+          <a:bodyPr rtlCol="0" anchor="ctr"/>
+          <a:lstStyle/>
+          <a:p>
+            <a:pPr algn="ctr"/>
+            <a:endParaRPr lang="en-US"/>
+          </a:p>
+        </p:txBody>
+      </p:sp>
+      <p:sp>
+        <p:nvSpPr>
+          <p:cNvPr id="54" name="Rectangle 27">
+            <a:extLst>
+              <a:ext uri="{FF2B5EF4-FFF2-40B4-BE49-F238E27FC236}">
+                <a16:creationId xmlns:a16="http://schemas.microsoft.com/office/drawing/2014/main" id="{027F2872-05AB-4A97-9F88-26597D3D0F1E}"/>
+              </a:ext>
+              <a:ext uri="{C183D7F6-B498-43B3-948B-1728B52AA6E4}">
+                <adec:decorative xmlns:adec="http://schemas.microsoft.com/office/drawing/2017/decorative" val="1"/>
+              </a:ext>
+            </a:extLst>
+          </p:cNvPr>
+          <p:cNvSpPr>
+            <a:spLocks noGrp="1" noRot="1" noChangeAspect="1" noMove="1" noResize="1" noEditPoints="1" noAdjustHandles="1" noChangeArrowheads="1" noChangeShapeType="1" noTextEdit="1"/>
+          </p:cNvSpPr>
+          <p:nvPr>
+            <p:extLst>
+              <p:ext uri="{386F3935-93C4-4BCD-93E2-E3B085C9AB24}">
+                <p16:designElem xmlns:p16="http://schemas.microsoft.com/office/powerpoint/2015/main" val="1"/>
+              </p:ext>
+            </p:extLst>
+          </p:nvPr>
+        </p:nvSpPr>
+        <p:spPr>
+          <a:xfrm>
+            <a:off x="5626825" y="4157448"/>
+            <a:ext cx="3634789" cy="2302620"/>
+          </a:xfrm>
+          <a:prstGeom prst="rect">
+            <a:avLst/>
+          </a:prstGeom>
+          <a:solidFill>
+            <a:schemeClr val="bg2">
+              <a:lumMod val="75000"/>
+              <a:alpha val="70000"/>
+            </a:schemeClr>
+          </a:solidFill>
+          <a:ln>
+            <a:noFill/>
+          </a:ln>
+        </p:spPr>
+        <p:style>
+          <a:lnRef idx="2">
+            <a:schemeClr val="accent1">
+              <a:shade val="50000"/>
+            </a:schemeClr>
+          </a:lnRef>
+          <a:fillRef idx="1">
+            <a:schemeClr val="accent1"/>
+          </a:fillRef>
+          <a:effectRef idx="0">
+            <a:schemeClr val="accent1"/>
+          </a:effectRef>
+          <a:fontRef idx="minor">
+            <a:schemeClr val="lt1"/>
+          </a:fontRef>
+        </p:style>
+        <p:txBody>
+          <a:bodyPr rtlCol="0" anchor="ctr"/>
+          <a:lstStyle/>
+          <a:p>
+            <a:pPr algn="ctr"/>
+            <a:endParaRPr lang="en-US"/>
+          </a:p>
+        </p:txBody>
+      </p:sp>
+      <p:sp>
+        <p:nvSpPr>
+          <p:cNvPr id="55" name="Rectangle 29">
+            <a:extLst>
+              <a:ext uri="{FF2B5EF4-FFF2-40B4-BE49-F238E27FC236}">
+                <a16:creationId xmlns:a16="http://schemas.microsoft.com/office/drawing/2014/main" id="{9AF6EFE3-857D-4E0C-8CA4-F3CE3F8BB66C}"/>
+              </a:ext>
+              <a:ext uri="{C183D7F6-B498-43B3-948B-1728B52AA6E4}">
+                <adec:decorative xmlns:adec="http://schemas.microsoft.com/office/drawing/2017/decorative" val="1"/>
+              </a:ext>
+            </a:extLst>
+          </p:cNvPr>
+          <p:cNvSpPr>
+            <a:spLocks noGrp="1" noRot="1" noChangeAspect="1" noMove="1" noResize="1" noEditPoints="1" noAdjustHandles="1" noChangeArrowheads="1" noChangeShapeType="1" noTextEdit="1"/>
+          </p:cNvSpPr>
+          <p:nvPr>
+            <p:extLst>
+              <p:ext uri="{386F3935-93C4-4BCD-93E2-E3B085C9AB24}">
+                <p16:designElem xmlns:p16="http://schemas.microsoft.com/office/powerpoint/2015/main" val="1"/>
+              </p:ext>
+            </p:extLst>
+          </p:nvPr>
+        </p:nvSpPr>
+        <p:spPr>
+          <a:xfrm>
+            <a:off x="9469080" y="2656703"/>
+            <a:ext cx="2401187" cy="2829697"/>
+          </a:xfrm>
+          <a:prstGeom prst="rect">
+            <a:avLst/>
+          </a:prstGeom>
+          <a:solidFill>
+            <a:srgbClr val="FFFFFF"/>
+          </a:solidFill>
+          <a:ln>
+            <a:noFill/>
+          </a:ln>
+        </p:spPr>
+        <p:style>
+          <a:lnRef idx="2">
+            <a:schemeClr val="accent1">
+              <a:shade val="50000"/>
+            </a:schemeClr>
+          </a:lnRef>
+          <a:fillRef idx="1">
+            <a:schemeClr val="accent1"/>
+          </a:fillRef>
+          <a:effectRef idx="0">
+            <a:schemeClr val="accent1"/>
+          </a:effectRef>
+          <a:fontRef idx="minor">
+            <a:schemeClr val="lt1"/>
+          </a:fontRef>
+        </p:style>
+        <p:txBody>
+          <a:bodyPr rtlCol="0" anchor="ctr"/>
+          <a:lstStyle/>
+          <a:p>
+            <a:pPr algn="ctr"/>
+            <a:endParaRPr lang="en-US"/>
+          </a:p>
+        </p:txBody>
+      </p:sp>
+      <p:pic>
+        <p:nvPicPr>
+          <p:cNvPr id="7" name="Grafik 6">
+            <a:extLst>
+              <a:ext uri="{FF2B5EF4-FFF2-40B4-BE49-F238E27FC236}">
+                <a16:creationId xmlns:a16="http://schemas.microsoft.com/office/drawing/2014/main" id="{A7926FF8-2007-43DE-A57D-C76ABBDC2851}"/>
+              </a:ext>
+            </a:extLst>
+          </p:cNvPr>
+          <p:cNvPicPr>
+            <a:picLocks noChangeAspect="1"/>
+          </p:cNvPicPr>
+          <p:nvPr/>
+        </p:nvPicPr>
+        <p:blipFill>
+          <a:blip r:embed="rId3"/>
+          <a:stretch>
+            <a:fillRect/>
+          </a:stretch>
+        </p:blipFill>
+        <p:spPr>
+          <a:xfrm>
+            <a:off x="10035759" y="2817570"/>
+            <a:ext cx="1259400" cy="2506270"/>
+          </a:xfrm>
+          <a:prstGeom prst="rect">
+            <a:avLst/>
+          </a:prstGeom>
+        </p:spPr>
+      </p:pic>
     </p:spTree>
     <p:extLst>
       <p:ext uri="{BB962C8B-B14F-4D97-AF65-F5344CB8AC3E}">
-        <p14:creationId xmlns:p14="http://schemas.microsoft.com/office/powerpoint/2010/main" val="2326188402"/>
+        <p14:creationId xmlns:p14="http://schemas.microsoft.com/office/powerpoint/2010/main" val="433280873"/>
       </p:ext>
     </p:extLst>
   </p:cSld>
@@ -17093,7 +19565,278 @@
           <p:cNvPr id="2" name="Titel 1">
             <a:extLst>
               <a:ext uri="{FF2B5EF4-FFF2-40B4-BE49-F238E27FC236}">
-                <a16:creationId xmlns:a16="http://schemas.microsoft.com/office/drawing/2014/main" id="{4D9A2D85-F019-49B1-B91E-C8EB8B96B1A1}"/>
+                <a16:creationId xmlns:a16="http://schemas.microsoft.com/office/drawing/2014/main" id="{54E522BB-031C-478D-8A88-11DE4C9CD63F}"/>
+              </a:ext>
+            </a:extLst>
+          </p:cNvPr>
+          <p:cNvSpPr>
+            <a:spLocks noGrp="1"/>
+          </p:cNvSpPr>
+          <p:nvPr>
+            <p:ph type="title"/>
+          </p:nvPr>
+        </p:nvSpPr>
+        <p:spPr/>
+        <p:txBody>
+          <a:bodyPr/>
+          <a:lstStyle/>
+          <a:p>
+            <a:r>
+              <a:rPr lang="de-AT" dirty="0"/>
+              <a:t>Negative #1</a:t>
+            </a:r>
+          </a:p>
+        </p:txBody>
+      </p:sp>
+      <p:sp>
+        <p:nvSpPr>
+          <p:cNvPr id="3" name="Inhaltsplatzhalter 2">
+            <a:extLst>
+              <a:ext uri="{FF2B5EF4-FFF2-40B4-BE49-F238E27FC236}">
+                <a16:creationId xmlns:a16="http://schemas.microsoft.com/office/drawing/2014/main" id="{3C67EF3A-D096-4A29-A96E-2D1343ED6B61}"/>
+              </a:ext>
+            </a:extLst>
+          </p:cNvPr>
+          <p:cNvSpPr>
+            <a:spLocks noGrp="1"/>
+          </p:cNvSpPr>
+          <p:nvPr>
+            <p:ph idx="1"/>
+          </p:nvPr>
+        </p:nvSpPr>
+        <p:spPr/>
+        <p:txBody>
+          <a:bodyPr/>
+          <a:lstStyle/>
+          <a:p>
+            <a:r>
+              <a:rPr lang="de-AT" dirty="0"/>
+              <a:t>Cookie </a:t>
+            </a:r>
+            <a:r>
+              <a:rPr lang="de-AT" dirty="0" err="1"/>
+              <a:t>Preference´s</a:t>
+            </a:r>
+            <a:endParaRPr lang="de-AT" dirty="0"/>
+          </a:p>
+          <a:p>
+            <a:pPr lvl="1"/>
+            <a:r>
+              <a:rPr lang="de-AT" dirty="0" err="1"/>
+              <a:t>No</a:t>
+            </a:r>
+            <a:r>
+              <a:rPr lang="de-AT" dirty="0"/>
+              <a:t> </a:t>
+            </a:r>
+            <a:r>
+              <a:rPr lang="de-AT" dirty="0" err="1"/>
+              <a:t>way</a:t>
+            </a:r>
+            <a:r>
+              <a:rPr lang="de-AT" dirty="0"/>
+              <a:t> </a:t>
+            </a:r>
+            <a:r>
+              <a:rPr lang="de-AT" dirty="0" err="1"/>
+              <a:t>to</a:t>
+            </a:r>
+            <a:r>
+              <a:rPr lang="de-AT" dirty="0"/>
+              <a:t> </a:t>
+            </a:r>
+            <a:r>
+              <a:rPr lang="de-AT" dirty="0" err="1"/>
+              <a:t>change</a:t>
+            </a:r>
+            <a:r>
+              <a:rPr lang="de-AT" dirty="0"/>
+              <a:t> </a:t>
+            </a:r>
+            <a:r>
+              <a:rPr lang="de-AT" dirty="0" err="1"/>
+              <a:t>them</a:t>
+            </a:r>
+            <a:endParaRPr lang="de-AT" dirty="0"/>
+          </a:p>
+          <a:p>
+            <a:pPr lvl="1"/>
+            <a:r>
+              <a:rPr lang="de-AT" dirty="0"/>
+              <a:t>Maybe </a:t>
+            </a:r>
+            <a:r>
+              <a:rPr lang="de-AT" dirty="0" err="1"/>
+              <a:t>even</a:t>
+            </a:r>
+            <a:r>
+              <a:rPr lang="de-AT" dirty="0"/>
+              <a:t> illegal</a:t>
+            </a:r>
+          </a:p>
+          <a:p>
+            <a:pPr lvl="1"/>
+            <a:r>
+              <a:rPr lang="de-AT" dirty="0" err="1"/>
+              <a:t>Highly</a:t>
+            </a:r>
+            <a:r>
+              <a:rPr lang="de-AT" dirty="0"/>
+              <a:t> </a:t>
+            </a:r>
+            <a:r>
+              <a:rPr lang="de-AT" dirty="0" err="1"/>
+              <a:t>recommend</a:t>
+            </a:r>
+            <a:r>
+              <a:rPr lang="de-AT" dirty="0"/>
+              <a:t> </a:t>
+            </a:r>
+            <a:r>
+              <a:rPr lang="de-AT" dirty="0" err="1"/>
+              <a:t>to</a:t>
+            </a:r>
+            <a:r>
+              <a:rPr lang="de-AT" dirty="0"/>
+              <a:t> </a:t>
+            </a:r>
+            <a:r>
+              <a:rPr lang="de-AT" dirty="0" err="1"/>
+              <a:t>change</a:t>
+            </a:r>
+            <a:r>
+              <a:rPr lang="de-AT" dirty="0"/>
+              <a:t> </a:t>
+            </a:r>
+            <a:r>
+              <a:rPr lang="de-AT" dirty="0" err="1"/>
+              <a:t>that</a:t>
+            </a:r>
+            <a:endParaRPr lang="de-AT" dirty="0"/>
+          </a:p>
+        </p:txBody>
+      </p:sp>
+    </p:spTree>
+    <p:extLst>
+      <p:ext uri="{BB962C8B-B14F-4D97-AF65-F5344CB8AC3E}">
+        <p14:creationId xmlns:p14="http://schemas.microsoft.com/office/powerpoint/2010/main" val="1143224002"/>
+      </p:ext>
+    </p:extLst>
+  </p:cSld>
+  <p:clrMapOvr>
+    <a:masterClrMapping/>
+  </p:clrMapOvr>
+</p:sld>
+</file>
+
+<file path=ppt/slides/slide9.xml><?xml version="1.0" encoding="utf-8"?>
+<p:sld xmlns:a="http://schemas.openxmlformats.org/drawingml/2006/main" xmlns:r="http://schemas.openxmlformats.org/officeDocument/2006/relationships" xmlns:p="http://schemas.openxmlformats.org/presentationml/2006/main">
+  <p:cSld>
+    <p:bg>
+      <p:bgPr>
+        <a:gradFill rotWithShape="1">
+          <a:gsLst>
+            <a:gs pos="10000">
+              <a:schemeClr val="bg2">
+                <a:tint val="97000"/>
+                <a:hueMod val="92000"/>
+                <a:satMod val="169000"/>
+                <a:lumMod val="164000"/>
+              </a:schemeClr>
+            </a:gs>
+            <a:gs pos="100000">
+              <a:schemeClr val="bg2">
+                <a:shade val="96000"/>
+                <a:satMod val="120000"/>
+                <a:lumMod val="90000"/>
+              </a:schemeClr>
+            </a:gs>
+          </a:gsLst>
+          <a:lin ang="6120000" scaled="1"/>
+        </a:gradFill>
+        <a:effectLst/>
+      </p:bgPr>
+    </p:bg>
+    <p:spTree>
+      <p:nvGrpSpPr>
+        <p:cNvPr id="1" name=""/>
+        <p:cNvGrpSpPr/>
+        <p:nvPr/>
+      </p:nvGrpSpPr>
+      <p:grpSpPr>
+        <a:xfrm>
+          <a:off x="0" y="0"/>
+          <a:ext cx="0" cy="0"/>
+          <a:chOff x="0" y="0"/>
+          <a:chExt cx="0" cy="0"/>
+        </a:xfrm>
+      </p:grpSpPr>
+      <p:sp useBgFill="1">
+        <p:nvSpPr>
+          <p:cNvPr id="40" name="Rectangle 29">
+            <a:extLst>
+              <a:ext uri="{FF2B5EF4-FFF2-40B4-BE49-F238E27FC236}">
+                <a16:creationId xmlns:a16="http://schemas.microsoft.com/office/drawing/2014/main" id="{CBEC666E-043C-4EA7-B3A5-55D2F52D57E5}"/>
+              </a:ext>
+              <a:ext uri="{C183D7F6-B498-43B3-948B-1728B52AA6E4}">
+                <adec:decorative xmlns:adec="http://schemas.microsoft.com/office/drawing/2017/decorative" val="1"/>
+              </a:ext>
+            </a:extLst>
+          </p:cNvPr>
+          <p:cNvSpPr>
+            <a:spLocks noGrp="1" noRot="1" noChangeAspect="1" noMove="1" noResize="1" noEditPoints="1" noAdjustHandles="1" noChangeArrowheads="1" noChangeShapeType="1" noTextEdit="1"/>
+          </p:cNvSpPr>
+          <p:nvPr>
+            <p:extLst>
+              <p:ext uri="{386F3935-93C4-4BCD-93E2-E3B085C9AB24}">
+                <p16:designElem xmlns:p16="http://schemas.microsoft.com/office/powerpoint/2015/main" val="1"/>
+              </p:ext>
+            </p:extLst>
+          </p:nvPr>
+        </p:nvSpPr>
+        <p:spPr>
+          <a:xfrm>
+            <a:off x="0" y="0"/>
+            <a:ext cx="12192000" cy="6858000"/>
+          </a:xfrm>
+          <a:prstGeom prst="rect">
+            <a:avLst/>
+          </a:prstGeom>
+          <a:ln>
+            <a:noFill/>
+          </a:ln>
+        </p:spPr>
+        <p:style>
+          <a:lnRef idx="2">
+            <a:schemeClr val="accent1">
+              <a:shade val="50000"/>
+            </a:schemeClr>
+          </a:lnRef>
+          <a:fillRef idx="1">
+            <a:schemeClr val="accent1"/>
+          </a:fillRef>
+          <a:effectRef idx="0">
+            <a:schemeClr val="accent1"/>
+          </a:effectRef>
+          <a:fontRef idx="minor">
+            <a:schemeClr val="lt1"/>
+          </a:fontRef>
+        </p:style>
+        <p:txBody>
+          <a:bodyPr rtlCol="0" anchor="ctr"/>
+          <a:lstStyle/>
+          <a:p>
+            <a:pPr algn="ctr"/>
+            <a:endParaRPr lang="en-US"/>
+          </a:p>
+        </p:txBody>
+      </p:sp>
+      <p:sp>
+        <p:nvSpPr>
+          <p:cNvPr id="2" name="Titel 1">
+            <a:extLst>
+              <a:ext uri="{FF2B5EF4-FFF2-40B4-BE49-F238E27FC236}">
+                <a16:creationId xmlns:a16="http://schemas.microsoft.com/office/drawing/2014/main" id="{94F8DA40-7D7F-42C1-9D8E-6A2D7857C07A}"/>
               </a:ext>
             </a:extLst>
           </p:cNvPr>
@@ -17106,37 +19849,610 @@
         </p:nvSpPr>
         <p:spPr>
           <a:xfrm>
-            <a:off x="1828800" y="2675466"/>
-            <a:ext cx="8534400" cy="1507067"/>
+            <a:off x="4661860" y="4487332"/>
+            <a:ext cx="5627258" cy="1507067"/>
           </a:xfrm>
         </p:spPr>
         <p:txBody>
-          <a:bodyPr/>
+          <a:bodyPr>
+            <a:normAutofit/>
+          </a:bodyPr>
           <a:lstStyle/>
           <a:p>
             <a:r>
-              <a:rPr lang="en-US" dirty="0"/>
-              <a:t>T</a:t>
-            </a:r>
-            <a:r>
-              <a:rPr lang="en-AT" dirty="0"/>
-              <a:t>hank you </a:t>
-            </a:r>
-            <a:br>
-              <a:rPr lang="en-AT" dirty="0"/>
-            </a:br>
-            <a:r>
-              <a:rPr lang="en-AT" dirty="0"/>
-              <a:t>for your attention</a:t>
-            </a:r>
-            <a:endParaRPr lang="de-AT" dirty="0"/>
+              <a:rPr lang="de-AT" dirty="0"/>
+              <a:t>Negative #2</a:t>
+            </a:r>
           </a:p>
         </p:txBody>
       </p:sp>
+      <p:sp>
+        <p:nvSpPr>
+          <p:cNvPr id="41" name="Snip Diagonal Corner Rectangle 16">
+            <a:extLst>
+              <a:ext uri="{FF2B5EF4-FFF2-40B4-BE49-F238E27FC236}">
+                <a16:creationId xmlns:a16="http://schemas.microsoft.com/office/drawing/2014/main" id="{D05C369B-0FDD-402D-9EE1-858137FB5D04}"/>
+              </a:ext>
+              <a:ext uri="{C183D7F6-B498-43B3-948B-1728B52AA6E4}">
+                <adec:decorative xmlns:adec="http://schemas.microsoft.com/office/drawing/2017/decorative" val="1"/>
+              </a:ext>
+            </a:extLst>
+          </p:cNvPr>
+          <p:cNvSpPr>
+            <a:spLocks noGrp="1" noRot="1" noChangeAspect="1" noMove="1" noResize="1" noEditPoints="1" noAdjustHandles="1" noChangeArrowheads="1" noChangeShapeType="1" noTextEdit="1"/>
+          </p:cNvSpPr>
+          <p:nvPr>
+            <p:extLst>
+              <p:ext uri="{386F3935-93C4-4BCD-93E2-E3B085C9AB24}">
+                <p16:designElem xmlns:p16="http://schemas.microsoft.com/office/powerpoint/2015/main" val="1"/>
+              </p:ext>
+            </p:extLst>
+          </p:nvPr>
+        </p:nvSpPr>
+        <p:spPr>
+          <a:xfrm>
+            <a:off x="634001" y="620722"/>
+            <a:ext cx="3670674" cy="5286838"/>
+          </a:xfrm>
+          <a:prstGeom prst="snip2DiagRect">
+            <a:avLst>
+              <a:gd name="adj1" fmla="val 11518"/>
+              <a:gd name="adj2" fmla="val 0"/>
+            </a:avLst>
+          </a:prstGeom>
+          <a:solidFill>
+            <a:schemeClr val="tx1"/>
+          </a:solidFill>
+          <a:ln>
+            <a:noFill/>
+          </a:ln>
+          <a:effectLst>
+            <a:innerShdw blurRad="57150" dist="38100" dir="14460000">
+              <a:prstClr val="black">
+                <a:alpha val="70000"/>
+              </a:prstClr>
+            </a:innerShdw>
+          </a:effectLst>
+        </p:spPr>
+        <p:style>
+          <a:lnRef idx="2">
+            <a:schemeClr val="accent1">
+              <a:shade val="50000"/>
+            </a:schemeClr>
+          </a:lnRef>
+          <a:fillRef idx="1">
+            <a:schemeClr val="accent1"/>
+          </a:fillRef>
+          <a:effectRef idx="0">
+            <a:schemeClr val="accent1"/>
+          </a:effectRef>
+          <a:fontRef idx="minor">
+            <a:schemeClr val="lt1"/>
+          </a:fontRef>
+        </p:style>
+        <p:txBody>
+          <a:bodyPr rtlCol="0" anchor="ctr"/>
+          <a:lstStyle/>
+          <a:p>
+            <a:pPr algn="ctr"/>
+            <a:endParaRPr lang="en-US"/>
+          </a:p>
+        </p:txBody>
+      </p:sp>
+      <p:pic>
+        <p:nvPicPr>
+          <p:cNvPr id="7" name="Grafik 6" descr="Ein Bild, das Karte enthält.&#10;&#10;Automatisch generierte Beschreibung">
+            <a:extLst>
+              <a:ext uri="{FF2B5EF4-FFF2-40B4-BE49-F238E27FC236}">
+                <a16:creationId xmlns:a16="http://schemas.microsoft.com/office/drawing/2014/main" id="{956E4F7A-373C-4C01-B843-BAC3CCA9FF81}"/>
+              </a:ext>
+            </a:extLst>
+          </p:cNvPr>
+          <p:cNvPicPr>
+            <a:picLocks noChangeAspect="1"/>
+          </p:cNvPicPr>
+          <p:nvPr/>
+        </p:nvPicPr>
+        <p:blipFill rotWithShape="1">
+          <a:blip r:embed="rId2"/>
+          <a:srcRect l="25824" r="3031" b="1"/>
+          <a:stretch/>
+        </p:blipFill>
+        <p:spPr>
+          <a:xfrm>
+            <a:off x="800558" y="786118"/>
+            <a:ext cx="3337560" cy="2404227"/>
+          </a:xfrm>
+          <a:custGeom>
+            <a:avLst/>
+            <a:gdLst/>
+            <a:ahLst/>
+            <a:cxnLst/>
+            <a:rect l="l" t="t" r="r" b="b"/>
+            <a:pathLst>
+              <a:path w="3337560" h="2404227">
+                <a:moveTo>
+                  <a:pt x="384420" y="0"/>
+                </a:moveTo>
+                <a:lnTo>
+                  <a:pt x="3337560" y="0"/>
+                </a:lnTo>
+                <a:lnTo>
+                  <a:pt x="3337560" y="2404227"/>
+                </a:lnTo>
+                <a:lnTo>
+                  <a:pt x="0" y="2404227"/>
+                </a:lnTo>
+                <a:lnTo>
+                  <a:pt x="0" y="384420"/>
+                </a:lnTo>
+                <a:close/>
+              </a:path>
+            </a:pathLst>
+          </a:custGeom>
+        </p:spPr>
+      </p:pic>
+      <p:pic>
+        <p:nvPicPr>
+          <p:cNvPr id="5" name="Grafik 4" descr="Ein Bild, das Karte enthält.&#10;&#10;Automatisch generierte Beschreibung">
+            <a:extLst>
+              <a:ext uri="{FF2B5EF4-FFF2-40B4-BE49-F238E27FC236}">
+                <a16:creationId xmlns:a16="http://schemas.microsoft.com/office/drawing/2014/main" id="{B51D749A-D608-4691-B6FB-952C0F795C30}"/>
+              </a:ext>
+            </a:extLst>
+          </p:cNvPr>
+          <p:cNvPicPr>
+            <a:picLocks noChangeAspect="1"/>
+          </p:cNvPicPr>
+          <p:nvPr/>
+        </p:nvPicPr>
+        <p:blipFill rotWithShape="1">
+          <a:blip r:embed="rId3"/>
+          <a:srcRect l="21680" r="8020" b="-2"/>
+          <a:stretch/>
+        </p:blipFill>
+        <p:spPr>
+          <a:xfrm>
+            <a:off x="800558" y="3344575"/>
+            <a:ext cx="3337560" cy="2397590"/>
+          </a:xfrm>
+          <a:custGeom>
+            <a:avLst/>
+            <a:gdLst/>
+            <a:ahLst/>
+            <a:cxnLst/>
+            <a:rect l="l" t="t" r="r" b="b"/>
+            <a:pathLst>
+              <a:path w="3337560" h="2397590">
+                <a:moveTo>
+                  <a:pt x="0" y="0"/>
+                </a:moveTo>
+                <a:lnTo>
+                  <a:pt x="3337560" y="0"/>
+                </a:lnTo>
+                <a:lnTo>
+                  <a:pt x="3337560" y="2013170"/>
+                </a:lnTo>
+                <a:lnTo>
+                  <a:pt x="2953140" y="2397590"/>
+                </a:lnTo>
+                <a:lnTo>
+                  <a:pt x="0" y="2397590"/>
+                </a:lnTo>
+                <a:close/>
+              </a:path>
+            </a:pathLst>
+          </a:custGeom>
+        </p:spPr>
+      </p:pic>
+      <p:sp>
+        <p:nvSpPr>
+          <p:cNvPr id="3" name="Inhaltsplatzhalter 2">
+            <a:extLst>
+              <a:ext uri="{FF2B5EF4-FFF2-40B4-BE49-F238E27FC236}">
+                <a16:creationId xmlns:a16="http://schemas.microsoft.com/office/drawing/2014/main" id="{D18A1797-D35F-42BA-B1D7-392FB2C529CD}"/>
+              </a:ext>
+            </a:extLst>
+          </p:cNvPr>
+          <p:cNvSpPr>
+            <a:spLocks noGrp="1"/>
+          </p:cNvSpPr>
+          <p:nvPr>
+            <p:ph idx="1"/>
+          </p:nvPr>
+        </p:nvSpPr>
+        <p:spPr>
+          <a:xfrm>
+            <a:off x="4661860" y="685800"/>
+            <a:ext cx="6253792" cy="3615267"/>
+          </a:xfrm>
+        </p:spPr>
+        <p:txBody>
+          <a:bodyPr>
+            <a:normAutofit/>
+          </a:bodyPr>
+          <a:lstStyle/>
+          <a:p>
+            <a:r>
+              <a:rPr lang="de-AT" dirty="0"/>
+              <a:t>Interactive </a:t>
+            </a:r>
+            <a:r>
+              <a:rPr lang="de-AT" dirty="0" err="1"/>
+              <a:t>Map</a:t>
+            </a:r>
+            <a:r>
+              <a:rPr lang="de-AT" dirty="0"/>
+              <a:t> Autozoom</a:t>
+            </a:r>
+          </a:p>
+          <a:p>
+            <a:pPr lvl="1"/>
+            <a:r>
+              <a:rPr lang="de-AT" dirty="0"/>
+              <a:t>Autozooms </a:t>
+            </a:r>
+            <a:r>
+              <a:rPr lang="de-AT" dirty="0" err="1"/>
+              <a:t>the</a:t>
+            </a:r>
+            <a:r>
+              <a:rPr lang="de-AT" dirty="0"/>
+              <a:t> </a:t>
+            </a:r>
+            <a:r>
+              <a:rPr lang="de-AT" dirty="0" err="1"/>
+              <a:t>Map</a:t>
+            </a:r>
+            <a:endParaRPr lang="de-AT" dirty="0"/>
+          </a:p>
+          <a:p>
+            <a:pPr lvl="1"/>
+            <a:r>
+              <a:rPr lang="de-AT" dirty="0" err="1"/>
+              <a:t>Makes</a:t>
+            </a:r>
+            <a:r>
+              <a:rPr lang="de-AT" dirty="0"/>
+              <a:t> </a:t>
+            </a:r>
+            <a:r>
+              <a:rPr lang="de-AT" dirty="0" err="1"/>
+              <a:t>it</a:t>
+            </a:r>
+            <a:r>
+              <a:rPr lang="de-AT" dirty="0"/>
+              <a:t> </a:t>
+            </a:r>
+            <a:r>
+              <a:rPr lang="de-AT" dirty="0" err="1"/>
+              <a:t>very</a:t>
+            </a:r>
+            <a:r>
+              <a:rPr lang="de-AT" dirty="0"/>
+              <a:t> </a:t>
+            </a:r>
+            <a:r>
+              <a:rPr lang="de-AT" dirty="0" err="1"/>
+              <a:t>hard</a:t>
+            </a:r>
+            <a:r>
+              <a:rPr lang="de-AT" dirty="0"/>
+              <a:t> </a:t>
+            </a:r>
+            <a:r>
+              <a:rPr lang="de-AT" dirty="0" err="1"/>
+              <a:t>to</a:t>
+            </a:r>
+            <a:r>
+              <a:rPr lang="de-AT" dirty="0"/>
+              <a:t> </a:t>
+            </a:r>
+            <a:r>
+              <a:rPr lang="de-AT" dirty="0" err="1"/>
+              <a:t>use</a:t>
+            </a:r>
+            <a:endParaRPr lang="de-AT" dirty="0"/>
+          </a:p>
+          <a:p>
+            <a:pPr lvl="1"/>
+            <a:r>
+              <a:rPr lang="de-AT" dirty="0" err="1"/>
+              <a:t>Specific</a:t>
+            </a:r>
+            <a:r>
+              <a:rPr lang="de-AT" dirty="0"/>
+              <a:t> Area</a:t>
+            </a:r>
+          </a:p>
+        </p:txBody>
+      </p:sp>
+      <p:grpSp>
+        <p:nvGrpSpPr>
+          <p:cNvPr id="34" name="Group 33">
+            <a:extLst>
+              <a:ext uri="{FF2B5EF4-FFF2-40B4-BE49-F238E27FC236}">
+                <a16:creationId xmlns:a16="http://schemas.microsoft.com/office/drawing/2014/main" id="{ADDE2C3E-3205-470A-BD3C-E856A8E21FC0}"/>
+              </a:ext>
+              <a:ext uri="{C183D7F6-B498-43B3-948B-1728B52AA6E4}">
+                <adec:decorative xmlns:adec="http://schemas.microsoft.com/office/drawing/2017/decorative" val="1"/>
+              </a:ext>
+            </a:extLst>
+          </p:cNvPr>
+          <p:cNvGrpSpPr>
+            <a:grpSpLocks noGrp="1" noUngrp="1" noRot="1" noChangeAspect="1" noMove="1" noResize="1"/>
+          </p:cNvGrpSpPr>
+          <p:nvPr>
+            <p:extLst>
+              <p:ext uri="{386F3935-93C4-4BCD-93E2-E3B085C9AB24}">
+                <p16:designElem xmlns:p16="http://schemas.microsoft.com/office/powerpoint/2015/main" val="1"/>
+              </p:ext>
+            </p:extLst>
+          </p:nvPr>
+        </p:nvGrpSpPr>
+        <p:grpSpPr>
+          <a:xfrm>
+            <a:off x="9206969" y="2963333"/>
+            <a:ext cx="2981858" cy="3208867"/>
+            <a:chOff x="9206969" y="2963333"/>
+            <a:chExt cx="2981858" cy="3208867"/>
+          </a:xfrm>
+        </p:grpSpPr>
+        <p:cxnSp>
+          <p:nvCxnSpPr>
+            <p:cNvPr id="35" name="Straight Connector 34">
+              <a:extLst>
+                <a:ext uri="{FF2B5EF4-FFF2-40B4-BE49-F238E27FC236}">
+                  <a16:creationId xmlns:a16="http://schemas.microsoft.com/office/drawing/2014/main" id="{69FA431E-B32D-412B-8EE8-27BFACD9B965}"/>
+                </a:ext>
+                <a:ext uri="{C183D7F6-B498-43B3-948B-1728B52AA6E4}">
+                  <adec:decorative xmlns:adec="http://schemas.microsoft.com/office/drawing/2017/decorative" val="1"/>
+                </a:ext>
+              </a:extLst>
+            </p:cNvPr>
+            <p:cNvCxnSpPr/>
+            <p:nvPr>
+              <p:extLst>
+                <p:ext uri="{386F3935-93C4-4BCD-93E2-E3B085C9AB24}">
+                  <p16:designElem xmlns:p16="http://schemas.microsoft.com/office/powerpoint/2015/main" val="1"/>
+                </p:ext>
+              </p:extLst>
+            </p:nvPr>
+          </p:nvCxnSpPr>
+          <p:spPr>
+            <a:xfrm flipH="1">
+              <a:off x="11276012" y="2963333"/>
+              <a:ext cx="912814" cy="912812"/>
+            </a:xfrm>
+            <a:prstGeom prst="line">
+              <a:avLst/>
+            </a:prstGeom>
+            <a:ln w="9525">
+              <a:solidFill>
+                <a:schemeClr val="tx1"/>
+              </a:solidFill>
+            </a:ln>
+          </p:spPr>
+          <p:style>
+            <a:lnRef idx="2">
+              <a:schemeClr val="accent1"/>
+            </a:lnRef>
+            <a:fillRef idx="0">
+              <a:schemeClr val="accent1"/>
+            </a:fillRef>
+            <a:effectRef idx="1">
+              <a:schemeClr val="accent1"/>
+            </a:effectRef>
+            <a:fontRef idx="minor">
+              <a:schemeClr val="tx1"/>
+            </a:fontRef>
+          </p:style>
+        </p:cxnSp>
+        <p:cxnSp>
+          <p:nvCxnSpPr>
+            <p:cNvPr id="36" name="Straight Connector 35">
+              <a:extLst>
+                <a:ext uri="{FF2B5EF4-FFF2-40B4-BE49-F238E27FC236}">
+                  <a16:creationId xmlns:a16="http://schemas.microsoft.com/office/drawing/2014/main" id="{7F1AC587-B106-44DD-92F0-2DCA0B700D52}"/>
+                </a:ext>
+                <a:ext uri="{C183D7F6-B498-43B3-948B-1728B52AA6E4}">
+                  <adec:decorative xmlns:adec="http://schemas.microsoft.com/office/drawing/2017/decorative" val="1"/>
+                </a:ext>
+              </a:extLst>
+            </p:cNvPr>
+            <p:cNvCxnSpPr/>
+            <p:nvPr>
+              <p:extLst>
+                <p:ext uri="{386F3935-93C4-4BCD-93E2-E3B085C9AB24}">
+                  <p16:designElem xmlns:p16="http://schemas.microsoft.com/office/powerpoint/2015/main" val="1"/>
+                </p:ext>
+              </p:extLst>
+            </p:nvPr>
+          </p:nvCxnSpPr>
+          <p:spPr>
+            <a:xfrm flipH="1">
+              <a:off x="9206969" y="3190344"/>
+              <a:ext cx="2981857" cy="2981856"/>
+            </a:xfrm>
+            <a:prstGeom prst="line">
+              <a:avLst/>
+            </a:prstGeom>
+            <a:ln w="9525">
+              <a:solidFill>
+                <a:schemeClr val="tx1"/>
+              </a:solidFill>
+            </a:ln>
+          </p:spPr>
+          <p:style>
+            <a:lnRef idx="2">
+              <a:schemeClr val="accent1"/>
+            </a:lnRef>
+            <a:fillRef idx="0">
+              <a:schemeClr val="accent1"/>
+            </a:fillRef>
+            <a:effectRef idx="1">
+              <a:schemeClr val="accent1"/>
+            </a:effectRef>
+            <a:fontRef idx="minor">
+              <a:schemeClr val="tx1"/>
+            </a:fontRef>
+          </p:style>
+        </p:cxnSp>
+        <p:cxnSp>
+          <p:nvCxnSpPr>
+            <p:cNvPr id="37" name="Straight Connector 36">
+              <a:extLst>
+                <a:ext uri="{FF2B5EF4-FFF2-40B4-BE49-F238E27FC236}">
+                  <a16:creationId xmlns:a16="http://schemas.microsoft.com/office/drawing/2014/main" id="{CFFBA5D3-FE61-4D23-AB2F-EC12CE5A6C94}"/>
+                </a:ext>
+                <a:ext uri="{C183D7F6-B498-43B3-948B-1728B52AA6E4}">
+                  <adec:decorative xmlns:adec="http://schemas.microsoft.com/office/drawing/2017/decorative" val="1"/>
+                </a:ext>
+              </a:extLst>
+            </p:cNvPr>
+            <p:cNvCxnSpPr/>
+            <p:nvPr>
+              <p:extLst>
+                <p:ext uri="{386F3935-93C4-4BCD-93E2-E3B085C9AB24}">
+                  <p16:designElem xmlns:p16="http://schemas.microsoft.com/office/powerpoint/2015/main" val="1"/>
+                </p:ext>
+              </p:extLst>
+            </p:nvPr>
+          </p:nvCxnSpPr>
+          <p:spPr>
+            <a:xfrm flipH="1">
+              <a:off x="10292292" y="3285067"/>
+              <a:ext cx="1896534" cy="1896533"/>
+            </a:xfrm>
+            <a:prstGeom prst="line">
+              <a:avLst/>
+            </a:prstGeom>
+            <a:ln w="9525">
+              <a:solidFill>
+                <a:schemeClr val="tx1"/>
+              </a:solidFill>
+            </a:ln>
+          </p:spPr>
+          <p:style>
+            <a:lnRef idx="2">
+              <a:schemeClr val="accent1"/>
+            </a:lnRef>
+            <a:fillRef idx="0">
+              <a:schemeClr val="accent1"/>
+            </a:fillRef>
+            <a:effectRef idx="1">
+              <a:schemeClr val="accent1"/>
+            </a:effectRef>
+            <a:fontRef idx="minor">
+              <a:schemeClr val="tx1"/>
+            </a:fontRef>
+          </p:style>
+        </p:cxnSp>
+        <p:cxnSp>
+          <p:nvCxnSpPr>
+            <p:cNvPr id="38" name="Straight Connector 37">
+              <a:extLst>
+                <a:ext uri="{FF2B5EF4-FFF2-40B4-BE49-F238E27FC236}">
+                  <a16:creationId xmlns:a16="http://schemas.microsoft.com/office/drawing/2014/main" id="{DA661ABF-E2D0-44E1-9762-393FF470A428}"/>
+                </a:ext>
+                <a:ext uri="{C183D7F6-B498-43B3-948B-1728B52AA6E4}">
+                  <adec:decorative xmlns:adec="http://schemas.microsoft.com/office/drawing/2017/decorative" val="1"/>
+                </a:ext>
+              </a:extLst>
+            </p:cNvPr>
+            <p:cNvCxnSpPr/>
+            <p:nvPr>
+              <p:extLst>
+                <p:ext uri="{386F3935-93C4-4BCD-93E2-E3B085C9AB24}">
+                  <p16:designElem xmlns:p16="http://schemas.microsoft.com/office/powerpoint/2015/main" val="1"/>
+                </p:ext>
+              </p:extLst>
+            </p:nvPr>
+          </p:nvCxnSpPr>
+          <p:spPr>
+            <a:xfrm flipH="1">
+              <a:off x="10443103" y="3131080"/>
+              <a:ext cx="1745722" cy="1745720"/>
+            </a:xfrm>
+            <a:prstGeom prst="line">
+              <a:avLst/>
+            </a:prstGeom>
+            <a:ln w="28575">
+              <a:solidFill>
+                <a:schemeClr val="tx1"/>
+              </a:solidFill>
+            </a:ln>
+          </p:spPr>
+          <p:style>
+            <a:lnRef idx="2">
+              <a:schemeClr val="accent1"/>
+            </a:lnRef>
+            <a:fillRef idx="0">
+              <a:schemeClr val="accent1"/>
+            </a:fillRef>
+            <a:effectRef idx="1">
+              <a:schemeClr val="accent1"/>
+            </a:effectRef>
+            <a:fontRef idx="minor">
+              <a:schemeClr val="tx1"/>
+            </a:fontRef>
+          </p:style>
+        </p:cxnSp>
+        <p:cxnSp>
+          <p:nvCxnSpPr>
+            <p:cNvPr id="39" name="Straight Connector 38">
+              <a:extLst>
+                <a:ext uri="{FF2B5EF4-FFF2-40B4-BE49-F238E27FC236}">
+                  <a16:creationId xmlns:a16="http://schemas.microsoft.com/office/drawing/2014/main" id="{F0F6BF17-560A-4388-83EB-CD5FABE5DE58}"/>
+                </a:ext>
+                <a:ext uri="{C183D7F6-B498-43B3-948B-1728B52AA6E4}">
+                  <adec:decorative xmlns:adec="http://schemas.microsoft.com/office/drawing/2017/decorative" val="1"/>
+                </a:ext>
+              </a:extLst>
+            </p:cNvPr>
+            <p:cNvCxnSpPr/>
+            <p:nvPr>
+              <p:extLst>
+                <p:ext uri="{386F3935-93C4-4BCD-93E2-E3B085C9AB24}">
+                  <p16:designElem xmlns:p16="http://schemas.microsoft.com/office/powerpoint/2015/main" val="1"/>
+                </p:ext>
+              </p:extLst>
+            </p:nvPr>
+          </p:nvCxnSpPr>
+          <p:spPr>
+            <a:xfrm flipH="1">
+              <a:off x="10918826" y="3683001"/>
+              <a:ext cx="1270001" cy="1269999"/>
+            </a:xfrm>
+            <a:prstGeom prst="line">
+              <a:avLst/>
+            </a:prstGeom>
+            <a:ln w="28575">
+              <a:solidFill>
+                <a:schemeClr val="tx1"/>
+              </a:solidFill>
+            </a:ln>
+          </p:spPr>
+          <p:style>
+            <a:lnRef idx="2">
+              <a:schemeClr val="accent1"/>
+            </a:lnRef>
+            <a:fillRef idx="0">
+              <a:schemeClr val="accent1"/>
+            </a:fillRef>
+            <a:effectRef idx="1">
+              <a:schemeClr val="accent1"/>
+            </a:effectRef>
+            <a:fontRef idx="minor">
+              <a:schemeClr val="tx1"/>
+            </a:fontRef>
+          </p:style>
+        </p:cxnSp>
+      </p:grpSp>
     </p:spTree>
     <p:extLst>
       <p:ext uri="{BB962C8B-B14F-4D97-AF65-F5344CB8AC3E}">
-        <p14:creationId xmlns:p14="http://schemas.microsoft.com/office/powerpoint/2010/main" val="3676398800"/>
+        <p14:creationId xmlns:p14="http://schemas.microsoft.com/office/powerpoint/2010/main" val="2020127831"/>
       </p:ext>
     </p:extLst>
   </p:cSld>
@@ -17418,4 +20734,299 @@
     </a:ext>
   </a:extLst>
 </a:theme>
+</file>
+
+<file path=ppt/theme/theme2.xml><?xml version="1.0" encoding="utf-8"?>
+<a:theme xmlns:a="http://schemas.openxmlformats.org/drawingml/2006/main" name="Office">
+  <a:themeElements>
+    <a:clrScheme name="Office">
+      <a:dk1>
+        <a:sysClr val="windowText" lastClr="000000"/>
+      </a:dk1>
+      <a:lt1>
+        <a:sysClr val="window" lastClr="FFFFFF"/>
+      </a:lt1>
+      <a:dk2>
+        <a:srgbClr val="44546A"/>
+      </a:dk2>
+      <a:lt2>
+        <a:srgbClr val="E7E6E6"/>
+      </a:lt2>
+      <a:accent1>
+        <a:srgbClr val="4472C4"/>
+      </a:accent1>
+      <a:accent2>
+        <a:srgbClr val="ED7D31"/>
+      </a:accent2>
+      <a:accent3>
+        <a:srgbClr val="A5A5A5"/>
+      </a:accent3>
+      <a:accent4>
+        <a:srgbClr val="FFC000"/>
+      </a:accent4>
+      <a:accent5>
+        <a:srgbClr val="5B9BD5"/>
+      </a:accent5>
+      <a:accent6>
+        <a:srgbClr val="70AD47"/>
+      </a:accent6>
+      <a:hlink>
+        <a:srgbClr val="0563C1"/>
+      </a:hlink>
+      <a:folHlink>
+        <a:srgbClr val="954F72"/>
+      </a:folHlink>
+    </a:clrScheme>
+    <a:fontScheme name="Office">
+      <a:majorFont>
+        <a:latin typeface="Calibri Light" panose="020F0302020204030204"/>
+        <a:ea typeface=""/>
+        <a:cs typeface=""/>
+        <a:font script="Jpan" typeface="游ゴシック Light"/>
+        <a:font script="Hang" typeface="맑은 고딕"/>
+        <a:font script="Hans" typeface="等线 Light"/>
+        <a:font script="Hant" typeface="新細明體"/>
+        <a:font script="Arab" typeface="Times New Roman"/>
+        <a:font script="Hebr" typeface="Times New Roman"/>
+        <a:font script="Thai" typeface="Angsana New"/>
+        <a:font script="Ethi" typeface="Nyala"/>
+        <a:font script="Beng" typeface="Vrinda"/>
+        <a:font script="Gujr" typeface="Shruti"/>
+        <a:font script="Khmr" typeface="MoolBoran"/>
+        <a:font script="Knda" typeface="Tunga"/>
+        <a:font script="Guru" typeface="Raavi"/>
+        <a:font script="Cans" typeface="Euphemia"/>
+        <a:font script="Cher" typeface="Plantagenet Cherokee"/>
+        <a:font script="Yiii" typeface="Microsoft Yi Baiti"/>
+        <a:font script="Tibt" typeface="Microsoft Himalaya"/>
+        <a:font script="Thaa" typeface="MV Boli"/>
+        <a:font script="Deva" typeface="Mangal"/>
+        <a:font script="Telu" typeface="Gautami"/>
+        <a:font script="Taml" typeface="Latha"/>
+        <a:font script="Syrc" typeface="Estrangelo Edessa"/>
+        <a:font script="Orya" typeface="Kalinga"/>
+        <a:font script="Mlym" typeface="Kartika"/>
+        <a:font script="Laoo" typeface="DokChampa"/>
+        <a:font script="Sinh" typeface="Iskoola Pota"/>
+        <a:font script="Mong" typeface="Mongolian Baiti"/>
+        <a:font script="Viet" typeface="Times New Roman"/>
+        <a:font script="Uigh" typeface="Microsoft Uighur"/>
+        <a:font script="Geor" typeface="Sylfaen"/>
+        <a:font script="Armn" typeface="Arial"/>
+        <a:font script="Bugi" typeface="Leelawadee UI"/>
+        <a:font script="Bopo" typeface="Microsoft JhengHei"/>
+        <a:font script="Java" typeface="Javanese Text"/>
+        <a:font script="Lisu" typeface="Segoe UI"/>
+        <a:font script="Mymr" typeface="Myanmar Text"/>
+        <a:font script="Nkoo" typeface="Ebrima"/>
+        <a:font script="Olck" typeface="Nirmala UI"/>
+        <a:font script="Osma" typeface="Ebrima"/>
+        <a:font script="Phag" typeface="Phagspa"/>
+        <a:font script="Syrn" typeface="Estrangelo Edessa"/>
+        <a:font script="Syrj" typeface="Estrangelo Edessa"/>
+        <a:font script="Syre" typeface="Estrangelo Edessa"/>
+        <a:font script="Sora" typeface="Nirmala UI"/>
+        <a:font script="Tale" typeface="Microsoft Tai Le"/>
+        <a:font script="Talu" typeface="Microsoft New Tai Lue"/>
+        <a:font script="Tfng" typeface="Ebrima"/>
+      </a:majorFont>
+      <a:minorFont>
+        <a:latin typeface="Calibri" panose="020F0502020204030204"/>
+        <a:ea typeface=""/>
+        <a:cs typeface=""/>
+        <a:font script="Jpan" typeface="游ゴシック"/>
+        <a:font script="Hang" typeface="맑은 고딕"/>
+        <a:font script="Hans" typeface="等线"/>
+        <a:font script="Hant" typeface="新細明體"/>
+        <a:font script="Arab" typeface="Arial"/>
+        <a:font script="Hebr" typeface="Arial"/>
+        <a:font script="Thai" typeface="Cordia New"/>
+        <a:font script="Ethi" typeface="Nyala"/>
+        <a:font script="Beng" typeface="Vrinda"/>
+        <a:font script="Gujr" typeface="Shruti"/>
+        <a:font script="Khmr" typeface="DaunPenh"/>
+        <a:font script="Knda" typeface="Tunga"/>
+        <a:font script="Guru" typeface="Raavi"/>
+        <a:font script="Cans" typeface="Euphemia"/>
+        <a:font script="Cher" typeface="Plantagenet Cherokee"/>
+        <a:font script="Yiii" typeface="Microsoft Yi Baiti"/>
+        <a:font script="Tibt" typeface="Microsoft Himalaya"/>
+        <a:font script="Thaa" typeface="MV Boli"/>
+        <a:font script="Deva" typeface="Mangal"/>
+        <a:font script="Telu" typeface="Gautami"/>
+        <a:font script="Taml" typeface="Latha"/>
+        <a:font script="Syrc" typeface="Estrangelo Edessa"/>
+        <a:font script="Orya" typeface="Kalinga"/>
+        <a:font script="Mlym" typeface="Kartika"/>
+        <a:font script="Laoo" typeface="DokChampa"/>
+        <a:font script="Sinh" typeface="Iskoola Pota"/>
+        <a:font script="Mong" typeface="Mongolian Baiti"/>
+        <a:font script="Viet" typeface="Arial"/>
+        <a:font script="Uigh" typeface="Microsoft Uighur"/>
+        <a:font script="Geor" typeface="Sylfaen"/>
+        <a:font script="Armn" typeface="Arial"/>
+        <a:font script="Bugi" typeface="Leelawadee UI"/>
+        <a:font script="Bopo" typeface="Microsoft JhengHei"/>
+        <a:font script="Java" typeface="Javanese Text"/>
+        <a:font script="Lisu" typeface="Segoe UI"/>
+        <a:font script="Mymr" typeface="Myanmar Text"/>
+        <a:font script="Nkoo" typeface="Ebrima"/>
+        <a:font script="Olck" typeface="Nirmala UI"/>
+        <a:font script="Osma" typeface="Ebrima"/>
+        <a:font script="Phag" typeface="Phagspa"/>
+        <a:font script="Syrn" typeface="Estrangelo Edessa"/>
+        <a:font script="Syrj" typeface="Estrangelo Edessa"/>
+        <a:font script="Syre" typeface="Estrangelo Edessa"/>
+        <a:font script="Sora" typeface="Nirmala UI"/>
+        <a:font script="Tale" typeface="Microsoft Tai Le"/>
+        <a:font script="Talu" typeface="Microsoft New Tai Lue"/>
+        <a:font script="Tfng" typeface="Ebrima"/>
+      </a:minorFont>
+    </a:fontScheme>
+    <a:fmtScheme name="Office">
+      <a:fillStyleLst>
+        <a:solidFill>
+          <a:schemeClr val="phClr"/>
+        </a:solidFill>
+        <a:gradFill rotWithShape="1">
+          <a:gsLst>
+            <a:gs pos="0">
+              <a:schemeClr val="phClr">
+                <a:lumMod val="110000"/>
+                <a:satMod val="105000"/>
+                <a:tint val="67000"/>
+              </a:schemeClr>
+            </a:gs>
+            <a:gs pos="50000">
+              <a:schemeClr val="phClr">
+                <a:lumMod val="105000"/>
+                <a:satMod val="103000"/>
+                <a:tint val="73000"/>
+              </a:schemeClr>
+            </a:gs>
+            <a:gs pos="100000">
+              <a:schemeClr val="phClr">
+                <a:lumMod val="105000"/>
+                <a:satMod val="109000"/>
+                <a:tint val="81000"/>
+              </a:schemeClr>
+            </a:gs>
+          </a:gsLst>
+          <a:lin ang="5400000" scaled="0"/>
+        </a:gradFill>
+        <a:gradFill rotWithShape="1">
+          <a:gsLst>
+            <a:gs pos="0">
+              <a:schemeClr val="phClr">
+                <a:satMod val="103000"/>
+                <a:lumMod val="102000"/>
+                <a:tint val="94000"/>
+              </a:schemeClr>
+            </a:gs>
+            <a:gs pos="50000">
+              <a:schemeClr val="phClr">
+                <a:satMod val="110000"/>
+                <a:lumMod val="100000"/>
+                <a:shade val="100000"/>
+              </a:schemeClr>
+            </a:gs>
+            <a:gs pos="100000">
+              <a:schemeClr val="phClr">
+                <a:lumMod val="99000"/>
+                <a:satMod val="120000"/>
+                <a:shade val="78000"/>
+              </a:schemeClr>
+            </a:gs>
+          </a:gsLst>
+          <a:lin ang="5400000" scaled="0"/>
+        </a:gradFill>
+      </a:fillStyleLst>
+      <a:lnStyleLst>
+        <a:ln w="6350" cap="flat" cmpd="sng" algn="ctr">
+          <a:solidFill>
+            <a:schemeClr val="phClr"/>
+          </a:solidFill>
+          <a:prstDash val="solid"/>
+          <a:miter lim="800000"/>
+        </a:ln>
+        <a:ln w="12700" cap="flat" cmpd="sng" algn="ctr">
+          <a:solidFill>
+            <a:schemeClr val="phClr"/>
+          </a:solidFill>
+          <a:prstDash val="solid"/>
+          <a:miter lim="800000"/>
+        </a:ln>
+        <a:ln w="19050" cap="flat" cmpd="sng" algn="ctr">
+          <a:solidFill>
+            <a:schemeClr val="phClr"/>
+          </a:solidFill>
+          <a:prstDash val="solid"/>
+          <a:miter lim="800000"/>
+        </a:ln>
+      </a:lnStyleLst>
+      <a:effectStyleLst>
+        <a:effectStyle>
+          <a:effectLst/>
+        </a:effectStyle>
+        <a:effectStyle>
+          <a:effectLst/>
+        </a:effectStyle>
+        <a:effectStyle>
+          <a:effectLst>
+            <a:outerShdw blurRad="57150" dist="19050" dir="5400000" algn="ctr" rotWithShape="0">
+              <a:srgbClr val="000000">
+                <a:alpha val="63000"/>
+              </a:srgbClr>
+            </a:outerShdw>
+          </a:effectLst>
+        </a:effectStyle>
+      </a:effectStyleLst>
+      <a:bgFillStyleLst>
+        <a:solidFill>
+          <a:schemeClr val="phClr"/>
+        </a:solidFill>
+        <a:solidFill>
+          <a:schemeClr val="phClr">
+            <a:tint val="95000"/>
+            <a:satMod val="170000"/>
+          </a:schemeClr>
+        </a:solidFill>
+        <a:gradFill rotWithShape="1">
+          <a:gsLst>
+            <a:gs pos="0">
+              <a:schemeClr val="phClr">
+                <a:tint val="93000"/>
+                <a:satMod val="150000"/>
+                <a:shade val="98000"/>
+                <a:lumMod val="102000"/>
+              </a:schemeClr>
+            </a:gs>
+            <a:gs pos="50000">
+              <a:schemeClr val="phClr">
+                <a:tint val="98000"/>
+                <a:satMod val="130000"/>
+                <a:shade val="90000"/>
+                <a:lumMod val="103000"/>
+              </a:schemeClr>
+            </a:gs>
+            <a:gs pos="100000">
+              <a:schemeClr val="phClr">
+                <a:shade val="63000"/>
+                <a:satMod val="120000"/>
+              </a:schemeClr>
+            </a:gs>
+          </a:gsLst>
+          <a:lin ang="5400000" scaled="0"/>
+        </a:gradFill>
+      </a:bgFillStyleLst>
+    </a:fmtScheme>
+  </a:themeElements>
+  <a:objectDefaults/>
+  <a:extraClrSchemeLst/>
+  <a:extLst>
+    <a:ext uri="{05A4C25C-085E-4340-85A3-A5531E510DB2}">
+      <thm15:themeFamily xmlns:thm15="http://schemas.microsoft.com/office/thememl/2012/main" name="Office Theme" id="{62F939B6-93AF-4DB8-9C6B-D6C7DFDC589F}" vid="{4A3C46E8-61CC-4603-A589-7422A47A8E4A}"/>
+    </a:ext>
+  </a:extLst>
+</a:theme>
 </file>
--- a/presentation/presentation.pptx
+++ b/presentation/presentation.pptx
@@ -126,6 +126,11 @@
       </a:defRPr>
     </a:lvl9pPr>
   </p:defaultTextStyle>
+  <p:extLst>
+    <p:ext uri="{EFAFB233-063F-42B5-8137-9DF3F51BA10A}">
+      <p15:sldGuideLst xmlns:p15="http://schemas.microsoft.com/office/powerpoint/2012/main"/>
+    </p:ext>
+  </p:extLst>
 </p:presentation>
 </file>
 
@@ -18700,6 +18705,41 @@
           <a:lstStyle/>
           <a:p>
             <a:r>
+              <a:rPr lang="de-AT" dirty="0"/>
+              <a:t>A </a:t>
+            </a:r>
+            <a:r>
+              <a:rPr lang="de-AT" dirty="0" err="1"/>
+              <a:t>lot</a:t>
+            </a:r>
+            <a:r>
+              <a:rPr lang="de-AT" dirty="0"/>
+              <a:t> </a:t>
+            </a:r>
+            <a:r>
+              <a:rPr lang="de-AT" dirty="0" err="1"/>
+              <a:t>of</a:t>
+            </a:r>
+            <a:r>
+              <a:rPr lang="de-AT" dirty="0"/>
+              <a:t> </a:t>
+            </a:r>
+            <a:r>
+              <a:rPr lang="de-AT" dirty="0" err="1"/>
+              <a:t>information</a:t>
+            </a:r>
+            <a:r>
+              <a:rPr lang="de-AT" dirty="0"/>
+              <a:t> </a:t>
+            </a:r>
+            <a:r>
+              <a:rPr lang="de-AT" dirty="0" err="1"/>
+              <a:t>provided</a:t>
+            </a:r>
+            <a:endParaRPr lang="de-AT" dirty="0"/>
+          </a:p>
+          <a:p>
+            <a:r>
               <a:rPr lang="de-AT" dirty="0" err="1"/>
               <a:t>Bloated</a:t>
             </a:r>
@@ -18736,6 +18776,12 @@
             <a:r>
               <a:rPr lang="en-US" dirty="0"/>
               <a:t>“Higher” functions idea good, but often riddled with bugs</a:t>
+            </a:r>
+          </a:p>
+          <a:p>
+            <a:r>
+              <a:rPr lang="en-US" dirty="0"/>
+              <a:t>In depth information on some content</a:t>
             </a:r>
             <a:endParaRPr lang="de-AT" dirty="0"/>
           </a:p>
